--- a/DFS_presentation.pptx
+++ b/DFS_presentation.pptx
@@ -22,6 +22,12 @@
     <p:sldId id="267" r:id="rId17"/>
     <p:sldId id="268" r:id="rId18"/>
     <p:sldId id="269" r:id="rId19"/>
+    <p:sldId id="270" r:id="rId20"/>
+    <p:sldId id="271" r:id="rId21"/>
+    <p:sldId id="272" r:id="rId22"/>
+    <p:sldId id="273" r:id="rId23"/>
+    <p:sldId id="274" r:id="rId24"/>
+    <p:sldId id="275" r:id="rId25"/>
   </p:sldIdLst>
   <p:sldSz cy="6858000" cx="9144000"/>
   <p:notesSz cx="6858000" cy="9144000"/>
@@ -270,7 +276,7 @@
       </p15:sldGuideLst>
     </p:ext>
     <p:ext uri="GoogleSlidesCustomDataVersion2">
-      <go:slidesCustomData xmlns:go="http://customooxmlschemas.google.com/" r:id="rId20" roundtripDataSignature="AMtx7mjTc4S8pbSJQuIoQThI107HGhMf6w=="/>
+      <go:slidesCustomData xmlns:go="http://customooxmlschemas.google.com/" r:id="rId26" roundtripDataSignature="AMtx7mi+F4QO3EJ/WHfJU5lLZn4aQDYwoQ=="/>
     </p:ext>
   </p:extLst>
 </p:presentation>
@@ -820,7 +826,7 @@
       </p:grpSpPr>
       <p:sp>
         <p:nvSpPr>
-          <p:cNvPr id="286" name="Google Shape;286;g31367de9b8b_1_0:notes"/>
+          <p:cNvPr id="286" name="Google Shape;286;p8:notes"/>
           <p:cNvSpPr txBox="1"/>
           <p:nvPr>
             <p:ph idx="1" type="body"/>
@@ -859,7 +865,7 @@
       </p:sp>
       <p:sp>
         <p:nvSpPr>
-          <p:cNvPr id="287" name="Google Shape;287;g31367de9b8b_1_0:notes"/>
+          <p:cNvPr id="287" name="Google Shape;287;p8:notes"/>
           <p:cNvSpPr/>
           <p:nvPr>
             <p:ph idx="2" type="sldImg"/>
@@ -868,7 +874,7 @@
         <p:spPr>
           <a:xfrm>
             <a:off x="1143225" y="685800"/>
-            <a:ext cx="4572300" cy="3429000"/>
+            <a:ext cx="4572225" cy="3429000"/>
           </a:xfrm>
           <a:custGeom>
             <a:rect b="b" l="l" r="r" t="t"/>
@@ -919,7 +925,7 @@
       </p:grpSpPr>
       <p:sp>
         <p:nvSpPr>
-          <p:cNvPr id="292" name="Google Shape;292;p10:notes"/>
+          <p:cNvPr id="292" name="Google Shape;292;p9:notes"/>
           <p:cNvSpPr txBox="1"/>
           <p:nvPr>
             <p:ph idx="1" type="body"/>
@@ -958,7 +964,7 @@
       </p:sp>
       <p:sp>
         <p:nvSpPr>
-          <p:cNvPr id="293" name="Google Shape;293;p10:notes"/>
+          <p:cNvPr id="293" name="Google Shape;293;p9:notes"/>
           <p:cNvSpPr/>
           <p:nvPr>
             <p:ph idx="2" type="sldImg"/>
@@ -1018,7 +1024,7 @@
       </p:grpSpPr>
       <p:sp>
         <p:nvSpPr>
-          <p:cNvPr id="298" name="Google Shape;298;p11:notes"/>
+          <p:cNvPr id="298" name="Google Shape;298;g31367de9b8b_1_0:notes"/>
           <p:cNvSpPr txBox="1"/>
           <p:nvPr>
             <p:ph idx="1" type="body"/>
@@ -1057,7 +1063,7 @@
       </p:sp>
       <p:sp>
         <p:nvSpPr>
-          <p:cNvPr id="299" name="Google Shape;299;p11:notes"/>
+          <p:cNvPr id="299" name="Google Shape;299;g31367de9b8b_1_0:notes"/>
           <p:cNvSpPr/>
           <p:nvPr>
             <p:ph idx="2" type="sldImg"/>
@@ -1066,7 +1072,7 @@
         <p:spPr>
           <a:xfrm>
             <a:off x="1143225" y="685800"/>
-            <a:ext cx="4572225" cy="3429000"/>
+            <a:ext cx="4572300" cy="3429000"/>
           </a:xfrm>
           <a:custGeom>
             <a:rect b="b" l="l" r="r" t="t"/>
@@ -1117,7 +1123,7 @@
       </p:grpSpPr>
       <p:sp>
         <p:nvSpPr>
-          <p:cNvPr id="304" name="Google Shape;304;g3133fc85961_0_1:notes"/>
+          <p:cNvPr id="304" name="Google Shape;304;p10:notes"/>
           <p:cNvSpPr txBox="1"/>
           <p:nvPr>
             <p:ph idx="1" type="body"/>
@@ -1156,7 +1162,7 @@
       </p:sp>
       <p:sp>
         <p:nvSpPr>
-          <p:cNvPr id="305" name="Google Shape;305;g3133fc85961_0_1:notes"/>
+          <p:cNvPr id="305" name="Google Shape;305;p10:notes"/>
           <p:cNvSpPr/>
           <p:nvPr>
             <p:ph idx="2" type="sldImg"/>
@@ -1165,7 +1171,7 @@
         <p:spPr>
           <a:xfrm>
             <a:off x="1143225" y="685800"/>
-            <a:ext cx="4572300" cy="3429000"/>
+            <a:ext cx="4572225" cy="3429000"/>
           </a:xfrm>
           <a:custGeom>
             <a:rect b="b" l="l" r="r" t="t"/>
@@ -1216,7 +1222,7 @@
       </p:grpSpPr>
       <p:sp>
         <p:nvSpPr>
-          <p:cNvPr id="310" name="Google Shape;310;p12:notes"/>
+          <p:cNvPr id="310" name="Google Shape;310;p11:notes"/>
           <p:cNvSpPr txBox="1"/>
           <p:nvPr>
             <p:ph idx="1" type="body"/>
@@ -1255,7 +1261,7 @@
       </p:sp>
       <p:sp>
         <p:nvSpPr>
-          <p:cNvPr id="311" name="Google Shape;311;p12:notes"/>
+          <p:cNvPr id="311" name="Google Shape;311;p11:notes"/>
           <p:cNvSpPr/>
           <p:nvPr>
             <p:ph idx="2" type="sldImg"/>
@@ -1265,6 +1271,501 @@
           <a:xfrm>
             <a:off x="1143225" y="685800"/>
             <a:ext cx="4572225" cy="3429000"/>
+          </a:xfrm>
+          <a:custGeom>
+            <a:rect b="b" l="l" r="r" t="t"/>
+            <a:pathLst>
+              <a:path extrusionOk="0" h="120000" w="120000">
+                <a:moveTo>
+                  <a:pt x="0" y="0"/>
+                </a:moveTo>
+                <a:lnTo>
+                  <a:pt x="120000" y="0"/>
+                </a:lnTo>
+                <a:lnTo>
+                  <a:pt x="120000" y="120000"/>
+                </a:lnTo>
+                <a:lnTo>
+                  <a:pt x="0" y="120000"/>
+                </a:lnTo>
+                <a:close/>
+              </a:path>
+            </a:pathLst>
+          </a:custGeom>
+        </p:spPr>
+      </p:sp>
+    </p:spTree>
+  </p:cSld>
+  <p:clrMapOvr>
+    <a:masterClrMapping/>
+  </p:clrMapOvr>
+</p:notes>
+</file>
+
+<file path=ppt/notesSlides/notesSlide15.xml><?xml version="1.0" encoding="utf-8"?>
+<p:notes xmlns:a="http://schemas.openxmlformats.org/drawingml/2006/main" xmlns:r="http://schemas.openxmlformats.org/officeDocument/2006/relationships" xmlns:mc="http://schemas.openxmlformats.org/markup-compatibility/2006" xmlns:mv="urn:schemas-microsoft-com:mac:vml" xmlns:p="http://schemas.openxmlformats.org/presentationml/2006/main" xmlns:c="http://schemas.openxmlformats.org/drawingml/2006/chart" xmlns:dgm="http://schemas.openxmlformats.org/drawingml/2006/diagram" xmlns:o="urn:schemas-microsoft-com:office:office" xmlns:v="urn:schemas-microsoft-com:vml" xmlns:pvml="urn:schemas-microsoft-com:office:powerpoint" xmlns:com="http://schemas.openxmlformats.org/drawingml/2006/compatibility" xmlns:p14="http://schemas.microsoft.com/office/powerpoint/2010/main" xmlns:p15="http://schemas.microsoft.com/office/powerpoint/2012/main" xmlns:ahyp="http://schemas.microsoft.com/office/drawing/2018/hyperlinkcolor" showMasterPhAnim="0" showMasterSp="0">
+  <p:cSld>
+    <p:spTree>
+      <p:nvGrpSpPr>
+        <p:cNvPr id="315" name="Shape 315"/>
+        <p:cNvGrpSpPr/>
+        <p:nvPr/>
+      </p:nvGrpSpPr>
+      <p:grpSpPr>
+        <a:xfrm>
+          <a:off x="0" y="0"/>
+          <a:ext cx="0" cy="0"/>
+          <a:chOff x="0" y="0"/>
+          <a:chExt cx="0" cy="0"/>
+        </a:xfrm>
+      </p:grpSpPr>
+      <p:sp>
+        <p:nvSpPr>
+          <p:cNvPr id="316" name="Google Shape;316;g3133fc85961_0_1:notes"/>
+          <p:cNvSpPr txBox="1"/>
+          <p:nvPr>
+            <p:ph idx="1" type="body"/>
+          </p:nvPr>
+        </p:nvSpPr>
+        <p:spPr>
+          <a:xfrm>
+            <a:off x="685800" y="4343400"/>
+            <a:ext cx="5486400" cy="4114800"/>
+          </a:xfrm>
+          <a:prstGeom prst="rect">
+            <a:avLst/>
+          </a:prstGeom>
+        </p:spPr>
+        <p:txBody>
+          <a:bodyPr anchorCtr="0" anchor="t" bIns="91425" lIns="91425" spcFirstLastPara="1" rIns="91425" wrap="square" tIns="91425">
+            <a:noAutofit/>
+          </a:bodyPr>
+          <a:lstStyle/>
+          <a:p>
+            <a:pPr indent="0" lvl="0" marL="0" rtl="0" algn="l">
+              <a:spcBef>
+                <a:spcPts val="0"/>
+              </a:spcBef>
+              <a:spcAft>
+                <a:spcPts val="0"/>
+              </a:spcAft>
+              <a:buNone/>
+            </a:pPr>
+            <a:r>
+              <a:t/>
+            </a:r>
+            <a:endParaRPr/>
+          </a:p>
+        </p:txBody>
+      </p:sp>
+      <p:sp>
+        <p:nvSpPr>
+          <p:cNvPr id="317" name="Google Shape;317;g3133fc85961_0_1:notes"/>
+          <p:cNvSpPr/>
+          <p:nvPr>
+            <p:ph idx="2" type="sldImg"/>
+          </p:nvPr>
+        </p:nvSpPr>
+        <p:spPr>
+          <a:xfrm>
+            <a:off x="1143225" y="685800"/>
+            <a:ext cx="4572300" cy="3429000"/>
+          </a:xfrm>
+          <a:custGeom>
+            <a:rect b="b" l="l" r="r" t="t"/>
+            <a:pathLst>
+              <a:path extrusionOk="0" h="120000" w="120000">
+                <a:moveTo>
+                  <a:pt x="0" y="0"/>
+                </a:moveTo>
+                <a:lnTo>
+                  <a:pt x="120000" y="0"/>
+                </a:lnTo>
+                <a:lnTo>
+                  <a:pt x="120000" y="120000"/>
+                </a:lnTo>
+                <a:lnTo>
+                  <a:pt x="0" y="120000"/>
+                </a:lnTo>
+                <a:close/>
+              </a:path>
+            </a:pathLst>
+          </a:custGeom>
+        </p:spPr>
+      </p:sp>
+    </p:spTree>
+  </p:cSld>
+  <p:clrMapOvr>
+    <a:masterClrMapping/>
+  </p:clrMapOvr>
+</p:notes>
+</file>
+
+<file path=ppt/notesSlides/notesSlide16.xml><?xml version="1.0" encoding="utf-8"?>
+<p:notes xmlns:a="http://schemas.openxmlformats.org/drawingml/2006/main" xmlns:r="http://schemas.openxmlformats.org/officeDocument/2006/relationships" xmlns:mc="http://schemas.openxmlformats.org/markup-compatibility/2006" xmlns:mv="urn:schemas-microsoft-com:mac:vml" xmlns:p="http://schemas.openxmlformats.org/presentationml/2006/main" xmlns:c="http://schemas.openxmlformats.org/drawingml/2006/chart" xmlns:dgm="http://schemas.openxmlformats.org/drawingml/2006/diagram" xmlns:o="urn:schemas-microsoft-com:office:office" xmlns:v="urn:schemas-microsoft-com:vml" xmlns:pvml="urn:schemas-microsoft-com:office:powerpoint" xmlns:com="http://schemas.openxmlformats.org/drawingml/2006/compatibility" xmlns:p14="http://schemas.microsoft.com/office/powerpoint/2010/main" xmlns:p15="http://schemas.microsoft.com/office/powerpoint/2012/main" xmlns:ahyp="http://schemas.microsoft.com/office/drawing/2018/hyperlinkcolor" showMasterPhAnim="0" showMasterSp="0">
+  <p:cSld>
+    <p:spTree>
+      <p:nvGrpSpPr>
+        <p:cNvPr id="321" name="Shape 321"/>
+        <p:cNvGrpSpPr/>
+        <p:nvPr/>
+      </p:nvGrpSpPr>
+      <p:grpSpPr>
+        <a:xfrm>
+          <a:off x="0" y="0"/>
+          <a:ext cx="0" cy="0"/>
+          <a:chOff x="0" y="0"/>
+          <a:chExt cx="0" cy="0"/>
+        </a:xfrm>
+      </p:grpSpPr>
+      <p:sp>
+        <p:nvSpPr>
+          <p:cNvPr id="322" name="Google Shape;322;p12:notes"/>
+          <p:cNvSpPr txBox="1"/>
+          <p:nvPr>
+            <p:ph idx="1" type="body"/>
+          </p:nvPr>
+        </p:nvSpPr>
+        <p:spPr>
+          <a:xfrm>
+            <a:off x="685800" y="4343400"/>
+            <a:ext cx="5486400" cy="4114800"/>
+          </a:xfrm>
+          <a:prstGeom prst="rect">
+            <a:avLst/>
+          </a:prstGeom>
+        </p:spPr>
+        <p:txBody>
+          <a:bodyPr anchorCtr="0" anchor="t" bIns="91425" lIns="91425" spcFirstLastPara="1" rIns="91425" wrap="square" tIns="91425">
+            <a:noAutofit/>
+          </a:bodyPr>
+          <a:lstStyle/>
+          <a:p>
+            <a:pPr indent="0" lvl="0" marL="0" rtl="0" algn="l">
+              <a:spcBef>
+                <a:spcPts val="0"/>
+              </a:spcBef>
+              <a:spcAft>
+                <a:spcPts val="0"/>
+              </a:spcAft>
+              <a:buNone/>
+            </a:pPr>
+            <a:r>
+              <a:t/>
+            </a:r>
+            <a:endParaRPr/>
+          </a:p>
+        </p:txBody>
+      </p:sp>
+      <p:sp>
+        <p:nvSpPr>
+          <p:cNvPr id="323" name="Google Shape;323;p12:notes"/>
+          <p:cNvSpPr/>
+          <p:nvPr>
+            <p:ph idx="2" type="sldImg"/>
+          </p:nvPr>
+        </p:nvSpPr>
+        <p:spPr>
+          <a:xfrm>
+            <a:off x="1143225" y="685800"/>
+            <a:ext cx="4572300" cy="3429000"/>
+          </a:xfrm>
+          <a:custGeom>
+            <a:rect b="b" l="l" r="r" t="t"/>
+            <a:pathLst>
+              <a:path extrusionOk="0" h="120000" w="120000">
+                <a:moveTo>
+                  <a:pt x="0" y="0"/>
+                </a:moveTo>
+                <a:lnTo>
+                  <a:pt x="120000" y="0"/>
+                </a:lnTo>
+                <a:lnTo>
+                  <a:pt x="120000" y="120000"/>
+                </a:lnTo>
+                <a:lnTo>
+                  <a:pt x="0" y="120000"/>
+                </a:lnTo>
+                <a:close/>
+              </a:path>
+            </a:pathLst>
+          </a:custGeom>
+        </p:spPr>
+      </p:sp>
+    </p:spTree>
+  </p:cSld>
+  <p:clrMapOvr>
+    <a:masterClrMapping/>
+  </p:clrMapOvr>
+</p:notes>
+</file>
+
+<file path=ppt/notesSlides/notesSlide17.xml><?xml version="1.0" encoding="utf-8"?>
+<p:notes xmlns:a="http://schemas.openxmlformats.org/drawingml/2006/main" xmlns:r="http://schemas.openxmlformats.org/officeDocument/2006/relationships" xmlns:mc="http://schemas.openxmlformats.org/markup-compatibility/2006" xmlns:mv="urn:schemas-microsoft-com:mac:vml" xmlns:p="http://schemas.openxmlformats.org/presentationml/2006/main" xmlns:c="http://schemas.openxmlformats.org/drawingml/2006/chart" xmlns:dgm="http://schemas.openxmlformats.org/drawingml/2006/diagram" xmlns:o="urn:schemas-microsoft-com:office:office" xmlns:v="urn:schemas-microsoft-com:vml" xmlns:pvml="urn:schemas-microsoft-com:office:powerpoint" xmlns:com="http://schemas.openxmlformats.org/drawingml/2006/compatibility" xmlns:p14="http://schemas.microsoft.com/office/powerpoint/2010/main" xmlns:p15="http://schemas.microsoft.com/office/powerpoint/2012/main" xmlns:ahyp="http://schemas.microsoft.com/office/drawing/2018/hyperlinkcolor" showMasterPhAnim="0" showMasterSp="0">
+  <p:cSld>
+    <p:spTree>
+      <p:nvGrpSpPr>
+        <p:cNvPr id="328" name="Shape 328"/>
+        <p:cNvGrpSpPr/>
+        <p:nvPr/>
+      </p:nvGrpSpPr>
+      <p:grpSpPr>
+        <a:xfrm>
+          <a:off x="0" y="0"/>
+          <a:ext cx="0" cy="0"/>
+          <a:chOff x="0" y="0"/>
+          <a:chExt cx="0" cy="0"/>
+        </a:xfrm>
+      </p:grpSpPr>
+      <p:sp>
+        <p:nvSpPr>
+          <p:cNvPr id="329" name="Google Shape;329;g31a62b8e51e_0_0:notes"/>
+          <p:cNvSpPr txBox="1"/>
+          <p:nvPr>
+            <p:ph idx="1" type="body"/>
+          </p:nvPr>
+        </p:nvSpPr>
+        <p:spPr>
+          <a:xfrm>
+            <a:off x="685800" y="4343400"/>
+            <a:ext cx="5486400" cy="4114800"/>
+          </a:xfrm>
+          <a:prstGeom prst="rect">
+            <a:avLst/>
+          </a:prstGeom>
+        </p:spPr>
+        <p:txBody>
+          <a:bodyPr anchorCtr="0" anchor="t" bIns="91425" lIns="91425" spcFirstLastPara="1" rIns="91425" wrap="square" tIns="91425">
+            <a:noAutofit/>
+          </a:bodyPr>
+          <a:lstStyle/>
+          <a:p>
+            <a:pPr indent="0" lvl="0" marL="0" rtl="0" algn="l">
+              <a:spcBef>
+                <a:spcPts val="0"/>
+              </a:spcBef>
+              <a:spcAft>
+                <a:spcPts val="0"/>
+              </a:spcAft>
+              <a:buNone/>
+            </a:pPr>
+            <a:r>
+              <a:t/>
+            </a:r>
+            <a:endParaRPr/>
+          </a:p>
+        </p:txBody>
+      </p:sp>
+      <p:sp>
+        <p:nvSpPr>
+          <p:cNvPr id="330" name="Google Shape;330;g31a62b8e51e_0_0:notes"/>
+          <p:cNvSpPr/>
+          <p:nvPr>
+            <p:ph idx="2" type="sldImg"/>
+          </p:nvPr>
+        </p:nvSpPr>
+        <p:spPr>
+          <a:xfrm>
+            <a:off x="1143225" y="685800"/>
+            <a:ext cx="4572300" cy="3429000"/>
+          </a:xfrm>
+          <a:custGeom>
+            <a:rect b="b" l="l" r="r" t="t"/>
+            <a:pathLst>
+              <a:path extrusionOk="0" h="120000" w="120000">
+                <a:moveTo>
+                  <a:pt x="0" y="0"/>
+                </a:moveTo>
+                <a:lnTo>
+                  <a:pt x="120000" y="0"/>
+                </a:lnTo>
+                <a:lnTo>
+                  <a:pt x="120000" y="120000"/>
+                </a:lnTo>
+                <a:lnTo>
+                  <a:pt x="0" y="120000"/>
+                </a:lnTo>
+                <a:close/>
+              </a:path>
+            </a:pathLst>
+          </a:custGeom>
+        </p:spPr>
+      </p:sp>
+    </p:spTree>
+  </p:cSld>
+  <p:clrMapOvr>
+    <a:masterClrMapping/>
+  </p:clrMapOvr>
+</p:notes>
+</file>
+
+<file path=ppt/notesSlides/notesSlide18.xml><?xml version="1.0" encoding="utf-8"?>
+<p:notes xmlns:a="http://schemas.openxmlformats.org/drawingml/2006/main" xmlns:r="http://schemas.openxmlformats.org/officeDocument/2006/relationships" xmlns:mc="http://schemas.openxmlformats.org/markup-compatibility/2006" xmlns:mv="urn:schemas-microsoft-com:mac:vml" xmlns:p="http://schemas.openxmlformats.org/presentationml/2006/main" xmlns:c="http://schemas.openxmlformats.org/drawingml/2006/chart" xmlns:dgm="http://schemas.openxmlformats.org/drawingml/2006/diagram" xmlns:o="urn:schemas-microsoft-com:office:office" xmlns:v="urn:schemas-microsoft-com:vml" xmlns:pvml="urn:schemas-microsoft-com:office:powerpoint" xmlns:com="http://schemas.openxmlformats.org/drawingml/2006/compatibility" xmlns:p14="http://schemas.microsoft.com/office/powerpoint/2010/main" xmlns:p15="http://schemas.microsoft.com/office/powerpoint/2012/main" xmlns:ahyp="http://schemas.microsoft.com/office/drawing/2018/hyperlinkcolor" showMasterPhAnim="0" showMasterSp="0">
+  <p:cSld>
+    <p:spTree>
+      <p:nvGrpSpPr>
+        <p:cNvPr id="335" name="Shape 335"/>
+        <p:cNvGrpSpPr/>
+        <p:nvPr/>
+      </p:nvGrpSpPr>
+      <p:grpSpPr>
+        <a:xfrm>
+          <a:off x="0" y="0"/>
+          <a:ext cx="0" cy="0"/>
+          <a:chOff x="0" y="0"/>
+          <a:chExt cx="0" cy="0"/>
+        </a:xfrm>
+      </p:grpSpPr>
+      <p:sp>
+        <p:nvSpPr>
+          <p:cNvPr id="336" name="Google Shape;336;g31a62b8e51e_0_7:notes"/>
+          <p:cNvSpPr txBox="1"/>
+          <p:nvPr>
+            <p:ph idx="1" type="body"/>
+          </p:nvPr>
+        </p:nvSpPr>
+        <p:spPr>
+          <a:xfrm>
+            <a:off x="685800" y="4343400"/>
+            <a:ext cx="5486400" cy="4114800"/>
+          </a:xfrm>
+          <a:prstGeom prst="rect">
+            <a:avLst/>
+          </a:prstGeom>
+        </p:spPr>
+        <p:txBody>
+          <a:bodyPr anchorCtr="0" anchor="t" bIns="91425" lIns="91425" spcFirstLastPara="1" rIns="91425" wrap="square" tIns="91425">
+            <a:noAutofit/>
+          </a:bodyPr>
+          <a:lstStyle/>
+          <a:p>
+            <a:pPr indent="0" lvl="0" marL="0" rtl="0" algn="l">
+              <a:spcBef>
+                <a:spcPts val="0"/>
+              </a:spcBef>
+              <a:spcAft>
+                <a:spcPts val="0"/>
+              </a:spcAft>
+              <a:buNone/>
+            </a:pPr>
+            <a:r>
+              <a:t/>
+            </a:r>
+            <a:endParaRPr/>
+          </a:p>
+        </p:txBody>
+      </p:sp>
+      <p:sp>
+        <p:nvSpPr>
+          <p:cNvPr id="337" name="Google Shape;337;g31a62b8e51e_0_7:notes"/>
+          <p:cNvSpPr/>
+          <p:nvPr>
+            <p:ph idx="2" type="sldImg"/>
+          </p:nvPr>
+        </p:nvSpPr>
+        <p:spPr>
+          <a:xfrm>
+            <a:off x="1143225" y="685800"/>
+            <a:ext cx="4572300" cy="3429000"/>
+          </a:xfrm>
+          <a:custGeom>
+            <a:rect b="b" l="l" r="r" t="t"/>
+            <a:pathLst>
+              <a:path extrusionOk="0" h="120000" w="120000">
+                <a:moveTo>
+                  <a:pt x="0" y="0"/>
+                </a:moveTo>
+                <a:lnTo>
+                  <a:pt x="120000" y="0"/>
+                </a:lnTo>
+                <a:lnTo>
+                  <a:pt x="120000" y="120000"/>
+                </a:lnTo>
+                <a:lnTo>
+                  <a:pt x="0" y="120000"/>
+                </a:lnTo>
+                <a:close/>
+              </a:path>
+            </a:pathLst>
+          </a:custGeom>
+        </p:spPr>
+      </p:sp>
+    </p:spTree>
+  </p:cSld>
+  <p:clrMapOvr>
+    <a:masterClrMapping/>
+  </p:clrMapOvr>
+</p:notes>
+</file>
+
+<file path=ppt/notesSlides/notesSlide19.xml><?xml version="1.0" encoding="utf-8"?>
+<p:notes xmlns:a="http://schemas.openxmlformats.org/drawingml/2006/main" xmlns:r="http://schemas.openxmlformats.org/officeDocument/2006/relationships" xmlns:mc="http://schemas.openxmlformats.org/markup-compatibility/2006" xmlns:mv="urn:schemas-microsoft-com:mac:vml" xmlns:p="http://schemas.openxmlformats.org/presentationml/2006/main" xmlns:c="http://schemas.openxmlformats.org/drawingml/2006/chart" xmlns:dgm="http://schemas.openxmlformats.org/drawingml/2006/diagram" xmlns:o="urn:schemas-microsoft-com:office:office" xmlns:v="urn:schemas-microsoft-com:vml" xmlns:pvml="urn:schemas-microsoft-com:office:powerpoint" xmlns:com="http://schemas.openxmlformats.org/drawingml/2006/compatibility" xmlns:p14="http://schemas.microsoft.com/office/powerpoint/2010/main" xmlns:p15="http://schemas.microsoft.com/office/powerpoint/2012/main" xmlns:ahyp="http://schemas.microsoft.com/office/drawing/2018/hyperlinkcolor" showMasterPhAnim="0" showMasterSp="0">
+  <p:cSld>
+    <p:spTree>
+      <p:nvGrpSpPr>
+        <p:cNvPr id="341" name="Shape 341"/>
+        <p:cNvGrpSpPr/>
+        <p:nvPr/>
+      </p:nvGrpSpPr>
+      <p:grpSpPr>
+        <a:xfrm>
+          <a:off x="0" y="0"/>
+          <a:ext cx="0" cy="0"/>
+          <a:chOff x="0" y="0"/>
+          <a:chExt cx="0" cy="0"/>
+        </a:xfrm>
+      </p:grpSpPr>
+      <p:sp>
+        <p:nvSpPr>
+          <p:cNvPr id="342" name="Google Shape;342;g31a62b8e51e_0_20:notes"/>
+          <p:cNvSpPr txBox="1"/>
+          <p:nvPr>
+            <p:ph idx="1" type="body"/>
+          </p:nvPr>
+        </p:nvSpPr>
+        <p:spPr>
+          <a:xfrm>
+            <a:off x="685800" y="4343400"/>
+            <a:ext cx="5486400" cy="4114800"/>
+          </a:xfrm>
+          <a:prstGeom prst="rect">
+            <a:avLst/>
+          </a:prstGeom>
+        </p:spPr>
+        <p:txBody>
+          <a:bodyPr anchorCtr="0" anchor="t" bIns="91425" lIns="91425" spcFirstLastPara="1" rIns="91425" wrap="square" tIns="91425">
+            <a:noAutofit/>
+          </a:bodyPr>
+          <a:lstStyle/>
+          <a:p>
+            <a:pPr indent="0" lvl="0" marL="0" rtl="0" algn="l">
+              <a:spcBef>
+                <a:spcPts val="0"/>
+              </a:spcBef>
+              <a:spcAft>
+                <a:spcPts val="0"/>
+              </a:spcAft>
+              <a:buNone/>
+            </a:pPr>
+            <a:r>
+              <a:t/>
+            </a:r>
+            <a:endParaRPr/>
+          </a:p>
+        </p:txBody>
+      </p:sp>
+      <p:sp>
+        <p:nvSpPr>
+          <p:cNvPr id="343" name="Google Shape;343;g31a62b8e51e_0_20:notes"/>
+          <p:cNvSpPr/>
+          <p:nvPr>
+            <p:ph idx="2" type="sldImg"/>
+          </p:nvPr>
+        </p:nvSpPr>
+        <p:spPr>
+          <a:xfrm>
+            <a:off x="1143225" y="685800"/>
+            <a:ext cx="4572300" cy="3429000"/>
           </a:xfrm>
           <a:custGeom>
             <a:rect b="b" l="l" r="r" t="t"/>
@@ -1364,6 +1865,105 @@
           <a:xfrm>
             <a:off x="1143225" y="685800"/>
             <a:ext cx="4572225" cy="3429000"/>
+          </a:xfrm>
+          <a:custGeom>
+            <a:rect b="b" l="l" r="r" t="t"/>
+            <a:pathLst>
+              <a:path extrusionOk="0" h="120000" w="120000">
+                <a:moveTo>
+                  <a:pt x="0" y="0"/>
+                </a:moveTo>
+                <a:lnTo>
+                  <a:pt x="120000" y="0"/>
+                </a:lnTo>
+                <a:lnTo>
+                  <a:pt x="120000" y="120000"/>
+                </a:lnTo>
+                <a:lnTo>
+                  <a:pt x="0" y="120000"/>
+                </a:lnTo>
+                <a:close/>
+              </a:path>
+            </a:pathLst>
+          </a:custGeom>
+        </p:spPr>
+      </p:sp>
+    </p:spTree>
+  </p:cSld>
+  <p:clrMapOvr>
+    <a:masterClrMapping/>
+  </p:clrMapOvr>
+</p:notes>
+</file>
+
+<file path=ppt/notesSlides/notesSlide20.xml><?xml version="1.0" encoding="utf-8"?>
+<p:notes xmlns:a="http://schemas.openxmlformats.org/drawingml/2006/main" xmlns:r="http://schemas.openxmlformats.org/officeDocument/2006/relationships" xmlns:mc="http://schemas.openxmlformats.org/markup-compatibility/2006" xmlns:mv="urn:schemas-microsoft-com:mac:vml" xmlns:p="http://schemas.openxmlformats.org/presentationml/2006/main" xmlns:c="http://schemas.openxmlformats.org/drawingml/2006/chart" xmlns:dgm="http://schemas.openxmlformats.org/drawingml/2006/diagram" xmlns:o="urn:schemas-microsoft-com:office:office" xmlns:v="urn:schemas-microsoft-com:vml" xmlns:pvml="urn:schemas-microsoft-com:office:powerpoint" xmlns:com="http://schemas.openxmlformats.org/drawingml/2006/compatibility" xmlns:p14="http://schemas.microsoft.com/office/powerpoint/2010/main" xmlns:p15="http://schemas.microsoft.com/office/powerpoint/2012/main" xmlns:ahyp="http://schemas.microsoft.com/office/drawing/2018/hyperlinkcolor" showMasterPhAnim="0" showMasterSp="0">
+  <p:cSld>
+    <p:spTree>
+      <p:nvGrpSpPr>
+        <p:cNvPr id="347" name="Shape 347"/>
+        <p:cNvGrpSpPr/>
+        <p:nvPr/>
+      </p:nvGrpSpPr>
+      <p:grpSpPr>
+        <a:xfrm>
+          <a:off x="0" y="0"/>
+          <a:ext cx="0" cy="0"/>
+          <a:chOff x="0" y="0"/>
+          <a:chExt cx="0" cy="0"/>
+        </a:xfrm>
+      </p:grpSpPr>
+      <p:sp>
+        <p:nvSpPr>
+          <p:cNvPr id="348" name="Google Shape;348;g31ea0c3c533_0_2:notes"/>
+          <p:cNvSpPr txBox="1"/>
+          <p:nvPr>
+            <p:ph idx="1" type="body"/>
+          </p:nvPr>
+        </p:nvSpPr>
+        <p:spPr>
+          <a:xfrm>
+            <a:off x="685800" y="4343400"/>
+            <a:ext cx="5486400" cy="4114800"/>
+          </a:xfrm>
+          <a:prstGeom prst="rect">
+            <a:avLst/>
+          </a:prstGeom>
+        </p:spPr>
+        <p:txBody>
+          <a:bodyPr anchorCtr="0" anchor="t" bIns="91425" lIns="91425" spcFirstLastPara="1" rIns="91425" wrap="square" tIns="91425">
+            <a:noAutofit/>
+          </a:bodyPr>
+          <a:lstStyle/>
+          <a:p>
+            <a:pPr indent="0" lvl="0" marL="0" rtl="0" algn="l">
+              <a:spcBef>
+                <a:spcPts val="0"/>
+              </a:spcBef>
+              <a:spcAft>
+                <a:spcPts val="0"/>
+              </a:spcAft>
+              <a:buNone/>
+            </a:pPr>
+            <a:r>
+              <a:t/>
+            </a:r>
+            <a:endParaRPr/>
+          </a:p>
+        </p:txBody>
+      </p:sp>
+      <p:sp>
+        <p:nvSpPr>
+          <p:cNvPr id="349" name="Google Shape;349;g31ea0c3c533_0_2:notes"/>
+          <p:cNvSpPr/>
+          <p:nvPr>
+            <p:ph idx="2" type="sldImg"/>
+          </p:nvPr>
+        </p:nvSpPr>
+        <p:spPr>
+          <a:xfrm>
+            <a:off x="1143225" y="685800"/>
+            <a:ext cx="4572300" cy="3429000"/>
           </a:xfrm>
           <a:custGeom>
             <a:rect b="b" l="l" r="r" t="t"/>
@@ -1612,7 +2212,7 @@
       </p:grpSpPr>
       <p:sp>
         <p:nvSpPr>
-          <p:cNvPr id="256" name="Google Shape;256;p5:notes"/>
+          <p:cNvPr id="256" name="Google Shape;256;g31ea0c3c533_0_21:notes"/>
           <p:cNvSpPr txBox="1"/>
           <p:nvPr>
             <p:ph idx="1" type="body"/>
@@ -1651,7 +2251,7 @@
       </p:sp>
       <p:sp>
         <p:nvSpPr>
-          <p:cNvPr id="257" name="Google Shape;257;p5:notes"/>
+          <p:cNvPr id="257" name="Google Shape;257;g31ea0c3c533_0_21:notes"/>
           <p:cNvSpPr/>
           <p:nvPr>
             <p:ph idx="2" type="sldImg"/>
@@ -1660,7 +2260,7 @@
         <p:spPr>
           <a:xfrm>
             <a:off x="1143225" y="685800"/>
-            <a:ext cx="4572225" cy="3429000"/>
+            <a:ext cx="4572300" cy="3429000"/>
           </a:xfrm>
           <a:custGeom>
             <a:rect b="b" l="l" r="r" t="t"/>
@@ -1711,7 +2311,7 @@
       </p:grpSpPr>
       <p:sp>
         <p:nvSpPr>
-          <p:cNvPr id="262" name="Google Shape;262;p6:notes"/>
+          <p:cNvPr id="262" name="Google Shape;262;p5:notes"/>
           <p:cNvSpPr txBox="1"/>
           <p:nvPr>
             <p:ph idx="1" type="body"/>
@@ -1750,7 +2350,7 @@
       </p:sp>
       <p:sp>
         <p:nvSpPr>
-          <p:cNvPr id="263" name="Google Shape;263;p6:notes"/>
+          <p:cNvPr id="263" name="Google Shape;263;p5:notes"/>
           <p:cNvSpPr/>
           <p:nvPr>
             <p:ph idx="2" type="sldImg"/>
@@ -1810,7 +2410,7 @@
       </p:grpSpPr>
       <p:sp>
         <p:nvSpPr>
-          <p:cNvPr id="268" name="Google Shape;268;p7:notes"/>
+          <p:cNvPr id="268" name="Google Shape;268;g31ea0c3c533_0_14:notes"/>
           <p:cNvSpPr txBox="1"/>
           <p:nvPr>
             <p:ph idx="1" type="body"/>
@@ -1849,7 +2449,7 @@
       </p:sp>
       <p:sp>
         <p:nvSpPr>
-          <p:cNvPr id="269" name="Google Shape;269;p7:notes"/>
+          <p:cNvPr id="269" name="Google Shape;269;g31ea0c3c533_0_14:notes"/>
           <p:cNvSpPr/>
           <p:nvPr>
             <p:ph idx="2" type="sldImg"/>
@@ -1858,7 +2458,7 @@
         <p:spPr>
           <a:xfrm>
             <a:off x="1143225" y="685800"/>
-            <a:ext cx="4572225" cy="3429000"/>
+            <a:ext cx="4572300" cy="3429000"/>
           </a:xfrm>
           <a:custGeom>
             <a:rect b="b" l="l" r="r" t="t"/>
@@ -1909,7 +2509,7 @@
       </p:grpSpPr>
       <p:sp>
         <p:nvSpPr>
-          <p:cNvPr id="274" name="Google Shape;274;p8:notes"/>
+          <p:cNvPr id="274" name="Google Shape;274;p6:notes"/>
           <p:cNvSpPr txBox="1"/>
           <p:nvPr>
             <p:ph idx="1" type="body"/>
@@ -1948,7 +2548,7 @@
       </p:sp>
       <p:sp>
         <p:nvSpPr>
-          <p:cNvPr id="275" name="Google Shape;275;p8:notes"/>
+          <p:cNvPr id="275" name="Google Shape;275;p6:notes"/>
           <p:cNvSpPr/>
           <p:nvPr>
             <p:ph idx="2" type="sldImg"/>
@@ -2008,7 +2608,7 @@
       </p:grpSpPr>
       <p:sp>
         <p:nvSpPr>
-          <p:cNvPr id="280" name="Google Shape;280;p9:notes"/>
+          <p:cNvPr id="280" name="Google Shape;280;p7:notes"/>
           <p:cNvSpPr txBox="1"/>
           <p:nvPr>
             <p:ph idx="1" type="body"/>
@@ -2047,7 +2647,7 @@
       </p:sp>
       <p:sp>
         <p:nvSpPr>
-          <p:cNvPr id="281" name="Google Shape;281;p9:notes"/>
+          <p:cNvPr id="281" name="Google Shape;281;p7:notes"/>
           <p:cNvSpPr/>
           <p:nvPr>
             <p:ph idx="2" type="sldImg"/>
@@ -26311,7 +26911,7 @@
               <a:schemeClr val="dk1"/>
             </a:gs>
           </a:gsLst>
-          <a:lin ang="5400012" scaled="0"/>
+          <a:lin ang="5400000" scaled="0"/>
         </a:gradFill>
       </p:bgPr>
     </p:bg>
@@ -26331,7 +26931,7 @@
       </p:grpSpPr>
       <p:sp>
         <p:nvSpPr>
-          <p:cNvPr id="289" name="Google Shape;289;g31367de9b8b_1_0"/>
+          <p:cNvPr id="289" name="Google Shape;289;p8"/>
           <p:cNvSpPr txBox="1"/>
           <p:nvPr>
             <p:ph type="title"/>
@@ -26340,7 +26940,7 @@
         <p:spPr>
           <a:xfrm>
             <a:off x="856060" y="618518"/>
-            <a:ext cx="7429500" cy="1478700"/>
+            <a:ext cx="7429499" cy="1478570"/>
           </a:xfrm>
           <a:prstGeom prst="rect">
             <a:avLst/>
@@ -26383,12 +26983,9 @@
                 <a:cs typeface="Arial"/>
                 <a:sym typeface="Arial"/>
               </a:rPr>
-              <a:t>ИСХОДНЫЙ КОД</a:t>
+              <a:t>ПРЕИМУЩЕСТВА РЕАЛИЗАЦИИ НА QT6 И C++</a:t>
             </a:r>
             <a:endParaRPr>
-              <a:solidFill>
-                <a:srgbClr val="FF6600"/>
-              </a:solidFill>
               <a:latin typeface="Arial"/>
               <a:ea typeface="Arial"/>
               <a:cs typeface="Arial"/>
@@ -26399,7 +26996,7 @@
       </p:sp>
       <p:sp>
         <p:nvSpPr>
-          <p:cNvPr id="290" name="Google Shape;290;g31367de9b8b_1_0"/>
+          <p:cNvPr id="290" name="Google Shape;290;p8"/>
           <p:cNvSpPr txBox="1"/>
           <p:nvPr>
             <p:ph idx="1" type="body"/>
@@ -26407,8 +27004,8 @@
         </p:nvSpPr>
         <p:spPr>
           <a:xfrm>
-            <a:off x="856049" y="2249475"/>
-            <a:ext cx="8127900" cy="3541800"/>
+            <a:off x="856060" y="2249487"/>
+            <a:ext cx="7429499" cy="3541714"/>
           </a:xfrm>
           <a:prstGeom prst="rect">
             <a:avLst/>
@@ -26420,7 +27017,7 @@
         </p:spPr>
         <p:txBody>
           <a:bodyPr anchorCtr="0" anchor="t" bIns="45700" lIns="91425" spcFirstLastPara="1" rIns="91425" wrap="square" tIns="45700">
-            <a:noAutofit/>
+            <a:normAutofit fontScale="70000"/>
           </a:bodyPr>
           <a:lstStyle/>
           <a:p>
@@ -26429,7 +27026,7 @@
                 <a:spcPct val="120000"/>
               </a:lnSpc>
               <a:spcBef>
-                <a:spcPts val="1000"/>
+                <a:spcPts val="0"/>
               </a:spcBef>
               <a:spcAft>
                 <a:spcPts val="0"/>
@@ -26437,17 +27034,164 @@
               <a:buClr>
                 <a:srgbClr val="F2F2F2"/>
               </a:buClr>
-              <a:buSzPts val="2375"/>
+              <a:buSzPct val="104166"/>
               <a:buNone/>
             </a:pPr>
             <a:r>
               <a:rPr lang="ru-RU">
+                <a:solidFill>
+                  <a:srgbClr val="F2F2F2"/>
+                </a:solidFill>
                 <a:latin typeface="Arial"/>
                 <a:ea typeface="Arial"/>
                 <a:cs typeface="Arial"/>
                 <a:sym typeface="Arial"/>
               </a:rPr>
-              <a:t>https://github.com/FasterXaos/Distributed_file_system</a:t>
+              <a:t>Qt6 и C++</a:t>
+            </a:r>
+            <a:endParaRPr>
+              <a:latin typeface="Arial"/>
+              <a:ea typeface="Arial"/>
+              <a:cs typeface="Arial"/>
+              <a:sym typeface="Arial"/>
+            </a:endParaRPr>
+          </a:p>
+          <a:p>
+            <a:pPr indent="-192881" lvl="0" marL="228600" rtl="0" algn="l">
+              <a:lnSpc>
+                <a:spcPct val="120000"/>
+              </a:lnSpc>
+              <a:spcBef>
+                <a:spcPts val="1000"/>
+              </a:spcBef>
+              <a:spcAft>
+                <a:spcPts val="0"/>
+              </a:spcAft>
+              <a:buClr>
+                <a:srgbClr val="F2F2F2"/>
+              </a:buClr>
+              <a:buSzPct val="104166"/>
+              <a:buChar char="•"/>
+            </a:pPr>
+            <a:r>
+              <a:rPr lang="ru-RU">
+                <a:solidFill>
+                  <a:srgbClr val="F2F2F2"/>
+                </a:solidFill>
+                <a:latin typeface="Arial"/>
+                <a:ea typeface="Arial"/>
+                <a:cs typeface="Arial"/>
+                <a:sym typeface="Arial"/>
+              </a:rPr>
+              <a:t>Использование Qt6 обеспечивает мощный набор инструментов для сетевого взаимодействия и написания удобного пользовательского интерфейса.</a:t>
+            </a:r>
+            <a:endParaRPr>
+              <a:latin typeface="Arial"/>
+              <a:ea typeface="Arial"/>
+              <a:cs typeface="Arial"/>
+              <a:sym typeface="Arial"/>
+            </a:endParaRPr>
+          </a:p>
+          <a:p>
+            <a:pPr indent="-192881" lvl="0" marL="228600" rtl="0" algn="l">
+              <a:lnSpc>
+                <a:spcPct val="120000"/>
+              </a:lnSpc>
+              <a:spcBef>
+                <a:spcPts val="1000"/>
+              </a:spcBef>
+              <a:spcAft>
+                <a:spcPts val="0"/>
+              </a:spcAft>
+              <a:buClr>
+                <a:srgbClr val="F2F2F2"/>
+              </a:buClr>
+              <a:buSzPct val="104166"/>
+              <a:buChar char="•"/>
+            </a:pPr>
+            <a:r>
+              <a:rPr lang="ru-RU">
+                <a:solidFill>
+                  <a:srgbClr val="F2F2F2"/>
+                </a:solidFill>
+                <a:latin typeface="Arial"/>
+                <a:ea typeface="Arial"/>
+                <a:cs typeface="Arial"/>
+                <a:sym typeface="Arial"/>
+              </a:rPr>
+              <a:t>C++ обеспечивает высокую производительность и гибкость в управлении памятью, что критично для работы с файловой системой.</a:t>
+            </a:r>
+            <a:endParaRPr>
+              <a:latin typeface="Arial"/>
+              <a:ea typeface="Arial"/>
+              <a:cs typeface="Arial"/>
+              <a:sym typeface="Arial"/>
+            </a:endParaRPr>
+          </a:p>
+          <a:p>
+            <a:pPr indent="0" lvl="0" marL="0" rtl="0" algn="l">
+              <a:lnSpc>
+                <a:spcPct val="120000"/>
+              </a:lnSpc>
+              <a:spcBef>
+                <a:spcPts val="1000"/>
+              </a:spcBef>
+              <a:spcAft>
+                <a:spcPts val="0"/>
+              </a:spcAft>
+              <a:buClr>
+                <a:srgbClr val="F2F2F2"/>
+              </a:buClr>
+              <a:buSzPct val="104166"/>
+              <a:buNone/>
+            </a:pPr>
+            <a:r>
+              <a:rPr lang="ru-RU">
+                <a:solidFill>
+                  <a:srgbClr val="F2F2F2"/>
+                </a:solidFill>
+                <a:latin typeface="Arial"/>
+                <a:ea typeface="Arial"/>
+                <a:cs typeface="Arial"/>
+                <a:sym typeface="Arial"/>
+              </a:rPr>
+              <a:t>Легкость интеграции с SQLite</a:t>
+            </a:r>
+            <a:endParaRPr>
+              <a:latin typeface="Arial"/>
+              <a:ea typeface="Arial"/>
+              <a:cs typeface="Arial"/>
+              <a:sym typeface="Arial"/>
+            </a:endParaRPr>
+          </a:p>
+          <a:p>
+            <a:pPr indent="-192881" lvl="0" marL="228600" rtl="0" algn="l">
+              <a:lnSpc>
+                <a:spcPct val="120000"/>
+              </a:lnSpc>
+              <a:spcBef>
+                <a:spcPts val="1000"/>
+              </a:spcBef>
+              <a:spcAft>
+                <a:spcPts val="0"/>
+              </a:spcAft>
+              <a:buClr>
+                <a:srgbClr val="F2F2F2"/>
+              </a:buClr>
+              <a:buSzPct val="104166"/>
+              <a:buChar char="•"/>
+            </a:pPr>
+            <a:r>
+              <a:rPr lang="ru-RU">
+                <a:solidFill>
+                  <a:srgbClr val="F2F2F2"/>
+                </a:solidFill>
+                <a:latin typeface="Arial"/>
+                <a:ea typeface="Arial"/>
+                <a:cs typeface="Arial"/>
+                <a:sym typeface="Arial"/>
+              </a:rPr>
+              <a:t>Прямая поддержка SQLite в Qt6 позволяет легко хранить и обрабатывать метаданные файлов, уменьшая сложность проекта.</a:t>
             </a:r>
             <a:endParaRPr>
               <a:latin typeface="Arial"/>
@@ -26500,7 +27244,7 @@
       </p:grpSpPr>
       <p:sp>
         <p:nvSpPr>
-          <p:cNvPr id="295" name="Google Shape;295;p10"/>
+          <p:cNvPr id="295" name="Google Shape;295;p9"/>
           <p:cNvSpPr txBox="1"/>
           <p:nvPr>
             <p:ph type="title"/>
@@ -26508,8 +27252,8 @@
         </p:nvSpPr>
         <p:spPr>
           <a:xfrm>
-            <a:off x="856060" y="804548"/>
-            <a:ext cx="6565556" cy="1478570"/>
+            <a:off x="856060" y="618518"/>
+            <a:ext cx="7429499" cy="1478570"/>
           </a:xfrm>
           <a:prstGeom prst="rect">
             <a:avLst/>
@@ -26552,7 +27296,7 @@
                 <a:cs typeface="Arial"/>
                 <a:sym typeface="Arial"/>
               </a:rPr>
-              <a:t>		  ЗАКЛЮЧЕНИЕ</a:t>
+              <a:t>ПЛАН ВНЕДРЕНИЯ И РАЗВЕРТЫВАНИЯ</a:t>
             </a:r>
             <a:endParaRPr>
               <a:solidFill>
@@ -26568,7 +27312,7 @@
       </p:sp>
       <p:sp>
         <p:nvSpPr>
-          <p:cNvPr id="296" name="Google Shape;296;p10"/>
+          <p:cNvPr id="296" name="Google Shape;296;p9"/>
           <p:cNvSpPr txBox="1"/>
           <p:nvPr>
             <p:ph idx="1" type="body"/>
@@ -26589,7 +27333,7 @@
         </p:spPr>
         <p:txBody>
           <a:bodyPr anchorCtr="0" anchor="t" bIns="45700" lIns="91425" spcFirstLastPara="1" rIns="91425" wrap="square" tIns="45700">
-            <a:normAutofit/>
+            <a:noAutofit/>
           </a:bodyPr>
           <a:lstStyle/>
           <a:p>
@@ -26619,7 +27363,7 @@
                 <a:cs typeface="Arial"/>
                 <a:sym typeface="Arial"/>
               </a:rPr>
-              <a:t>Ожидаемые результаты</a:t>
+              <a:t>Этапы разработки</a:t>
             </a:r>
             <a:endParaRPr sz="1900">
               <a:solidFill>
@@ -26632,7 +27376,7 @@
             </a:endParaRPr>
           </a:p>
           <a:p>
-            <a:pPr indent="-198437" lvl="0" marL="228600" rtl="0" algn="l">
+            <a:pPr indent="0" lvl="0" marL="0" rtl="0" algn="l">
               <a:lnSpc>
                 <a:spcPct val="120000"/>
               </a:lnSpc>
@@ -26645,8 +27389,8 @@
               <a:buClr>
                 <a:srgbClr val="F2F2F2"/>
               </a:buClr>
-              <a:buSzPts val="1900"/>
-              <a:buChar char="•"/>
+              <a:buSzPts val="2375"/>
+              <a:buNone/>
             </a:pPr>
             <a:r>
               <a:rPr lang="ru-RU" sz="1900">
@@ -26658,9 +27402,9 @@
                 <a:cs typeface="Arial"/>
                 <a:sym typeface="Arial"/>
               </a:rPr>
-              <a:t>Создание гибкой и надёжной распределённой файловой системы.</a:t>
+              <a:t>1. Разработка прототипа с базовыми функциями загрузки и скачивания файлов.</a:t>
             </a:r>
-            <a:endParaRPr sz="1900">
+            <a:endParaRPr>
               <a:latin typeface="Arial"/>
               <a:ea typeface="Arial"/>
               <a:cs typeface="Arial"/>
@@ -26668,7 +27412,7 @@
             </a:endParaRPr>
           </a:p>
           <a:p>
-            <a:pPr indent="-198437" lvl="0" marL="228600" rtl="0" algn="l">
+            <a:pPr indent="0" lvl="0" marL="0" rtl="0" algn="l">
               <a:lnSpc>
                 <a:spcPct val="120000"/>
               </a:lnSpc>
@@ -26681,8 +27425,8 @@
               <a:buClr>
                 <a:srgbClr val="F2F2F2"/>
               </a:buClr>
-              <a:buSzPts val="1900"/>
-              <a:buChar char="•"/>
+              <a:buSzPts val="2375"/>
+              <a:buNone/>
             </a:pPr>
             <a:r>
               <a:rPr lang="ru-RU" sz="1900">
@@ -26694,9 +27438,9 @@
                 <a:cs typeface="Arial"/>
                 <a:sym typeface="Arial"/>
               </a:rPr>
-              <a:t>Обеспечение отказоустойчивости и безопасности данных.</a:t>
+              <a:t>2. Внедрение прав доступа и тестирование отказоустойчивости.</a:t>
             </a:r>
-            <a:endParaRPr sz="1900">
+            <a:endParaRPr>
               <a:latin typeface="Arial"/>
               <a:ea typeface="Arial"/>
               <a:cs typeface="Arial"/>
@@ -26730,12 +27474,9 @@
                 <a:cs typeface="Arial"/>
                 <a:sym typeface="Arial"/>
               </a:rPr>
-              <a:t>Преимущества для пользователей</a:t>
+              <a:t>3. Добавление поддержки репликации данных на дополнительные серверы.</a:t>
             </a:r>
-            <a:endParaRPr sz="1900">
-              <a:solidFill>
-                <a:srgbClr val="F2F2F2"/>
-              </a:solidFill>
+            <a:endParaRPr>
               <a:latin typeface="Arial"/>
               <a:ea typeface="Arial"/>
               <a:cs typeface="Arial"/>
@@ -26743,7 +27484,7 @@
             </a:endParaRPr>
           </a:p>
           <a:p>
-            <a:pPr indent="-198437" lvl="0" marL="228600" rtl="0" algn="l">
+            <a:pPr indent="0" lvl="0" marL="0" rtl="0" algn="l">
               <a:lnSpc>
                 <a:spcPct val="120000"/>
               </a:lnSpc>
@@ -26756,8 +27497,8 @@
               <a:buClr>
                 <a:srgbClr val="F2F2F2"/>
               </a:buClr>
-              <a:buSzPts val="1900"/>
-              <a:buChar char="•"/>
+              <a:buSzPts val="2375"/>
+              <a:buNone/>
             </a:pPr>
             <a:r>
               <a:rPr lang="ru-RU" sz="1900">
@@ -26769,9 +27510,33 @@
                 <a:cs typeface="Arial"/>
                 <a:sym typeface="Arial"/>
               </a:rPr>
-              <a:t>Быстрый доступ к данным, устойчивость к отказам, распределённое хранение для повышения безопасности.</a:t>
+              <a:t>4. Финальное тестирование в приближенных условиях, улучшение интерфейса и добавление </a:t>
             </a:r>
-            <a:endParaRPr sz="1900">
+            <a:r>
+              <a:rPr lang="ru-RU" sz="1900">
+                <a:solidFill>
+                  <a:srgbClr val="F2F2F2"/>
+                </a:solidFill>
+                <a:latin typeface="Arial"/>
+                <a:ea typeface="Arial"/>
+                <a:cs typeface="Arial"/>
+                <a:sym typeface="Arial"/>
+              </a:rPr>
+              <a:t>необязательных</a:t>
+            </a:r>
+            <a:r>
+              <a:rPr lang="ru-RU" sz="1900">
+                <a:solidFill>
+                  <a:srgbClr val="F2F2F2"/>
+                </a:solidFill>
+                <a:latin typeface="Arial"/>
+                <a:ea typeface="Arial"/>
+                <a:cs typeface="Arial"/>
+                <a:sym typeface="Arial"/>
+              </a:rPr>
+              <a:t> функций.</a:t>
+            </a:r>
+            <a:endParaRPr>
               <a:latin typeface="Arial"/>
               <a:ea typeface="Arial"/>
               <a:cs typeface="Arial"/>
@@ -26802,7 +27567,7 @@
               <a:schemeClr val="dk1"/>
             </a:gs>
           </a:gsLst>
-          <a:lin ang="5400000" scaled="0"/>
+          <a:lin ang="5400012" scaled="0"/>
         </a:gradFill>
       </p:bgPr>
     </p:bg>
@@ -26822,7 +27587,452 @@
       </p:grpSpPr>
       <p:sp>
         <p:nvSpPr>
-          <p:cNvPr id="301" name="Google Shape;301;p11"/>
+          <p:cNvPr id="301" name="Google Shape;301;g31367de9b8b_1_0"/>
+          <p:cNvSpPr txBox="1"/>
+          <p:nvPr>
+            <p:ph type="title"/>
+          </p:nvPr>
+        </p:nvSpPr>
+        <p:spPr>
+          <a:xfrm>
+            <a:off x="856060" y="618518"/>
+            <a:ext cx="7429500" cy="1478700"/>
+          </a:xfrm>
+          <a:prstGeom prst="rect">
+            <a:avLst/>
+          </a:prstGeom>
+          <a:noFill/>
+          <a:ln>
+            <a:noFill/>
+          </a:ln>
+        </p:spPr>
+        <p:txBody>
+          <a:bodyPr anchorCtr="0" anchor="ctr" bIns="45700" lIns="91425" spcFirstLastPara="1" rIns="91425" wrap="square" tIns="45700">
+            <a:normAutofit/>
+          </a:bodyPr>
+          <a:lstStyle/>
+          <a:p>
+            <a:pPr indent="0" lvl="0" marL="0" rtl="0" algn="l">
+              <a:lnSpc>
+                <a:spcPct val="90000"/>
+              </a:lnSpc>
+              <a:spcBef>
+                <a:spcPts val="0"/>
+              </a:spcBef>
+              <a:spcAft>
+                <a:spcPts val="0"/>
+              </a:spcAft>
+              <a:buClr>
+                <a:srgbClr val="FF6600"/>
+              </a:buClr>
+              <a:buSzPts val="3200"/>
+              <a:buFont typeface="Twentieth Century"/>
+              <a:buNone/>
+            </a:pPr>
+            <a:r>
+              <a:rPr lang="ru-RU">
+                <a:solidFill>
+                  <a:srgbClr val="FF6600"/>
+                </a:solidFill>
+                <a:latin typeface="Arial"/>
+                <a:ea typeface="Arial"/>
+                <a:cs typeface="Arial"/>
+                <a:sym typeface="Arial"/>
+              </a:rPr>
+              <a:t>ИСХОДНЫЙ КОД</a:t>
+            </a:r>
+            <a:endParaRPr>
+              <a:solidFill>
+                <a:srgbClr val="FF6600"/>
+              </a:solidFill>
+              <a:latin typeface="Arial"/>
+              <a:ea typeface="Arial"/>
+              <a:cs typeface="Arial"/>
+              <a:sym typeface="Arial"/>
+            </a:endParaRPr>
+          </a:p>
+        </p:txBody>
+      </p:sp>
+      <p:sp>
+        <p:nvSpPr>
+          <p:cNvPr id="302" name="Google Shape;302;g31367de9b8b_1_0"/>
+          <p:cNvSpPr txBox="1"/>
+          <p:nvPr>
+            <p:ph idx="1" type="body"/>
+          </p:nvPr>
+        </p:nvSpPr>
+        <p:spPr>
+          <a:xfrm>
+            <a:off x="856049" y="2249475"/>
+            <a:ext cx="8127900" cy="3541800"/>
+          </a:xfrm>
+          <a:prstGeom prst="rect">
+            <a:avLst/>
+          </a:prstGeom>
+          <a:noFill/>
+          <a:ln>
+            <a:noFill/>
+          </a:ln>
+        </p:spPr>
+        <p:txBody>
+          <a:bodyPr anchorCtr="0" anchor="t" bIns="45700" lIns="91425" spcFirstLastPara="1" rIns="91425" wrap="square" tIns="45700">
+            <a:noAutofit/>
+          </a:bodyPr>
+          <a:lstStyle/>
+          <a:p>
+            <a:pPr indent="0" lvl="0" marL="0" rtl="0" algn="l">
+              <a:lnSpc>
+                <a:spcPct val="120000"/>
+              </a:lnSpc>
+              <a:spcBef>
+                <a:spcPts val="1000"/>
+              </a:spcBef>
+              <a:spcAft>
+                <a:spcPts val="0"/>
+              </a:spcAft>
+              <a:buClr>
+                <a:srgbClr val="F2F2F2"/>
+              </a:buClr>
+              <a:buSzPts val="2375"/>
+              <a:buNone/>
+            </a:pPr>
+            <a:r>
+              <a:rPr lang="ru-RU">
+                <a:latin typeface="Arial"/>
+                <a:ea typeface="Arial"/>
+                <a:cs typeface="Arial"/>
+                <a:sym typeface="Arial"/>
+              </a:rPr>
+              <a:t>https://github.com/FasterXaos/Distributed_file_system</a:t>
+            </a:r>
+            <a:endParaRPr>
+              <a:latin typeface="Arial"/>
+              <a:ea typeface="Arial"/>
+              <a:cs typeface="Arial"/>
+              <a:sym typeface="Arial"/>
+            </a:endParaRPr>
+          </a:p>
+        </p:txBody>
+      </p:sp>
+    </p:spTree>
+  </p:cSld>
+  <p:clrMapOvr>
+    <a:masterClrMapping/>
+  </p:clrMapOvr>
+</p:sld>
+</file>
+
+<file path=ppt/slides/slide13.xml><?xml version="1.0" encoding="utf-8"?>
+<p:sld xmlns:a="http://schemas.openxmlformats.org/drawingml/2006/main" xmlns:r="http://schemas.openxmlformats.org/officeDocument/2006/relationships" xmlns:mc="http://schemas.openxmlformats.org/markup-compatibility/2006" xmlns:mv="urn:schemas-microsoft-com:mac:vml" xmlns:p="http://schemas.openxmlformats.org/presentationml/2006/main" xmlns:c="http://schemas.openxmlformats.org/drawingml/2006/chart" xmlns:dgm="http://schemas.openxmlformats.org/drawingml/2006/diagram" xmlns:o="urn:schemas-microsoft-com:office:office" xmlns:v="urn:schemas-microsoft-com:vml" xmlns:pvml="urn:schemas-microsoft-com:office:powerpoint" xmlns:com="http://schemas.openxmlformats.org/drawingml/2006/compatibility" xmlns:p14="http://schemas.microsoft.com/office/powerpoint/2010/main" xmlns:p15="http://schemas.microsoft.com/office/powerpoint/2012/main" xmlns:ahyp="http://schemas.microsoft.com/office/drawing/2018/hyperlinkcolor">
+  <p:cSld>
+    <p:bg>
+      <p:bgPr>
+        <a:gradFill>
+          <a:gsLst>
+            <a:gs pos="0">
+              <a:schemeClr val="dk1"/>
+            </a:gs>
+            <a:gs pos="100000">
+              <a:schemeClr val="dk1"/>
+            </a:gs>
+          </a:gsLst>
+          <a:lin ang="5400000" scaled="0"/>
+        </a:gradFill>
+      </p:bgPr>
+    </p:bg>
+    <p:spTree>
+      <p:nvGrpSpPr>
+        <p:cNvPr id="306" name="Shape 306"/>
+        <p:cNvGrpSpPr/>
+        <p:nvPr/>
+      </p:nvGrpSpPr>
+      <p:grpSpPr>
+        <a:xfrm>
+          <a:off x="0" y="0"/>
+          <a:ext cx="0" cy="0"/>
+          <a:chOff x="0" y="0"/>
+          <a:chExt cx="0" cy="0"/>
+        </a:xfrm>
+      </p:grpSpPr>
+      <p:sp>
+        <p:nvSpPr>
+          <p:cNvPr id="307" name="Google Shape;307;p10"/>
+          <p:cNvSpPr txBox="1"/>
+          <p:nvPr>
+            <p:ph type="title"/>
+          </p:nvPr>
+        </p:nvSpPr>
+        <p:spPr>
+          <a:xfrm>
+            <a:off x="1254975" y="110700"/>
+            <a:ext cx="3940800" cy="822600"/>
+          </a:xfrm>
+          <a:prstGeom prst="rect">
+            <a:avLst/>
+          </a:prstGeom>
+          <a:noFill/>
+          <a:ln>
+            <a:noFill/>
+          </a:ln>
+        </p:spPr>
+        <p:txBody>
+          <a:bodyPr anchorCtr="0" anchor="ctr" bIns="45700" lIns="91425" spcFirstLastPara="1" rIns="91425" wrap="square" tIns="45700">
+            <a:normAutofit fontScale="90000"/>
+          </a:bodyPr>
+          <a:lstStyle/>
+          <a:p>
+            <a:pPr indent="0" lvl="0" marL="0" rtl="0" algn="l">
+              <a:lnSpc>
+                <a:spcPct val="90000"/>
+              </a:lnSpc>
+              <a:spcBef>
+                <a:spcPts val="0"/>
+              </a:spcBef>
+              <a:spcAft>
+                <a:spcPts val="0"/>
+              </a:spcAft>
+              <a:buClr>
+                <a:srgbClr val="FF6600"/>
+              </a:buClr>
+              <a:buSzPct val="88888"/>
+              <a:buFont typeface="Twentieth Century"/>
+              <a:buNone/>
+            </a:pPr>
+            <a:r>
+              <a:rPr lang="ru-RU">
+                <a:solidFill>
+                  <a:srgbClr val="FF6600"/>
+                </a:solidFill>
+                <a:latin typeface="Arial"/>
+                <a:ea typeface="Arial"/>
+                <a:cs typeface="Arial"/>
+                <a:sym typeface="Arial"/>
+              </a:rPr>
+              <a:t>		  ЗАКЛЮЧЕНИЕ</a:t>
+            </a:r>
+            <a:endParaRPr>
+              <a:solidFill>
+                <a:srgbClr val="FF6600"/>
+              </a:solidFill>
+              <a:latin typeface="Arial"/>
+              <a:ea typeface="Arial"/>
+              <a:cs typeface="Arial"/>
+              <a:sym typeface="Arial"/>
+            </a:endParaRPr>
+          </a:p>
+        </p:txBody>
+      </p:sp>
+      <p:sp>
+        <p:nvSpPr>
+          <p:cNvPr id="308" name="Google Shape;308;p10"/>
+          <p:cNvSpPr txBox="1"/>
+          <p:nvPr>
+            <p:ph idx="1" type="body"/>
+          </p:nvPr>
+        </p:nvSpPr>
+        <p:spPr>
+          <a:xfrm>
+            <a:off x="856050" y="1230725"/>
+            <a:ext cx="7718100" cy="5046900"/>
+          </a:xfrm>
+          <a:prstGeom prst="rect">
+            <a:avLst/>
+          </a:prstGeom>
+          <a:noFill/>
+          <a:ln>
+            <a:noFill/>
+          </a:ln>
+        </p:spPr>
+        <p:txBody>
+          <a:bodyPr anchorCtr="0" anchor="t" bIns="45700" lIns="91425" spcFirstLastPara="1" rIns="91425" wrap="square" tIns="45700">
+            <a:normAutofit lnSpcReduction="10000"/>
+          </a:bodyPr>
+          <a:lstStyle/>
+          <a:p>
+            <a:pPr indent="0" lvl="0" marL="0" rtl="0" algn="l">
+              <a:lnSpc>
+                <a:spcPct val="150000"/>
+              </a:lnSpc>
+              <a:spcBef>
+                <a:spcPts val="0"/>
+              </a:spcBef>
+              <a:spcAft>
+                <a:spcPts val="0"/>
+              </a:spcAft>
+              <a:buClr>
+                <a:srgbClr val="F2F2F2"/>
+              </a:buClr>
+              <a:buSzPts val="2375"/>
+              <a:buNone/>
+            </a:pPr>
+            <a:r>
+              <a:rPr lang="ru-RU" sz="1900">
+                <a:solidFill>
+                  <a:srgbClr val="F2F2F2"/>
+                </a:solidFill>
+                <a:latin typeface="Arial"/>
+                <a:ea typeface="Arial"/>
+                <a:cs typeface="Arial"/>
+                <a:sym typeface="Arial"/>
+              </a:rPr>
+              <a:t>Данный проект представляет собой реализацию простого распределенного файлового хранилища (DFS), построенного на архитектуре сервер-клиент-реплика, которая обеспечивает базовое управление файлами в распределенной среде.</a:t>
+            </a:r>
+            <a:endParaRPr sz="1900">
+              <a:solidFill>
+                <a:srgbClr val="F2F2F2"/>
+              </a:solidFill>
+              <a:latin typeface="Arial"/>
+              <a:ea typeface="Arial"/>
+              <a:cs typeface="Arial"/>
+              <a:sym typeface="Arial"/>
+            </a:endParaRPr>
+          </a:p>
+          <a:p>
+            <a:pPr indent="0" lvl="0" marL="0" rtl="0" algn="l">
+              <a:lnSpc>
+                <a:spcPct val="150000"/>
+              </a:lnSpc>
+              <a:spcBef>
+                <a:spcPts val="0"/>
+              </a:spcBef>
+              <a:spcAft>
+                <a:spcPts val="0"/>
+              </a:spcAft>
+              <a:buClr>
+                <a:schemeClr val="dk1"/>
+              </a:buClr>
+              <a:buSzPts val="1100"/>
+              <a:buFont typeface="Arial"/>
+              <a:buNone/>
+            </a:pPr>
+            <a:r>
+              <a:t/>
+            </a:r>
+            <a:endParaRPr sz="1900">
+              <a:solidFill>
+                <a:srgbClr val="F2F2F2"/>
+              </a:solidFill>
+              <a:latin typeface="Arial"/>
+              <a:ea typeface="Arial"/>
+              <a:cs typeface="Arial"/>
+              <a:sym typeface="Arial"/>
+            </a:endParaRPr>
+          </a:p>
+          <a:p>
+            <a:pPr indent="0" lvl="0" marL="0" rtl="0" algn="l">
+              <a:lnSpc>
+                <a:spcPct val="150000"/>
+              </a:lnSpc>
+              <a:spcBef>
+                <a:spcPts val="0"/>
+              </a:spcBef>
+              <a:spcAft>
+                <a:spcPts val="0"/>
+              </a:spcAft>
+              <a:buClr>
+                <a:schemeClr val="dk1"/>
+              </a:buClr>
+              <a:buSzPts val="1100"/>
+              <a:buFont typeface="Arial"/>
+              <a:buNone/>
+            </a:pPr>
+            <a:r>
+              <a:rPr lang="ru-RU" sz="1900">
+                <a:solidFill>
+                  <a:srgbClr val="F2F2F2"/>
+                </a:solidFill>
+                <a:latin typeface="Arial"/>
+                <a:ea typeface="Arial"/>
+                <a:cs typeface="Arial"/>
+                <a:sym typeface="Arial"/>
+              </a:rPr>
+              <a:t>Одной из ключевых особенностей проекта является высокая доступность данных, достигнутая за счет репликации файлов на нескольких серверах. Главный сервер выполняет роль координатора, управляя метаданными файлов и распределением данных по репликам, а дополнительные серверы обеспечивают синхронизацию и резервное хранение.</a:t>
+            </a:r>
+            <a:endParaRPr sz="1900">
+              <a:solidFill>
+                <a:srgbClr val="F2F2F2"/>
+              </a:solidFill>
+              <a:latin typeface="Arial"/>
+              <a:ea typeface="Arial"/>
+              <a:cs typeface="Arial"/>
+              <a:sym typeface="Arial"/>
+            </a:endParaRPr>
+          </a:p>
+          <a:p>
+            <a:pPr indent="0" lvl="0" marL="0" rtl="0" algn="l">
+              <a:lnSpc>
+                <a:spcPct val="120000"/>
+              </a:lnSpc>
+              <a:spcBef>
+                <a:spcPts val="0"/>
+              </a:spcBef>
+              <a:spcAft>
+                <a:spcPts val="0"/>
+              </a:spcAft>
+              <a:buClr>
+                <a:srgbClr val="F2F2F2"/>
+              </a:buClr>
+              <a:buSzPts val="2375"/>
+              <a:buNone/>
+            </a:pPr>
+            <a:r>
+              <a:t/>
+            </a:r>
+            <a:endParaRPr sz="1900">
+              <a:solidFill>
+                <a:srgbClr val="F2F2F2"/>
+              </a:solidFill>
+              <a:latin typeface="Arial"/>
+              <a:ea typeface="Arial"/>
+              <a:cs typeface="Arial"/>
+              <a:sym typeface="Arial"/>
+            </a:endParaRPr>
+          </a:p>
+        </p:txBody>
+      </p:sp>
+    </p:spTree>
+  </p:cSld>
+  <p:clrMapOvr>
+    <a:masterClrMapping/>
+  </p:clrMapOvr>
+</p:sld>
+</file>
+
+<file path=ppt/slides/slide14.xml><?xml version="1.0" encoding="utf-8"?>
+<p:sld xmlns:a="http://schemas.openxmlformats.org/drawingml/2006/main" xmlns:r="http://schemas.openxmlformats.org/officeDocument/2006/relationships" xmlns:mc="http://schemas.openxmlformats.org/markup-compatibility/2006" xmlns:mv="urn:schemas-microsoft-com:mac:vml" xmlns:p="http://schemas.openxmlformats.org/presentationml/2006/main" xmlns:c="http://schemas.openxmlformats.org/drawingml/2006/chart" xmlns:dgm="http://schemas.openxmlformats.org/drawingml/2006/diagram" xmlns:o="urn:schemas-microsoft-com:office:office" xmlns:v="urn:schemas-microsoft-com:vml" xmlns:pvml="urn:schemas-microsoft-com:office:powerpoint" xmlns:com="http://schemas.openxmlformats.org/drawingml/2006/compatibility" xmlns:p14="http://schemas.microsoft.com/office/powerpoint/2010/main" xmlns:p15="http://schemas.microsoft.com/office/powerpoint/2012/main" xmlns:ahyp="http://schemas.microsoft.com/office/drawing/2018/hyperlinkcolor">
+  <p:cSld>
+    <p:bg>
+      <p:bgPr>
+        <a:gradFill>
+          <a:gsLst>
+            <a:gs pos="0">
+              <a:schemeClr val="dk1"/>
+            </a:gs>
+            <a:gs pos="100000">
+              <a:schemeClr val="dk1"/>
+            </a:gs>
+          </a:gsLst>
+          <a:lin ang="5400000" scaled="0"/>
+        </a:gradFill>
+      </p:bgPr>
+    </p:bg>
+    <p:spTree>
+      <p:nvGrpSpPr>
+        <p:cNvPr id="312" name="Shape 312"/>
+        <p:cNvGrpSpPr/>
+        <p:nvPr/>
+      </p:nvGrpSpPr>
+      <p:grpSpPr>
+        <a:xfrm>
+          <a:off x="0" y="0"/>
+          <a:ext cx="0" cy="0"/>
+          <a:chOff x="0" y="0"/>
+          <a:chExt cx="0" cy="0"/>
+        </a:xfrm>
+      </p:grpSpPr>
+      <p:sp>
+        <p:nvSpPr>
+          <p:cNvPr id="313" name="Google Shape;313;p11"/>
           <p:cNvSpPr txBox="1"/>
           <p:nvPr>
             <p:ph type="title"/>
@@ -26874,7 +28084,7 @@
                 <a:cs typeface="Arial"/>
                 <a:sym typeface="Arial"/>
               </a:rPr>
-              <a:t>ПРОДЕЛАННАЯ РАБОТА(26.10-08.11)</a:t>
+              <a:t>ПРОДЕЛАННАЯ РАБОТА (26.10-08.11)</a:t>
             </a:r>
             <a:endParaRPr sz="2900">
               <a:solidFill>
@@ -26890,7 +28100,7 @@
       </p:sp>
       <p:sp>
         <p:nvSpPr>
-          <p:cNvPr id="302" name="Google Shape;302;p11"/>
+          <p:cNvPr id="314" name="Google Shape;314;p11"/>
           <p:cNvSpPr txBox="1"/>
           <p:nvPr>
             <p:ph idx="1" type="body"/>
@@ -27278,7 +28488,7 @@
 </p:sld>
 </file>
 
-<file path=ppt/slides/slide13.xml><?xml version="1.0" encoding="utf-8"?>
+<file path=ppt/slides/slide15.xml><?xml version="1.0" encoding="utf-8"?>
 <p:sld xmlns:a="http://schemas.openxmlformats.org/drawingml/2006/main" xmlns:r="http://schemas.openxmlformats.org/officeDocument/2006/relationships" xmlns:mc="http://schemas.openxmlformats.org/markup-compatibility/2006" xmlns:mv="urn:schemas-microsoft-com:mac:vml" xmlns:p="http://schemas.openxmlformats.org/presentationml/2006/main" xmlns:c="http://schemas.openxmlformats.org/drawingml/2006/chart" xmlns:dgm="http://schemas.openxmlformats.org/drawingml/2006/diagram" xmlns:o="urn:schemas-microsoft-com:office:office" xmlns:v="urn:schemas-microsoft-com:vml" xmlns:pvml="urn:schemas-microsoft-com:office:powerpoint" xmlns:com="http://schemas.openxmlformats.org/drawingml/2006/compatibility" xmlns:p14="http://schemas.microsoft.com/office/powerpoint/2010/main" xmlns:p15="http://schemas.microsoft.com/office/powerpoint/2012/main" xmlns:ahyp="http://schemas.microsoft.com/office/drawing/2018/hyperlinkcolor">
   <p:cSld>
     <p:bg>
@@ -27298,7 +28508,7 @@
     </p:bg>
     <p:spTree>
       <p:nvGrpSpPr>
-        <p:cNvPr id="306" name="Shape 306"/>
+        <p:cNvPr id="318" name="Shape 318"/>
         <p:cNvGrpSpPr/>
         <p:nvPr/>
       </p:nvGrpSpPr>
@@ -27312,7 +28522,7 @@
       </p:grpSpPr>
       <p:sp>
         <p:nvSpPr>
-          <p:cNvPr id="307" name="Google Shape;307;g3133fc85961_0_1"/>
+          <p:cNvPr id="319" name="Google Shape;319;g3133fc85961_0_1"/>
           <p:cNvSpPr txBox="1"/>
           <p:nvPr>
             <p:ph type="title"/>
@@ -27380,7 +28590,7 @@
       </p:sp>
       <p:sp>
         <p:nvSpPr>
-          <p:cNvPr id="308" name="Google Shape;308;g3133fc85961_0_1"/>
+          <p:cNvPr id="320" name="Google Shape;320;g3133fc85961_0_1"/>
           <p:cNvSpPr txBox="1"/>
           <p:nvPr>
             <p:ph idx="1" type="body"/>
@@ -27488,7 +28698,7 @@
 </p:sld>
 </file>
 
-<file path=ppt/slides/slide14.xml><?xml version="1.0" encoding="utf-8"?>
+<file path=ppt/slides/slide16.xml><?xml version="1.0" encoding="utf-8"?>
 <p:sld xmlns:a="http://schemas.openxmlformats.org/drawingml/2006/main" xmlns:r="http://schemas.openxmlformats.org/officeDocument/2006/relationships" xmlns:mc="http://schemas.openxmlformats.org/markup-compatibility/2006" xmlns:mv="urn:schemas-microsoft-com:mac:vml" xmlns:p="http://schemas.openxmlformats.org/presentationml/2006/main" xmlns:c="http://schemas.openxmlformats.org/drawingml/2006/chart" xmlns:dgm="http://schemas.openxmlformats.org/drawingml/2006/diagram" xmlns:o="urn:schemas-microsoft-com:office:office" xmlns:v="urn:schemas-microsoft-com:vml" xmlns:pvml="urn:schemas-microsoft-com:office:powerpoint" xmlns:com="http://schemas.openxmlformats.org/drawingml/2006/compatibility" xmlns:p14="http://schemas.microsoft.com/office/powerpoint/2010/main" xmlns:p15="http://schemas.microsoft.com/office/powerpoint/2012/main" xmlns:ahyp="http://schemas.microsoft.com/office/drawing/2018/hyperlinkcolor">
   <p:cSld>
     <p:bg>
@@ -27502,13 +28712,13 @@
               <a:schemeClr val="dk1"/>
             </a:gs>
           </a:gsLst>
-          <a:lin ang="5400000" scaled="0"/>
+          <a:lin ang="5400012" scaled="0"/>
         </a:gradFill>
       </p:bgPr>
     </p:bg>
     <p:spTree>
       <p:nvGrpSpPr>
-        <p:cNvPr id="312" name="Shape 312"/>
+        <p:cNvPr id="324" name="Shape 324"/>
         <p:cNvGrpSpPr/>
         <p:nvPr/>
       </p:nvGrpSpPr>
@@ -27522,7 +28732,7 @@
       </p:grpSpPr>
       <p:sp>
         <p:nvSpPr>
-          <p:cNvPr id="313" name="Google Shape;313;p12"/>
+          <p:cNvPr id="325" name="Google Shape;325;p12"/>
           <p:cNvSpPr txBox="1"/>
           <p:nvPr>
             <p:ph type="title"/>
@@ -27590,7 +28800,7 @@
       </p:sp>
       <p:sp>
         <p:nvSpPr>
-          <p:cNvPr id="314" name="Google Shape;314;p12"/>
+          <p:cNvPr id="326" name="Google Shape;326;p12"/>
           <p:cNvSpPr txBox="1"/>
           <p:nvPr>
             <p:ph idx="1" type="body"/>
@@ -27599,7 +28809,7 @@
         <p:spPr>
           <a:xfrm>
             <a:off x="856060" y="2249487"/>
-            <a:ext cx="7429499" cy="3541714"/>
+            <a:ext cx="7429500" cy="3541800"/>
           </a:xfrm>
           <a:prstGeom prst="rect">
             <a:avLst/>
@@ -27648,7 +28858,7 @@
       </p:sp>
       <p:pic>
         <p:nvPicPr>
-          <p:cNvPr id="315" name="Google Shape;315;p12"/>
+          <p:cNvPr id="327" name="Google Shape;327;p12"/>
           <p:cNvPicPr preferRelativeResize="0"/>
           <p:nvPr/>
         </p:nvPicPr>
@@ -27713,7 +28923,7 @@
                                           </p:stCondLst>
                                         </p:cTn>
                                         <p:tgtEl>
-                                          <p:spTgt spid="315"/>
+                                          <p:spTgt spid="327"/>
                                         </p:tgtEl>
                                         <p:attrNameLst>
                                           <p:attrName>style.visibility</p:attrName>
@@ -27727,7 +28937,7 @@
                                       <p:cBhvr additive="base">
                                         <p:cTn dur="1500"/>
                                         <p:tgtEl>
-                                          <p:spTgt spid="315"/>
+                                          <p:spTgt spid="327"/>
                                         </p:tgtEl>
                                         <p:attrNameLst>
                                           <p:attrName>ppt_w</p:attrName>
@@ -27750,7 +28960,7 @@
                                       <p:cBhvr additive="base">
                                         <p:cTn dur="1500"/>
                                         <p:tgtEl>
-                                          <p:spTgt spid="315"/>
+                                          <p:spTgt spid="327"/>
                                         </p:tgtEl>
                                         <p:attrNameLst>
                                           <p:attrName>ppt_h</p:attrName>
@@ -27800,6 +29010,702 @@
       </p:par>
     </p:tnLst>
   </p:timing>
+</p:sld>
+</file>
+
+<file path=ppt/slides/slide17.xml><?xml version="1.0" encoding="utf-8"?>
+<p:sld xmlns:a="http://schemas.openxmlformats.org/drawingml/2006/main" xmlns:r="http://schemas.openxmlformats.org/officeDocument/2006/relationships" xmlns:mc="http://schemas.openxmlformats.org/markup-compatibility/2006" xmlns:mv="urn:schemas-microsoft-com:mac:vml" xmlns:p="http://schemas.openxmlformats.org/presentationml/2006/main" xmlns:c="http://schemas.openxmlformats.org/drawingml/2006/chart" xmlns:dgm="http://schemas.openxmlformats.org/drawingml/2006/diagram" xmlns:o="urn:schemas-microsoft-com:office:office" xmlns:v="urn:schemas-microsoft-com:vml" xmlns:pvml="urn:schemas-microsoft-com:office:powerpoint" xmlns:com="http://schemas.openxmlformats.org/drawingml/2006/compatibility" xmlns:p14="http://schemas.microsoft.com/office/powerpoint/2010/main" xmlns:p15="http://schemas.microsoft.com/office/powerpoint/2012/main" xmlns:ahyp="http://schemas.microsoft.com/office/drawing/2018/hyperlinkcolor">
+  <p:cSld>
+    <p:bg>
+      <p:bgPr>
+        <a:gradFill>
+          <a:gsLst>
+            <a:gs pos="0">
+              <a:schemeClr val="dk1"/>
+            </a:gs>
+            <a:gs pos="100000">
+              <a:schemeClr val="dk1"/>
+            </a:gs>
+          </a:gsLst>
+          <a:lin ang="5400012" scaled="0"/>
+        </a:gradFill>
+      </p:bgPr>
+    </p:bg>
+    <p:spTree>
+      <p:nvGrpSpPr>
+        <p:cNvPr id="331" name="Shape 331"/>
+        <p:cNvGrpSpPr/>
+        <p:nvPr/>
+      </p:nvGrpSpPr>
+      <p:grpSpPr>
+        <a:xfrm>
+          <a:off x="0" y="0"/>
+          <a:ext cx="0" cy="0"/>
+          <a:chOff x="0" y="0"/>
+          <a:chExt cx="0" cy="0"/>
+        </a:xfrm>
+      </p:grpSpPr>
+      <p:sp>
+        <p:nvSpPr>
+          <p:cNvPr id="332" name="Google Shape;332;g31a62b8e51e_0_0"/>
+          <p:cNvSpPr txBox="1"/>
+          <p:nvPr>
+            <p:ph type="title"/>
+          </p:nvPr>
+        </p:nvSpPr>
+        <p:spPr>
+          <a:xfrm>
+            <a:off x="1097825" y="290650"/>
+            <a:ext cx="7880700" cy="882900"/>
+          </a:xfrm>
+          <a:prstGeom prst="rect">
+            <a:avLst/>
+          </a:prstGeom>
+          <a:noFill/>
+          <a:ln>
+            <a:noFill/>
+          </a:ln>
+        </p:spPr>
+        <p:txBody>
+          <a:bodyPr anchorCtr="0" anchor="ctr" bIns="45700" lIns="91425" spcFirstLastPara="1" rIns="91425" wrap="square" tIns="45700">
+            <a:normAutofit/>
+          </a:bodyPr>
+          <a:lstStyle/>
+          <a:p>
+            <a:pPr indent="0" lvl="0" marL="0" rtl="0" algn="l">
+              <a:lnSpc>
+                <a:spcPct val="90000"/>
+              </a:lnSpc>
+              <a:spcBef>
+                <a:spcPts val="0"/>
+              </a:spcBef>
+              <a:spcAft>
+                <a:spcPts val="0"/>
+              </a:spcAft>
+              <a:buClr>
+                <a:srgbClr val="FF6600"/>
+              </a:buClr>
+              <a:buSzPts val="3200"/>
+              <a:buFont typeface="Twentieth Century"/>
+              <a:buNone/>
+            </a:pPr>
+            <a:r>
+              <a:rPr lang="ru-RU" sz="2900">
+                <a:solidFill>
+                  <a:srgbClr val="FF6600"/>
+                </a:solidFill>
+                <a:latin typeface="Arial"/>
+                <a:ea typeface="Arial"/>
+                <a:cs typeface="Arial"/>
+                <a:sym typeface="Arial"/>
+              </a:rPr>
+              <a:t>ПРОДЕЛАННАЯ РАБОТА (09.11-29.11)</a:t>
+            </a:r>
+            <a:endParaRPr sz="2900">
+              <a:solidFill>
+                <a:srgbClr val="FF6600"/>
+              </a:solidFill>
+              <a:latin typeface="Arial"/>
+              <a:ea typeface="Arial"/>
+              <a:cs typeface="Arial"/>
+              <a:sym typeface="Arial"/>
+            </a:endParaRPr>
+          </a:p>
+        </p:txBody>
+      </p:sp>
+      <p:sp>
+        <p:nvSpPr>
+          <p:cNvPr id="333" name="Google Shape;333;g31a62b8e51e_0_0"/>
+          <p:cNvSpPr txBox="1"/>
+          <p:nvPr>
+            <p:ph idx="1" type="body"/>
+          </p:nvPr>
+        </p:nvSpPr>
+        <p:spPr>
+          <a:xfrm>
+            <a:off x="773225" y="1173550"/>
+            <a:ext cx="7961100" cy="3543300"/>
+          </a:xfrm>
+          <a:prstGeom prst="rect">
+            <a:avLst/>
+          </a:prstGeom>
+          <a:noFill/>
+          <a:ln>
+            <a:noFill/>
+          </a:ln>
+        </p:spPr>
+        <p:txBody>
+          <a:bodyPr anchorCtr="0" anchor="t" bIns="45700" lIns="91425" spcFirstLastPara="1" rIns="91425" wrap="square" tIns="45700">
+            <a:spAutoFit/>
+          </a:bodyPr>
+          <a:lstStyle/>
+          <a:p>
+            <a:pPr indent="0" lvl="0" marL="0" rtl="0" algn="l">
+              <a:spcBef>
+                <a:spcPts val="0"/>
+              </a:spcBef>
+              <a:spcAft>
+                <a:spcPts val="0"/>
+              </a:spcAft>
+              <a:buNone/>
+            </a:pPr>
+            <a:r>
+              <a:rPr lang="ru-RU" sz="1900">
+                <a:solidFill>
+                  <a:srgbClr val="F2F2F2"/>
+                </a:solidFill>
+                <a:latin typeface="Arial"/>
+                <a:ea typeface="Arial"/>
+                <a:cs typeface="Arial"/>
+                <a:sym typeface="Arial"/>
+              </a:rPr>
+              <a:t>- </a:t>
+            </a:r>
+            <a:r>
+              <a:rPr lang="ru-RU" sz="1900">
+                <a:solidFill>
+                  <a:srgbClr val="F2F2F2"/>
+                </a:solidFill>
+                <a:latin typeface="Arial"/>
+                <a:ea typeface="Arial"/>
+                <a:cs typeface="Arial"/>
+                <a:sym typeface="Arial"/>
+              </a:rPr>
+              <a:t>Добавлено логирование.</a:t>
+            </a:r>
+            <a:endParaRPr sz="1900">
+              <a:solidFill>
+                <a:srgbClr val="F2F2F2"/>
+              </a:solidFill>
+              <a:latin typeface="Arial"/>
+              <a:ea typeface="Arial"/>
+              <a:cs typeface="Arial"/>
+              <a:sym typeface="Arial"/>
+            </a:endParaRPr>
+          </a:p>
+          <a:p>
+            <a:pPr indent="0" lvl="0" marL="0" rtl="0" algn="l">
+              <a:spcBef>
+                <a:spcPts val="0"/>
+              </a:spcBef>
+              <a:spcAft>
+                <a:spcPts val="0"/>
+              </a:spcAft>
+              <a:buClr>
+                <a:schemeClr val="dk1"/>
+              </a:buClr>
+              <a:buSzPts val="1100"/>
+              <a:buNone/>
+            </a:pPr>
+            <a:r>
+              <a:rPr lang="ru-RU" sz="1900">
+                <a:solidFill>
+                  <a:srgbClr val="F2F2F2"/>
+                </a:solidFill>
+                <a:latin typeface="Arial"/>
+                <a:ea typeface="Arial"/>
+                <a:cs typeface="Arial"/>
+                <a:sym typeface="Arial"/>
+              </a:rPr>
+              <a:t>- Создан интерфейс для сервера.</a:t>
+            </a:r>
+            <a:endParaRPr sz="1900">
+              <a:solidFill>
+                <a:srgbClr val="F2F2F2"/>
+              </a:solidFill>
+              <a:latin typeface="Arial"/>
+              <a:ea typeface="Arial"/>
+              <a:cs typeface="Arial"/>
+              <a:sym typeface="Arial"/>
+            </a:endParaRPr>
+          </a:p>
+          <a:p>
+            <a:pPr indent="0" lvl="0" marL="0" rtl="0" algn="l">
+              <a:spcBef>
+                <a:spcPts val="0"/>
+              </a:spcBef>
+              <a:spcAft>
+                <a:spcPts val="0"/>
+              </a:spcAft>
+              <a:buClr>
+                <a:schemeClr val="dk1"/>
+              </a:buClr>
+              <a:buSzPts val="1100"/>
+              <a:buNone/>
+            </a:pPr>
+            <a:r>
+              <a:rPr lang="ru-RU" sz="1900">
+                <a:solidFill>
+                  <a:srgbClr val="F2F2F2"/>
+                </a:solidFill>
+                <a:latin typeface="Arial"/>
+                <a:ea typeface="Arial"/>
+                <a:cs typeface="Arial"/>
+                <a:sym typeface="Arial"/>
+              </a:rPr>
+              <a:t>- Создан ReplicaServer и реализовано его взаимодействие с MainServer: Рассылка файлов на реплики, их удаление, запрос файлов с реплик и хранение информации о местоположении файлов.</a:t>
+            </a:r>
+            <a:endParaRPr sz="1900">
+              <a:solidFill>
+                <a:srgbClr val="F2F2F2"/>
+              </a:solidFill>
+              <a:latin typeface="Arial"/>
+              <a:ea typeface="Arial"/>
+              <a:cs typeface="Arial"/>
+              <a:sym typeface="Arial"/>
+            </a:endParaRPr>
+          </a:p>
+          <a:p>
+            <a:pPr indent="0" lvl="0" marL="0" rtl="0" algn="l">
+              <a:spcBef>
+                <a:spcPts val="0"/>
+              </a:spcBef>
+              <a:spcAft>
+                <a:spcPts val="0"/>
+              </a:spcAft>
+              <a:buClr>
+                <a:schemeClr val="dk1"/>
+              </a:buClr>
+              <a:buSzPts val="1100"/>
+              <a:buNone/>
+            </a:pPr>
+            <a:r>
+              <a:rPr lang="ru-RU" sz="1900">
+                <a:solidFill>
+                  <a:srgbClr val="F2F2F2"/>
+                </a:solidFill>
+                <a:latin typeface="Arial"/>
+                <a:ea typeface="Arial"/>
+                <a:cs typeface="Arial"/>
+                <a:sym typeface="Arial"/>
+              </a:rPr>
+              <a:t>- Main Server больше не хранит файлы локально.</a:t>
+            </a:r>
+            <a:endParaRPr sz="1900">
+              <a:solidFill>
+                <a:srgbClr val="F2F2F2"/>
+              </a:solidFill>
+              <a:latin typeface="Arial"/>
+              <a:ea typeface="Arial"/>
+              <a:cs typeface="Arial"/>
+              <a:sym typeface="Arial"/>
+            </a:endParaRPr>
+          </a:p>
+          <a:p>
+            <a:pPr indent="0" lvl="0" marL="0" rtl="0" algn="l">
+              <a:spcBef>
+                <a:spcPts val="0"/>
+              </a:spcBef>
+              <a:spcAft>
+                <a:spcPts val="0"/>
+              </a:spcAft>
+              <a:buClr>
+                <a:schemeClr val="dk1"/>
+              </a:buClr>
+              <a:buSzPts val="1100"/>
+              <a:buNone/>
+            </a:pPr>
+            <a:r>
+              <a:rPr lang="ru-RU" sz="1900">
+                <a:solidFill>
+                  <a:srgbClr val="F2F2F2"/>
+                </a:solidFill>
+                <a:latin typeface="Arial"/>
+                <a:ea typeface="Arial"/>
+                <a:cs typeface="Arial"/>
+                <a:sym typeface="Arial"/>
+              </a:rPr>
+              <a:t>- Добавлено описание проекта в репозитории на GitHub.</a:t>
+            </a:r>
+            <a:endParaRPr sz="1900">
+              <a:solidFill>
+                <a:srgbClr val="F2F2F2"/>
+              </a:solidFill>
+              <a:latin typeface="Arial"/>
+              <a:ea typeface="Arial"/>
+              <a:cs typeface="Arial"/>
+              <a:sym typeface="Arial"/>
+            </a:endParaRPr>
+          </a:p>
+          <a:p>
+            <a:pPr indent="0" lvl="0" marL="0" rtl="0" algn="l">
+              <a:spcBef>
+                <a:spcPts val="0"/>
+              </a:spcBef>
+              <a:spcAft>
+                <a:spcPts val="0"/>
+              </a:spcAft>
+              <a:buClr>
+                <a:schemeClr val="dk1"/>
+              </a:buClr>
+              <a:buSzPts val="1100"/>
+              <a:buNone/>
+            </a:pPr>
+            <a:r>
+              <a:rPr lang="ru-RU" sz="1900">
+                <a:solidFill>
+                  <a:srgbClr val="F2F2F2"/>
+                </a:solidFill>
+                <a:latin typeface="Arial"/>
+                <a:ea typeface="Arial"/>
+                <a:cs typeface="Arial"/>
+                <a:sym typeface="Arial"/>
+              </a:rPr>
+              <a:t>- Исправлены старые и добавлены новые косяки.</a:t>
+            </a:r>
+            <a:endParaRPr sz="1900">
+              <a:solidFill>
+                <a:srgbClr val="F2F2F2"/>
+              </a:solidFill>
+              <a:latin typeface="Arial"/>
+              <a:ea typeface="Arial"/>
+              <a:cs typeface="Arial"/>
+              <a:sym typeface="Arial"/>
+            </a:endParaRPr>
+          </a:p>
+          <a:p>
+            <a:pPr indent="0" lvl="0" marL="0" rtl="0" algn="l">
+              <a:spcBef>
+                <a:spcPts val="0"/>
+              </a:spcBef>
+              <a:spcAft>
+                <a:spcPts val="0"/>
+              </a:spcAft>
+              <a:buClr>
+                <a:schemeClr val="dk1"/>
+              </a:buClr>
+              <a:buSzPts val="1100"/>
+              <a:buNone/>
+            </a:pPr>
+            <a:r>
+              <a:rPr lang="ru-RU" sz="1900">
+                <a:solidFill>
+                  <a:srgbClr val="F2F2F2"/>
+                </a:solidFill>
+                <a:latin typeface="Arial"/>
+                <a:ea typeface="Arial"/>
+                <a:cs typeface="Arial"/>
+                <a:sym typeface="Arial"/>
+              </a:rPr>
+              <a:t>- </a:t>
+            </a:r>
+            <a:endParaRPr sz="1900">
+              <a:solidFill>
+                <a:srgbClr val="F2F2F2"/>
+              </a:solidFill>
+              <a:latin typeface="Arial"/>
+              <a:ea typeface="Arial"/>
+              <a:cs typeface="Arial"/>
+              <a:sym typeface="Arial"/>
+            </a:endParaRPr>
+          </a:p>
+        </p:txBody>
+      </p:sp>
+      <p:pic>
+        <p:nvPicPr>
+          <p:cNvPr id="334" name="Google Shape;334;g31a62b8e51e_0_0"/>
+          <p:cNvPicPr preferRelativeResize="0"/>
+          <p:nvPr/>
+        </p:nvPicPr>
+        <p:blipFill>
+          <a:blip r:embed="rId3">
+            <a:alphaModFix/>
+          </a:blip>
+          <a:stretch>
+            <a:fillRect/>
+          </a:stretch>
+        </p:blipFill>
+        <p:spPr>
+          <a:xfrm>
+            <a:off x="1030450" y="4420475"/>
+            <a:ext cx="3879276" cy="2208350"/>
+          </a:xfrm>
+          <a:prstGeom prst="rect">
+            <a:avLst/>
+          </a:prstGeom>
+          <a:noFill/>
+          <a:ln>
+            <a:noFill/>
+          </a:ln>
+        </p:spPr>
+      </p:pic>
+    </p:spTree>
+  </p:cSld>
+  <p:clrMapOvr>
+    <a:masterClrMapping/>
+  </p:clrMapOvr>
+</p:sld>
+</file>
+
+<file path=ppt/slides/slide18.xml><?xml version="1.0" encoding="utf-8"?>
+<p:sld xmlns:a="http://schemas.openxmlformats.org/drawingml/2006/main" xmlns:r="http://schemas.openxmlformats.org/officeDocument/2006/relationships" xmlns:mc="http://schemas.openxmlformats.org/markup-compatibility/2006" xmlns:mv="urn:schemas-microsoft-com:mac:vml" xmlns:p="http://schemas.openxmlformats.org/presentationml/2006/main" xmlns:c="http://schemas.openxmlformats.org/drawingml/2006/chart" xmlns:dgm="http://schemas.openxmlformats.org/drawingml/2006/diagram" xmlns:o="urn:schemas-microsoft-com:office:office" xmlns:v="urn:schemas-microsoft-com:vml" xmlns:pvml="urn:schemas-microsoft-com:office:powerpoint" xmlns:com="http://schemas.openxmlformats.org/drawingml/2006/compatibility" xmlns:p14="http://schemas.microsoft.com/office/powerpoint/2010/main" xmlns:p15="http://schemas.microsoft.com/office/powerpoint/2012/main" xmlns:ahyp="http://schemas.microsoft.com/office/drawing/2018/hyperlinkcolor">
+  <p:cSld>
+    <p:bg>
+      <p:bgPr>
+        <a:gradFill>
+          <a:gsLst>
+            <a:gs pos="0">
+              <a:schemeClr val="dk1"/>
+            </a:gs>
+            <a:gs pos="100000">
+              <a:schemeClr val="dk1"/>
+            </a:gs>
+          </a:gsLst>
+          <a:lin ang="5400012" scaled="0"/>
+        </a:gradFill>
+      </p:bgPr>
+    </p:bg>
+    <p:spTree>
+      <p:nvGrpSpPr>
+        <p:cNvPr id="338" name="Shape 338"/>
+        <p:cNvGrpSpPr/>
+        <p:nvPr/>
+      </p:nvGrpSpPr>
+      <p:grpSpPr>
+        <a:xfrm>
+          <a:off x="0" y="0"/>
+          <a:ext cx="0" cy="0"/>
+          <a:chOff x="0" y="0"/>
+          <a:chExt cx="0" cy="0"/>
+        </a:xfrm>
+      </p:grpSpPr>
+      <p:sp>
+        <p:nvSpPr>
+          <p:cNvPr id="339" name="Google Shape;339;g31a62b8e51e_0_7"/>
+          <p:cNvSpPr txBox="1"/>
+          <p:nvPr>
+            <p:ph type="title"/>
+          </p:nvPr>
+        </p:nvSpPr>
+        <p:spPr>
+          <a:xfrm>
+            <a:off x="1054825" y="373450"/>
+            <a:ext cx="7865700" cy="1027200"/>
+          </a:xfrm>
+          <a:prstGeom prst="rect">
+            <a:avLst/>
+          </a:prstGeom>
+          <a:noFill/>
+          <a:ln>
+            <a:noFill/>
+          </a:ln>
+        </p:spPr>
+        <p:txBody>
+          <a:bodyPr anchorCtr="0" anchor="ctr" bIns="45700" lIns="91425" spcFirstLastPara="1" rIns="91425" wrap="square" tIns="45700">
+            <a:normAutofit/>
+          </a:bodyPr>
+          <a:lstStyle/>
+          <a:p>
+            <a:pPr indent="0" lvl="0" marL="0" rtl="0" algn="l">
+              <a:lnSpc>
+                <a:spcPct val="90000"/>
+              </a:lnSpc>
+              <a:spcBef>
+                <a:spcPts val="0"/>
+              </a:spcBef>
+              <a:spcAft>
+                <a:spcPts val="0"/>
+              </a:spcAft>
+              <a:buClr>
+                <a:srgbClr val="FF6600"/>
+              </a:buClr>
+              <a:buSzPts val="3200"/>
+              <a:buFont typeface="Twentieth Century"/>
+              <a:buNone/>
+            </a:pPr>
+            <a:r>
+              <a:rPr lang="ru-RU">
+                <a:solidFill>
+                  <a:srgbClr val="FF6600"/>
+                </a:solidFill>
+                <a:latin typeface="Arial"/>
+                <a:ea typeface="Arial"/>
+                <a:cs typeface="Arial"/>
+                <a:sym typeface="Arial"/>
+              </a:rPr>
+              <a:t>НЫНЕШНЯЯ СХЕМА ПРОЕКТА</a:t>
+            </a:r>
+            <a:endParaRPr>
+              <a:solidFill>
+                <a:srgbClr val="FF6600"/>
+              </a:solidFill>
+              <a:latin typeface="Arial"/>
+              <a:ea typeface="Arial"/>
+              <a:cs typeface="Arial"/>
+              <a:sym typeface="Arial"/>
+            </a:endParaRPr>
+          </a:p>
+        </p:txBody>
+      </p:sp>
+      <p:pic>
+        <p:nvPicPr>
+          <p:cNvPr id="340" name="Google Shape;340;g31a62b8e51e_0_7"/>
+          <p:cNvPicPr preferRelativeResize="0"/>
+          <p:nvPr/>
+        </p:nvPicPr>
+        <p:blipFill>
+          <a:blip r:embed="rId3">
+            <a:alphaModFix/>
+          </a:blip>
+          <a:stretch>
+            <a:fillRect/>
+          </a:stretch>
+        </p:blipFill>
+        <p:spPr>
+          <a:xfrm>
+            <a:off x="1216925" y="1400650"/>
+            <a:ext cx="6710159" cy="5152549"/>
+          </a:xfrm>
+          <a:prstGeom prst="rect">
+            <a:avLst/>
+          </a:prstGeom>
+          <a:noFill/>
+          <a:ln>
+            <a:noFill/>
+          </a:ln>
+        </p:spPr>
+      </p:pic>
+    </p:spTree>
+  </p:cSld>
+  <p:clrMapOvr>
+    <a:masterClrMapping/>
+  </p:clrMapOvr>
+</p:sld>
+</file>
+
+<file path=ppt/slides/slide19.xml><?xml version="1.0" encoding="utf-8"?>
+<p:sld xmlns:a="http://schemas.openxmlformats.org/drawingml/2006/main" xmlns:r="http://schemas.openxmlformats.org/officeDocument/2006/relationships" xmlns:mc="http://schemas.openxmlformats.org/markup-compatibility/2006" xmlns:mv="urn:schemas-microsoft-com:mac:vml" xmlns:p="http://schemas.openxmlformats.org/presentationml/2006/main" xmlns:c="http://schemas.openxmlformats.org/drawingml/2006/chart" xmlns:dgm="http://schemas.openxmlformats.org/drawingml/2006/diagram" xmlns:o="urn:schemas-microsoft-com:office:office" xmlns:v="urn:schemas-microsoft-com:vml" xmlns:pvml="urn:schemas-microsoft-com:office:powerpoint" xmlns:com="http://schemas.openxmlformats.org/drawingml/2006/compatibility" xmlns:p14="http://schemas.microsoft.com/office/powerpoint/2010/main" xmlns:p15="http://schemas.microsoft.com/office/powerpoint/2012/main" xmlns:ahyp="http://schemas.microsoft.com/office/drawing/2018/hyperlinkcolor">
+  <p:cSld>
+    <p:bg>
+      <p:bgPr>
+        <a:gradFill>
+          <a:gsLst>
+            <a:gs pos="0">
+              <a:schemeClr val="dk1"/>
+            </a:gs>
+            <a:gs pos="100000">
+              <a:schemeClr val="dk1"/>
+            </a:gs>
+          </a:gsLst>
+          <a:lin ang="5400012" scaled="0"/>
+        </a:gradFill>
+      </p:bgPr>
+    </p:bg>
+    <p:spTree>
+      <p:nvGrpSpPr>
+        <p:cNvPr id="344" name="Shape 344"/>
+        <p:cNvGrpSpPr/>
+        <p:nvPr/>
+      </p:nvGrpSpPr>
+      <p:grpSpPr>
+        <a:xfrm>
+          <a:off x="0" y="0"/>
+          <a:ext cx="0" cy="0"/>
+          <a:chOff x="0" y="0"/>
+          <a:chExt cx="0" cy="0"/>
+        </a:xfrm>
+      </p:grpSpPr>
+      <p:sp>
+        <p:nvSpPr>
+          <p:cNvPr id="345" name="Google Shape;345;g31a62b8e51e_0_20"/>
+          <p:cNvSpPr txBox="1"/>
+          <p:nvPr>
+            <p:ph type="title"/>
+          </p:nvPr>
+        </p:nvSpPr>
+        <p:spPr>
+          <a:xfrm>
+            <a:off x="1054825" y="373450"/>
+            <a:ext cx="7865700" cy="1027200"/>
+          </a:xfrm>
+          <a:prstGeom prst="rect">
+            <a:avLst/>
+          </a:prstGeom>
+          <a:noFill/>
+          <a:ln>
+            <a:noFill/>
+          </a:ln>
+        </p:spPr>
+        <p:txBody>
+          <a:bodyPr anchorCtr="0" anchor="ctr" bIns="45700" lIns="91425" spcFirstLastPara="1" rIns="91425" wrap="square" tIns="45700">
+            <a:normAutofit/>
+          </a:bodyPr>
+          <a:lstStyle/>
+          <a:p>
+            <a:pPr indent="0" lvl="0" marL="0" rtl="0" algn="l">
+              <a:lnSpc>
+                <a:spcPct val="90000"/>
+              </a:lnSpc>
+              <a:spcBef>
+                <a:spcPts val="0"/>
+              </a:spcBef>
+              <a:spcAft>
+                <a:spcPts val="0"/>
+              </a:spcAft>
+              <a:buClr>
+                <a:srgbClr val="FF6600"/>
+              </a:buClr>
+              <a:buSzPts val="3200"/>
+              <a:buFont typeface="Twentieth Century"/>
+              <a:buNone/>
+            </a:pPr>
+            <a:r>
+              <a:rPr lang="ru-RU">
+                <a:solidFill>
+                  <a:srgbClr val="FF6600"/>
+                </a:solidFill>
+                <a:latin typeface="Arial"/>
+                <a:ea typeface="Arial"/>
+                <a:cs typeface="Arial"/>
+                <a:sym typeface="Arial"/>
+              </a:rPr>
+              <a:t>ЦЕЛИ НА СЛЕДУЮЩИЕ НЕДЕЛИ</a:t>
+            </a:r>
+            <a:endParaRPr>
+              <a:solidFill>
+                <a:srgbClr val="FF6600"/>
+              </a:solidFill>
+              <a:latin typeface="Arial"/>
+              <a:ea typeface="Arial"/>
+              <a:cs typeface="Arial"/>
+              <a:sym typeface="Arial"/>
+            </a:endParaRPr>
+          </a:p>
+        </p:txBody>
+      </p:sp>
+      <p:pic>
+        <p:nvPicPr>
+          <p:cNvPr id="346" name="Google Shape;346;g31a62b8e51e_0_20"/>
+          <p:cNvPicPr preferRelativeResize="0"/>
+          <p:nvPr/>
+        </p:nvPicPr>
+        <p:blipFill>
+          <a:blip r:embed="rId3">
+            <a:alphaModFix/>
+          </a:blip>
+          <a:stretch>
+            <a:fillRect/>
+          </a:stretch>
+        </p:blipFill>
+        <p:spPr>
+          <a:xfrm>
+            <a:off x="1428750" y="1400650"/>
+            <a:ext cx="6702175" cy="4925076"/>
+          </a:xfrm>
+          <a:prstGeom prst="rect">
+            <a:avLst/>
+          </a:prstGeom>
+          <a:noFill/>
+          <a:ln>
+            <a:noFill/>
+          </a:ln>
+        </p:spPr>
+      </p:pic>
+    </p:spTree>
+  </p:cSld>
+  <p:clrMapOvr>
+    <a:masterClrMapping/>
+  </p:clrMapOvr>
 </p:sld>
 </file>
 
@@ -28088,6 +29994,282 @@
               <a:t>Разрабатывает и настраивает базу данных для хранения метаданных файлов</a:t>
             </a:r>
             <a:endParaRPr>
+              <a:solidFill>
+                <a:srgbClr val="F2F2F2"/>
+              </a:solidFill>
+              <a:latin typeface="Arial"/>
+              <a:ea typeface="Arial"/>
+              <a:cs typeface="Arial"/>
+              <a:sym typeface="Arial"/>
+            </a:endParaRPr>
+          </a:p>
+        </p:txBody>
+      </p:sp>
+    </p:spTree>
+  </p:cSld>
+  <p:clrMapOvr>
+    <a:masterClrMapping/>
+  </p:clrMapOvr>
+</p:sld>
+</file>
+
+<file path=ppt/slides/slide20.xml><?xml version="1.0" encoding="utf-8"?>
+<p:sld xmlns:a="http://schemas.openxmlformats.org/drawingml/2006/main" xmlns:r="http://schemas.openxmlformats.org/officeDocument/2006/relationships" xmlns:mc="http://schemas.openxmlformats.org/markup-compatibility/2006" xmlns:mv="urn:schemas-microsoft-com:mac:vml" xmlns:p="http://schemas.openxmlformats.org/presentationml/2006/main" xmlns:c="http://schemas.openxmlformats.org/drawingml/2006/chart" xmlns:dgm="http://schemas.openxmlformats.org/drawingml/2006/diagram" xmlns:o="urn:schemas-microsoft-com:office:office" xmlns:v="urn:schemas-microsoft-com:vml" xmlns:pvml="urn:schemas-microsoft-com:office:powerpoint" xmlns:com="http://schemas.openxmlformats.org/drawingml/2006/compatibility" xmlns:p14="http://schemas.microsoft.com/office/powerpoint/2010/main" xmlns:p15="http://schemas.microsoft.com/office/powerpoint/2012/main" xmlns:ahyp="http://schemas.microsoft.com/office/drawing/2018/hyperlinkcolor">
+  <p:cSld>
+    <p:bg>
+      <p:bgPr>
+        <a:gradFill>
+          <a:gsLst>
+            <a:gs pos="0">
+              <a:schemeClr val="dk1"/>
+            </a:gs>
+            <a:gs pos="100000">
+              <a:schemeClr val="dk1"/>
+            </a:gs>
+          </a:gsLst>
+          <a:lin ang="5400012" scaled="0"/>
+        </a:gradFill>
+      </p:bgPr>
+    </p:bg>
+    <p:spTree>
+      <p:nvGrpSpPr>
+        <p:cNvPr id="350" name="Shape 350"/>
+        <p:cNvGrpSpPr/>
+        <p:nvPr/>
+      </p:nvGrpSpPr>
+      <p:grpSpPr>
+        <a:xfrm>
+          <a:off x="0" y="0"/>
+          <a:ext cx="0" cy="0"/>
+          <a:chOff x="0" y="0"/>
+          <a:chExt cx="0" cy="0"/>
+        </a:xfrm>
+      </p:grpSpPr>
+      <p:sp>
+        <p:nvSpPr>
+          <p:cNvPr id="351" name="Google Shape;351;g31ea0c3c533_0_2"/>
+          <p:cNvSpPr txBox="1"/>
+          <p:nvPr>
+            <p:ph type="title"/>
+          </p:nvPr>
+        </p:nvSpPr>
+        <p:spPr>
+          <a:xfrm>
+            <a:off x="1015225" y="517750"/>
+            <a:ext cx="7880700" cy="882900"/>
+          </a:xfrm>
+          <a:prstGeom prst="rect">
+            <a:avLst/>
+          </a:prstGeom>
+          <a:noFill/>
+          <a:ln>
+            <a:noFill/>
+          </a:ln>
+        </p:spPr>
+        <p:txBody>
+          <a:bodyPr anchorCtr="0" anchor="ctr" bIns="45700" lIns="91425" spcFirstLastPara="1" rIns="91425" wrap="square" tIns="45700">
+            <a:noAutofit/>
+          </a:bodyPr>
+          <a:lstStyle/>
+          <a:p>
+            <a:pPr indent="0" lvl="0" marL="0" rtl="0" algn="l">
+              <a:lnSpc>
+                <a:spcPct val="90000"/>
+              </a:lnSpc>
+              <a:spcBef>
+                <a:spcPts val="0"/>
+              </a:spcBef>
+              <a:spcAft>
+                <a:spcPts val="0"/>
+              </a:spcAft>
+              <a:buClr>
+                <a:srgbClr val="FF6600"/>
+              </a:buClr>
+              <a:buSzPts val="3200"/>
+              <a:buFont typeface="Twentieth Century"/>
+              <a:buNone/>
+            </a:pPr>
+            <a:r>
+              <a:rPr lang="ru-RU" sz="3100">
+                <a:solidFill>
+                  <a:srgbClr val="FF6600"/>
+                </a:solidFill>
+                <a:latin typeface="Arial"/>
+                <a:ea typeface="Arial"/>
+                <a:cs typeface="Arial"/>
+                <a:sym typeface="Arial"/>
+              </a:rPr>
+              <a:t>ПРОДЕЛАННАЯ РАБОТА (30.11-14.12)</a:t>
+            </a:r>
+            <a:endParaRPr sz="3100">
+              <a:solidFill>
+                <a:srgbClr val="FF6600"/>
+              </a:solidFill>
+              <a:latin typeface="Arial"/>
+              <a:ea typeface="Arial"/>
+              <a:cs typeface="Arial"/>
+              <a:sym typeface="Arial"/>
+            </a:endParaRPr>
+          </a:p>
+        </p:txBody>
+      </p:sp>
+      <p:pic>
+        <p:nvPicPr>
+          <p:cNvPr id="352" name="Google Shape;352;g31ea0c3c533_0_2"/>
+          <p:cNvPicPr preferRelativeResize="0"/>
+          <p:nvPr/>
+        </p:nvPicPr>
+        <p:blipFill>
+          <a:blip r:embed="rId3">
+            <a:alphaModFix/>
+          </a:blip>
+          <a:stretch>
+            <a:fillRect/>
+          </a:stretch>
+        </p:blipFill>
+        <p:spPr>
+          <a:xfrm>
+            <a:off x="1280075" y="2040275"/>
+            <a:ext cx="5899225" cy="4335025"/>
+          </a:xfrm>
+          <a:prstGeom prst="rect">
+            <a:avLst/>
+          </a:prstGeom>
+          <a:noFill/>
+          <a:ln>
+            <a:noFill/>
+          </a:ln>
+        </p:spPr>
+      </p:pic>
+      <p:sp>
+        <p:nvSpPr>
+          <p:cNvPr id="353" name="Google Shape;353;g31ea0c3c533_0_2"/>
+          <p:cNvSpPr txBox="1"/>
+          <p:nvPr>
+            <p:ph idx="1" type="body"/>
+          </p:nvPr>
+        </p:nvSpPr>
+        <p:spPr>
+          <a:xfrm>
+            <a:off x="1015225" y="1297450"/>
+            <a:ext cx="7608300" cy="1086600"/>
+          </a:xfrm>
+          <a:prstGeom prst="rect">
+            <a:avLst/>
+          </a:prstGeom>
+          <a:noFill/>
+          <a:ln>
+            <a:noFill/>
+          </a:ln>
+        </p:spPr>
+        <p:txBody>
+          <a:bodyPr anchorCtr="0" anchor="t" bIns="45700" lIns="91425" spcFirstLastPara="1" rIns="91425" wrap="square" tIns="45700">
+            <a:spAutoFit/>
+          </a:bodyPr>
+          <a:lstStyle/>
+          <a:p>
+            <a:pPr indent="0" lvl="0" marL="0" rtl="0" algn="l">
+              <a:spcBef>
+                <a:spcPts val="0"/>
+              </a:spcBef>
+              <a:spcAft>
+                <a:spcPts val="0"/>
+              </a:spcAft>
+              <a:buNone/>
+            </a:pPr>
+            <a:r>
+              <a:rPr lang="ru-RU" sz="1900">
+                <a:solidFill>
+                  <a:srgbClr val="F2F2F2"/>
+                </a:solidFill>
+                <a:latin typeface="Arial"/>
+                <a:ea typeface="Arial"/>
+                <a:cs typeface="Arial"/>
+                <a:sym typeface="Arial"/>
+              </a:rPr>
+              <a:t>- Реализовано </a:t>
+            </a:r>
+            <a:r>
+              <a:rPr lang="ru-RU" sz="1900">
+                <a:solidFill>
+                  <a:srgbClr val="F2F2F2"/>
+                </a:solidFill>
+                <a:latin typeface="Arial"/>
+                <a:ea typeface="Arial"/>
+                <a:cs typeface="Arial"/>
+                <a:sym typeface="Arial"/>
+              </a:rPr>
+              <a:t>администрирование.</a:t>
+            </a:r>
+            <a:endParaRPr sz="1900">
+              <a:solidFill>
+                <a:srgbClr val="F2F2F2"/>
+              </a:solidFill>
+              <a:latin typeface="Arial"/>
+              <a:ea typeface="Arial"/>
+              <a:cs typeface="Arial"/>
+              <a:sym typeface="Arial"/>
+            </a:endParaRPr>
+          </a:p>
+          <a:p>
+            <a:pPr indent="0" lvl="0" marL="0" rtl="0" algn="l">
+              <a:spcBef>
+                <a:spcPts val="0"/>
+              </a:spcBef>
+              <a:spcAft>
+                <a:spcPts val="0"/>
+              </a:spcAft>
+              <a:buNone/>
+            </a:pPr>
+            <a:r>
+              <a:rPr lang="ru-RU" sz="1900">
+                <a:solidFill>
+                  <a:srgbClr val="F2F2F2"/>
+                </a:solidFill>
+                <a:latin typeface="Arial"/>
+                <a:ea typeface="Arial"/>
+                <a:cs typeface="Arial"/>
+                <a:sym typeface="Arial"/>
+              </a:rPr>
+              <a:t>- Исправлена блокировка интерфейса.</a:t>
+            </a:r>
+            <a:endParaRPr sz="1900">
+              <a:solidFill>
+                <a:srgbClr val="F2F2F2"/>
+              </a:solidFill>
+              <a:latin typeface="Arial"/>
+              <a:ea typeface="Arial"/>
+              <a:cs typeface="Arial"/>
+              <a:sym typeface="Arial"/>
+            </a:endParaRPr>
+          </a:p>
+          <a:p>
+            <a:pPr indent="0" lvl="0" marL="0" rtl="0" algn="l">
+              <a:spcBef>
+                <a:spcPts val="0"/>
+              </a:spcBef>
+              <a:spcAft>
+                <a:spcPts val="0"/>
+              </a:spcAft>
+              <a:buClr>
+                <a:schemeClr val="dk1"/>
+              </a:buClr>
+              <a:buSzPts val="1100"/>
+              <a:buNone/>
+            </a:pPr>
+            <a:r>
+              <a:rPr lang="ru-RU" sz="1900">
+                <a:solidFill>
+                  <a:srgbClr val="F2F2F2"/>
+                </a:solidFill>
+                <a:latin typeface="Arial"/>
+                <a:ea typeface="Arial"/>
+                <a:cs typeface="Arial"/>
+                <a:sym typeface="Arial"/>
+              </a:rPr>
+              <a:t>- </a:t>
+            </a:r>
+            <a:endParaRPr sz="1900">
               <a:solidFill>
                 <a:srgbClr val="F2F2F2"/>
               </a:solidFill>
@@ -28260,7 +30442,67 @@
                 <a:cs typeface="Arial"/>
                 <a:sym typeface="Arial"/>
               </a:rPr>
-              <a:t>Создаётся распределённая файловая система (DFS), основанная на клиент-серверной архитектуре, позволяющая пользователям загружать, сохранять и реплицировать файлы на удалённые серверы. Проект ориентирован на использование в локальной сети организации, что обеспечивает высокую скорость работы и безопасность хранения данных.</a:t>
+              <a:t>Создается</a:t>
+            </a:r>
+            <a:r>
+              <a:rPr lang="ru-RU">
+                <a:solidFill>
+                  <a:srgbClr val="FFFFFF"/>
+                </a:solidFill>
+                <a:latin typeface="Arial"/>
+                <a:ea typeface="Arial"/>
+                <a:cs typeface="Arial"/>
+                <a:sym typeface="Arial"/>
+              </a:rPr>
+              <a:t> </a:t>
+            </a:r>
+            <a:r>
+              <a:rPr lang="ru-RU">
+                <a:solidFill>
+                  <a:srgbClr val="FFFFFF"/>
+                </a:solidFill>
+                <a:latin typeface="Arial"/>
+                <a:ea typeface="Arial"/>
+                <a:cs typeface="Arial"/>
+                <a:sym typeface="Arial"/>
+              </a:rPr>
+              <a:t>распределенная</a:t>
+            </a:r>
+            <a:r>
+              <a:rPr lang="ru-RU">
+                <a:solidFill>
+                  <a:srgbClr val="FFFFFF"/>
+                </a:solidFill>
+                <a:latin typeface="Arial"/>
+                <a:ea typeface="Arial"/>
+                <a:cs typeface="Arial"/>
+                <a:sym typeface="Arial"/>
+              </a:rPr>
+              <a:t> файловая система (DFS), основанная на клиент-серверной архитектуре, позволяющая пользователям загружать, сохранять и реплицировать файлы на </a:t>
+            </a:r>
+            <a:r>
+              <a:rPr lang="ru-RU">
+                <a:solidFill>
+                  <a:srgbClr val="FFFFFF"/>
+                </a:solidFill>
+                <a:latin typeface="Arial"/>
+                <a:ea typeface="Arial"/>
+                <a:cs typeface="Arial"/>
+                <a:sym typeface="Arial"/>
+              </a:rPr>
+              <a:t>удаленные</a:t>
+            </a:r>
+            <a:r>
+              <a:rPr lang="ru-RU">
+                <a:solidFill>
+                  <a:srgbClr val="FFFFFF"/>
+                </a:solidFill>
+                <a:latin typeface="Arial"/>
+                <a:ea typeface="Arial"/>
+                <a:cs typeface="Arial"/>
+                <a:sym typeface="Arial"/>
+              </a:rPr>
+              <a:t> серверы. Проект ориентирован на использование в локальной сети организации, что обеспечивает высокую скорость работы и доступности данных.</a:t>
             </a:r>
             <a:endParaRPr>
               <a:latin typeface="Arial"/>
@@ -28332,7 +30574,31 @@
                 <a:cs typeface="Arial"/>
                 <a:sym typeface="Arial"/>
               </a:rPr>
-              <a:t>Язык разработки: C++ (Qt6)</a:t>
+              <a:t>Язык разработки: C++ (</a:t>
+            </a:r>
+            <a:r>
+              <a:rPr lang="ru-RU">
+                <a:solidFill>
+                  <a:srgbClr val="FFFFFF"/>
+                </a:solidFill>
+                <a:latin typeface="Arial"/>
+                <a:ea typeface="Arial"/>
+                <a:cs typeface="Arial"/>
+                <a:sym typeface="Arial"/>
+              </a:rPr>
+              <a:t>Qt6</a:t>
+            </a:r>
+            <a:r>
+              <a:rPr lang="ru-RU">
+                <a:solidFill>
+                  <a:srgbClr val="FFFFFF"/>
+                </a:solidFill>
+                <a:latin typeface="Arial"/>
+                <a:ea typeface="Arial"/>
+                <a:cs typeface="Arial"/>
+                <a:sym typeface="Arial"/>
+              </a:rPr>
+              <a:t>)</a:t>
             </a:r>
             <a:endParaRPr>
               <a:latin typeface="Arial"/>
@@ -28432,8 +30698,8 @@
         </p:nvSpPr>
         <p:spPr>
           <a:xfrm>
-            <a:off x="856060" y="618518"/>
-            <a:ext cx="7429499" cy="1478570"/>
+            <a:off x="1111050" y="671750"/>
+            <a:ext cx="7393500" cy="785700"/>
           </a:xfrm>
           <a:prstGeom prst="rect">
             <a:avLst/>
@@ -28500,8 +30766,8 @@
         </p:nvSpPr>
         <p:spPr>
           <a:xfrm>
-            <a:off x="856060" y="1779588"/>
-            <a:ext cx="7887000" cy="3541800"/>
+            <a:off x="864300" y="1457451"/>
+            <a:ext cx="7887000" cy="4935900"/>
           </a:xfrm>
           <a:prstGeom prst="rect">
             <a:avLst/>
@@ -28519,7 +30785,7 @@
           <a:p>
             <a:pPr indent="0" lvl="0" marL="0" rtl="0" algn="l">
               <a:lnSpc>
-                <a:spcPct val="120000"/>
+                <a:spcPct val="100000"/>
               </a:lnSpc>
               <a:spcBef>
                 <a:spcPts val="0"/>
@@ -28543,7 +30809,7 @@
                 <a:cs typeface="Arial"/>
                 <a:sym typeface="Arial"/>
               </a:rPr>
-              <a:t>Главный сервер</a:t>
+              <a:t>Клиент:</a:t>
             </a:r>
             <a:endParaRPr sz="1900">
               <a:solidFill>
@@ -28558,7 +30824,7 @@
           <a:p>
             <a:pPr indent="-228600" lvl="0" marL="228600" rtl="0" algn="l">
               <a:lnSpc>
-                <a:spcPct val="120000"/>
+                <a:spcPct val="100000"/>
               </a:lnSpc>
               <a:spcBef>
                 <a:spcPts val="1000"/>
@@ -28582,7 +30848,7 @@
                 <a:cs typeface="Arial"/>
                 <a:sym typeface="Arial"/>
               </a:rPr>
-              <a:t>Основной координационный центр, обрабатывающий запросы клиентов на загрузку, скачивание и репликацию файлов.</a:t>
+              <a:t>Обеспечивает удобные команды для загрузки, скачивания, удаления файлов и получения списка доступных файлов, взаимодействуя с главным сервером и репликами.</a:t>
             </a:r>
             <a:endParaRPr>
               <a:latin typeface="Arial"/>
@@ -28592,9 +30858,48 @@
             </a:endParaRPr>
           </a:p>
           <a:p>
+            <a:pPr indent="0" lvl="0" marL="0" rtl="0" algn="l">
+              <a:lnSpc>
+                <a:spcPct val="100000"/>
+              </a:lnSpc>
+              <a:spcBef>
+                <a:spcPts val="1000"/>
+              </a:spcBef>
+              <a:spcAft>
+                <a:spcPts val="0"/>
+              </a:spcAft>
+              <a:buClr>
+                <a:srgbClr val="F2F2F2"/>
+              </a:buClr>
+              <a:buSzPts val="2375"/>
+              <a:buNone/>
+            </a:pPr>
+            <a:r>
+              <a:rPr lang="ru-RU" sz="1900">
+                <a:solidFill>
+                  <a:srgbClr val="F2F2F2"/>
+                </a:solidFill>
+                <a:latin typeface="Arial"/>
+                <a:ea typeface="Arial"/>
+                <a:cs typeface="Arial"/>
+                <a:sym typeface="Arial"/>
+              </a:rPr>
+              <a:t>Главный сервер:</a:t>
+            </a:r>
+            <a:endParaRPr sz="1900">
+              <a:solidFill>
+                <a:srgbClr val="F2F2F2"/>
+              </a:solidFill>
+              <a:latin typeface="Arial"/>
+              <a:ea typeface="Arial"/>
+              <a:cs typeface="Arial"/>
+              <a:sym typeface="Arial"/>
+            </a:endParaRPr>
+          </a:p>
+          <a:p>
             <a:pPr indent="-228600" lvl="0" marL="228600" rtl="0" algn="l">
               <a:lnSpc>
-                <a:spcPct val="120000"/>
+                <a:spcPct val="100000"/>
               </a:lnSpc>
               <a:spcBef>
                 <a:spcPts val="1000"/>
@@ -28618,7 +30923,7 @@
                 <a:cs typeface="Arial"/>
                 <a:sym typeface="Arial"/>
               </a:rPr>
-              <a:t>Хранит метаданные файлов (имя, путь, владельцы и права доступа) в базе данных SQLite для быстрого и эффективного доступа.</a:t>
+              <a:t>Координирует запросы клиентов на управление файлами, хранит метаданные файлов в базе данных SQLite и распределяет файлы по репликам для обеспечения отказоустойчивости.</a:t>
             </a:r>
             <a:endParaRPr>
               <a:latin typeface="Arial"/>
@@ -28654,7 +30959,19 @@
                 <a:cs typeface="Arial"/>
                 <a:sym typeface="Arial"/>
               </a:rPr>
-              <a:t>Дополнительные серверы</a:t>
+              <a:t>Реплики</a:t>
+            </a:r>
+            <a:r>
+              <a:rPr lang="ru-RU" sz="1900">
+                <a:solidFill>
+                  <a:srgbClr val="F2F2F2"/>
+                </a:solidFill>
+                <a:latin typeface="Arial"/>
+                <a:ea typeface="Arial"/>
+                <a:cs typeface="Arial"/>
+                <a:sym typeface="Arial"/>
+              </a:rPr>
+              <a:t> серверы:</a:t>
             </a:r>
             <a:endParaRPr sz="1900">
               <a:solidFill>
@@ -28669,7 +30986,7 @@
           <a:p>
             <a:pPr indent="-228600" lvl="0" marL="228600" rtl="0" algn="l">
               <a:lnSpc>
-                <a:spcPct val="120000"/>
+                <a:spcPct val="100000"/>
               </a:lnSpc>
               <a:spcBef>
                 <a:spcPts val="1000"/>
@@ -28693,43 +31010,7 @@
                 <a:cs typeface="Arial"/>
                 <a:sym typeface="Arial"/>
               </a:rPr>
-              <a:t>Служат для хранения реплик файлов и отвечают на запросы клиента, если главный сервер их перенаправил.</a:t>
-            </a:r>
-            <a:endParaRPr>
-              <a:latin typeface="Arial"/>
-              <a:ea typeface="Arial"/>
-              <a:cs typeface="Arial"/>
-              <a:sym typeface="Arial"/>
-            </a:endParaRPr>
-          </a:p>
-          <a:p>
-            <a:pPr indent="-228600" lvl="0" marL="228600" rtl="0" algn="l">
-              <a:lnSpc>
-                <a:spcPct val="120000"/>
-              </a:lnSpc>
-              <a:spcBef>
-                <a:spcPts val="1000"/>
-              </a:spcBef>
-              <a:spcAft>
-                <a:spcPts val="0"/>
-              </a:spcAft>
-              <a:buClr>
-                <a:srgbClr val="F2F2F2"/>
-              </a:buClr>
-              <a:buSzPts val="2375"/>
-              <a:buChar char="•"/>
-            </a:pPr>
-            <a:r>
-              <a:rPr lang="ru-RU" sz="1900">
-                <a:solidFill>
-                  <a:srgbClr val="F2F2F2"/>
-                </a:solidFill>
-                <a:latin typeface="Arial"/>
-                <a:ea typeface="Arial"/>
-                <a:cs typeface="Arial"/>
-                <a:sym typeface="Arial"/>
-              </a:rPr>
-              <a:t>Дополнительные серверы автоматически синхронизируются с главным, обеспечивая актуальность данных.</a:t>
+              <a:t>Хранят реплики файлов, автоматически синхронизируются с главным сервером и обрабатывают запросы на выдачу или удаление файлов при необходимости.</a:t>
             </a:r>
             <a:endParaRPr>
               <a:latin typeface="Arial"/>
@@ -28762,7 +31043,7 @@
               <a:schemeClr val="dk1"/>
             </a:gs>
           </a:gsLst>
-          <a:lin ang="5400000" scaled="0"/>
+          <a:lin ang="5400012" scaled="0"/>
         </a:gradFill>
       </p:bgPr>
     </p:bg>
@@ -28782,7 +31063,7 @@
       </p:grpSpPr>
       <p:sp>
         <p:nvSpPr>
-          <p:cNvPr id="259" name="Google Shape;259;p5"/>
+          <p:cNvPr id="259" name="Google Shape;259;g31ea0c3c533_0_21"/>
           <p:cNvSpPr txBox="1"/>
           <p:nvPr>
             <p:ph type="title"/>
@@ -28790,8 +31071,8 @@
         </p:nvSpPr>
         <p:spPr>
           <a:xfrm>
-            <a:off x="930201" y="770917"/>
-            <a:ext cx="7429499" cy="1478570"/>
+            <a:off x="1111050" y="671750"/>
+            <a:ext cx="7393500" cy="785700"/>
           </a:xfrm>
           <a:prstGeom prst="rect">
             <a:avLst/>
@@ -28834,7 +31115,7 @@
                 <a:cs typeface="Arial"/>
                 <a:sym typeface="Arial"/>
               </a:rPr>
-              <a:t>МЕХАНИЗМЫ ОТКАЗОУСТОЙЧИВОСТИ</a:t>
+              <a:t>АРХИТЕКТУРА СИСТЕМЫ</a:t>
             </a:r>
             <a:endParaRPr>
               <a:solidFill>
@@ -28848,18 +31129,24 @@
           </a:p>
         </p:txBody>
       </p:sp>
-      <p:sp>
-        <p:nvSpPr>
-          <p:cNvPr id="260" name="Google Shape;260;p5"/>
-          <p:cNvSpPr txBox="1"/>
-          <p:nvPr>
-            <p:ph idx="1" type="body"/>
-          </p:nvPr>
-        </p:nvSpPr>
+      <p:pic>
+        <p:nvPicPr>
+          <p:cNvPr id="260" name="Google Shape;260;g31ea0c3c533_0_21"/>
+          <p:cNvPicPr preferRelativeResize="0"/>
+          <p:nvPr/>
+        </p:nvPicPr>
+        <p:blipFill>
+          <a:blip r:embed="rId3">
+            <a:alphaModFix/>
+          </a:blip>
+          <a:stretch>
+            <a:fillRect/>
+          </a:stretch>
+        </p:blipFill>
         <p:spPr>
           <a:xfrm>
-            <a:off x="856060" y="2249487"/>
-            <a:ext cx="7429499" cy="3541714"/>
+            <a:off x="1111038" y="1457450"/>
+            <a:ext cx="6708067" cy="5153026"/>
           </a:xfrm>
           <a:prstGeom prst="rect">
             <a:avLst/>
@@ -28869,199 +31156,7 @@
             <a:noFill/>
           </a:ln>
         </p:spPr>
-        <p:txBody>
-          <a:bodyPr anchorCtr="0" anchor="t" bIns="45700" lIns="91425" spcFirstLastPara="1" rIns="91425" wrap="square" tIns="45700">
-            <a:normAutofit fontScale="77500" lnSpcReduction="20000"/>
-          </a:bodyPr>
-          <a:lstStyle/>
-          <a:p>
-            <a:pPr indent="0" lvl="0" marL="0" rtl="0" algn="l">
-              <a:lnSpc>
-                <a:spcPct val="120000"/>
-              </a:lnSpc>
-              <a:spcBef>
-                <a:spcPts val="0"/>
-              </a:spcBef>
-              <a:spcAft>
-                <a:spcPts val="0"/>
-              </a:spcAft>
-              <a:buClr>
-                <a:srgbClr val="F2F2F2"/>
-              </a:buClr>
-              <a:buSzPct val="104166"/>
-              <a:buNone/>
-            </a:pPr>
-            <a:r>
-              <a:rPr lang="ru-RU">
-                <a:solidFill>
-                  <a:srgbClr val="F2F2F2"/>
-                </a:solidFill>
-                <a:latin typeface="Arial"/>
-                <a:ea typeface="Arial"/>
-                <a:cs typeface="Arial"/>
-                <a:sym typeface="Arial"/>
-              </a:rPr>
-              <a:t>Резервирование главного сервера</a:t>
-            </a:r>
-            <a:endParaRPr>
-              <a:solidFill>
-                <a:srgbClr val="F2F2F2"/>
-              </a:solidFill>
-              <a:latin typeface="Arial"/>
-              <a:ea typeface="Arial"/>
-              <a:cs typeface="Arial"/>
-              <a:sym typeface="Arial"/>
-            </a:endParaRPr>
-          </a:p>
-          <a:p>
-            <a:pPr indent="-204787" lvl="0" marL="228600" rtl="0" algn="l">
-              <a:lnSpc>
-                <a:spcPct val="120000"/>
-              </a:lnSpc>
-              <a:spcBef>
-                <a:spcPts val="1000"/>
-              </a:spcBef>
-              <a:spcAft>
-                <a:spcPts val="0"/>
-              </a:spcAft>
-              <a:buClr>
-                <a:srgbClr val="F2F2F2"/>
-              </a:buClr>
-              <a:buSzPct val="104166"/>
-              <a:buChar char="•"/>
-            </a:pPr>
-            <a:r>
-              <a:rPr lang="ru-RU">
-                <a:solidFill>
-                  <a:srgbClr val="F2F2F2"/>
-                </a:solidFill>
-                <a:latin typeface="Arial"/>
-                <a:ea typeface="Arial"/>
-                <a:cs typeface="Arial"/>
-                <a:sym typeface="Arial"/>
-              </a:rPr>
-              <a:t>В случае сбоя главный сервер имеет резервный экземпляр, который может заменить основной, минимизируя риск потери данных и простоев.</a:t>
-            </a:r>
-            <a:endParaRPr>
-              <a:latin typeface="Arial"/>
-              <a:ea typeface="Arial"/>
-              <a:cs typeface="Arial"/>
-              <a:sym typeface="Arial"/>
-            </a:endParaRPr>
-          </a:p>
-          <a:p>
-            <a:pPr indent="-204787" lvl="0" marL="228600" rtl="0" algn="l">
-              <a:lnSpc>
-                <a:spcPct val="120000"/>
-              </a:lnSpc>
-              <a:spcBef>
-                <a:spcPts val="1000"/>
-              </a:spcBef>
-              <a:spcAft>
-                <a:spcPts val="0"/>
-              </a:spcAft>
-              <a:buClr>
-                <a:srgbClr val="F2F2F2"/>
-              </a:buClr>
-              <a:buSzPct val="104166"/>
-              <a:buChar char="•"/>
-            </a:pPr>
-            <a:r>
-              <a:rPr lang="ru-RU">
-                <a:solidFill>
-                  <a:srgbClr val="F2F2F2"/>
-                </a:solidFill>
-                <a:latin typeface="Arial"/>
-                <a:ea typeface="Arial"/>
-                <a:cs typeface="Arial"/>
-                <a:sym typeface="Arial"/>
-              </a:rPr>
-              <a:t>Автоматическое переключение на резервный сервер при обнаружении отказа для обеспечения непрерывности работы.</a:t>
-            </a:r>
-            <a:endParaRPr>
-              <a:latin typeface="Arial"/>
-              <a:ea typeface="Arial"/>
-              <a:cs typeface="Arial"/>
-              <a:sym typeface="Arial"/>
-            </a:endParaRPr>
-          </a:p>
-          <a:p>
-            <a:pPr indent="0" lvl="0" marL="0" rtl="0" algn="l">
-              <a:lnSpc>
-                <a:spcPct val="120000"/>
-              </a:lnSpc>
-              <a:spcBef>
-                <a:spcPts val="1000"/>
-              </a:spcBef>
-              <a:spcAft>
-                <a:spcPts val="0"/>
-              </a:spcAft>
-              <a:buClr>
-                <a:srgbClr val="F2F2F2"/>
-              </a:buClr>
-              <a:buSzPct val="104166"/>
-              <a:buNone/>
-            </a:pPr>
-            <a:r>
-              <a:rPr lang="ru-RU">
-                <a:solidFill>
-                  <a:srgbClr val="F2F2F2"/>
-                </a:solidFill>
-                <a:latin typeface="Arial"/>
-                <a:ea typeface="Arial"/>
-                <a:cs typeface="Arial"/>
-                <a:sym typeface="Arial"/>
-              </a:rPr>
-              <a:t>Синхронизация данных</a:t>
-            </a:r>
-            <a:endParaRPr>
-              <a:solidFill>
-                <a:srgbClr val="F2F2F2"/>
-              </a:solidFill>
-              <a:latin typeface="Arial"/>
-              <a:ea typeface="Arial"/>
-              <a:cs typeface="Arial"/>
-              <a:sym typeface="Arial"/>
-            </a:endParaRPr>
-          </a:p>
-          <a:p>
-            <a:pPr indent="-204787" lvl="0" marL="228600" rtl="0" algn="l">
-              <a:lnSpc>
-                <a:spcPct val="120000"/>
-              </a:lnSpc>
-              <a:spcBef>
-                <a:spcPts val="1000"/>
-              </a:spcBef>
-              <a:spcAft>
-                <a:spcPts val="0"/>
-              </a:spcAft>
-              <a:buClr>
-                <a:srgbClr val="F2F2F2"/>
-              </a:buClr>
-              <a:buSzPct val="104166"/>
-              <a:buChar char="•"/>
-            </a:pPr>
-            <a:r>
-              <a:rPr lang="ru-RU">
-                <a:solidFill>
-                  <a:srgbClr val="F2F2F2"/>
-                </a:solidFill>
-                <a:latin typeface="Arial"/>
-                <a:ea typeface="Arial"/>
-                <a:cs typeface="Arial"/>
-                <a:sym typeface="Arial"/>
-              </a:rPr>
-              <a:t>Регулярная репликация файлов между главным и дополнительными серверами для поддержания целостности данных и возможности быстрой замены при сбое.</a:t>
-            </a:r>
-            <a:endParaRPr>
-              <a:latin typeface="Arial"/>
-              <a:ea typeface="Arial"/>
-              <a:cs typeface="Arial"/>
-              <a:sym typeface="Arial"/>
-            </a:endParaRPr>
-          </a:p>
-        </p:txBody>
-      </p:sp>
+      </p:pic>
     </p:spTree>
   </p:cSld>
   <p:clrMapOvr>
@@ -29104,7 +31199,7 @@
       </p:grpSpPr>
       <p:sp>
         <p:nvSpPr>
-          <p:cNvPr id="265" name="Google Shape;265;p6"/>
+          <p:cNvPr id="265" name="Google Shape;265;p5"/>
           <p:cNvSpPr txBox="1"/>
           <p:nvPr>
             <p:ph type="title"/>
@@ -29112,7 +31207,7 @@
         </p:nvSpPr>
         <p:spPr>
           <a:xfrm>
-            <a:off x="913050" y="770917"/>
+            <a:off x="930201" y="770917"/>
             <a:ext cx="7429499" cy="1478570"/>
           </a:xfrm>
           <a:prstGeom prst="rect">
@@ -29156,7 +31251,7 @@
                 <a:cs typeface="Arial"/>
                 <a:sym typeface="Arial"/>
               </a:rPr>
-              <a:t>БАЗА ДАННЫХ ДЛЯ ХРАНЕНИЯ МЕТАДАННЫХ</a:t>
+              <a:t>МЕХАНИЗМЫ ОТКАЗОУСТОЙЧИВОСТИ</a:t>
             </a:r>
             <a:endParaRPr>
               <a:solidFill>
@@ -29172,7 +31267,7 @@
       </p:sp>
       <p:sp>
         <p:nvSpPr>
-          <p:cNvPr id="266" name="Google Shape;266;p6"/>
+          <p:cNvPr id="266" name="Google Shape;266;p5"/>
           <p:cNvSpPr txBox="1"/>
           <p:nvPr>
             <p:ph idx="1" type="body"/>
@@ -29223,7 +31318,7 @@
                 <a:cs typeface="Arial"/>
                 <a:sym typeface="Arial"/>
               </a:rPr>
-              <a:t>SQLite для хранения метаданных</a:t>
+              <a:t>Резервирование главного сервера</a:t>
             </a:r>
             <a:endParaRPr>
               <a:solidFill>
@@ -29262,43 +31357,7 @@
                 <a:cs typeface="Arial"/>
                 <a:sym typeface="Arial"/>
               </a:rPr>
-              <a:t>Выбор базы данных SQLite обусловлен лёгкостью её интеграции, компактностью и простотой в использовании.</a:t>
-            </a:r>
-            <a:endParaRPr>
-              <a:latin typeface="Arial"/>
-              <a:ea typeface="Arial"/>
-              <a:cs typeface="Arial"/>
-              <a:sym typeface="Arial"/>
-            </a:endParaRPr>
-          </a:p>
-          <a:p>
-            <a:pPr indent="0" lvl="0" marL="0" rtl="0" algn="l">
-              <a:lnSpc>
-                <a:spcPct val="120000"/>
-              </a:lnSpc>
-              <a:spcBef>
-                <a:spcPts val="1000"/>
-              </a:spcBef>
-              <a:spcAft>
-                <a:spcPts val="0"/>
-              </a:spcAft>
-              <a:buClr>
-                <a:srgbClr val="F2F2F2"/>
-              </a:buClr>
-              <a:buSzPct val="104166"/>
-              <a:buNone/>
-            </a:pPr>
-            <a:r>
-              <a:rPr lang="ru-RU">
-                <a:solidFill>
-                  <a:srgbClr val="F2F2F2"/>
-                </a:solidFill>
-                <a:latin typeface="Arial"/>
-                <a:ea typeface="Arial"/>
-                <a:cs typeface="Arial"/>
-                <a:sym typeface="Arial"/>
-              </a:rPr>
-              <a:t>В базе данных хранятся метаданные файлов, включая:</a:t>
+              <a:t>В случае сбоя главный сервер имеет резервный экземпляр, который может заменить основной, минимизируя риск потери данных и простоев.</a:t>
             </a:r>
             <a:endParaRPr>
               <a:latin typeface="Arial"/>
@@ -29334,7 +31393,55 @@
                 <a:cs typeface="Arial"/>
                 <a:sym typeface="Arial"/>
               </a:rPr>
-              <a:t>Названия и пути к файлам</a:t>
+              <a:t>Автоматическое переключение на резервный сервер при обнаружении отказа для обеспечения непрерывности работы.</a:t>
+            </a:r>
+            <a:endParaRPr>
+              <a:latin typeface="Arial"/>
+              <a:ea typeface="Arial"/>
+              <a:cs typeface="Arial"/>
+              <a:sym typeface="Arial"/>
+            </a:endParaRPr>
+          </a:p>
+          <a:p>
+            <a:pPr indent="0" lvl="0" marL="0" rtl="0" algn="l">
+              <a:lnSpc>
+                <a:spcPct val="120000"/>
+              </a:lnSpc>
+              <a:spcBef>
+                <a:spcPts val="1000"/>
+              </a:spcBef>
+              <a:spcAft>
+                <a:spcPts val="0"/>
+              </a:spcAft>
+              <a:buClr>
+                <a:srgbClr val="F2F2F2"/>
+              </a:buClr>
+              <a:buSzPct val="104166"/>
+              <a:buNone/>
+            </a:pPr>
+            <a:r>
+              <a:rPr lang="ru-RU">
+                <a:solidFill>
+                  <a:srgbClr val="F2F2F2"/>
+                </a:solidFill>
+                <a:latin typeface="Arial"/>
+                <a:ea typeface="Arial"/>
+                <a:cs typeface="Arial"/>
+                <a:sym typeface="Arial"/>
+              </a:rPr>
+              <a:t>Репликация</a:t>
+            </a:r>
+            <a:r>
+              <a:rPr lang="ru-RU">
+                <a:solidFill>
+                  <a:srgbClr val="F2F2F2"/>
+                </a:solidFill>
+                <a:latin typeface="Arial"/>
+                <a:ea typeface="Arial"/>
+                <a:cs typeface="Arial"/>
+                <a:sym typeface="Arial"/>
+              </a:rPr>
+              <a:t> данных</a:t>
             </a:r>
             <a:endParaRPr>
               <a:solidFill>
@@ -29373,90 +31480,9 @@
                 <a:cs typeface="Arial"/>
                 <a:sym typeface="Arial"/>
               </a:rPr>
-              <a:t>Владелец файла и права доступа</a:t>
+              <a:t>Репликация файлов между серверами репликами для поддержания доступности данных и возможности быстрой замены при сбое.</a:t>
             </a:r>
             <a:endParaRPr>
-              <a:solidFill>
-                <a:srgbClr val="F2F2F2"/>
-              </a:solidFill>
-              <a:latin typeface="Arial"/>
-              <a:ea typeface="Arial"/>
-              <a:cs typeface="Arial"/>
-              <a:sym typeface="Arial"/>
-            </a:endParaRPr>
-          </a:p>
-          <a:p>
-            <a:pPr indent="-204787" lvl="0" marL="228600" rtl="0" algn="l">
-              <a:lnSpc>
-                <a:spcPct val="120000"/>
-              </a:lnSpc>
-              <a:spcBef>
-                <a:spcPts val="1000"/>
-              </a:spcBef>
-              <a:spcAft>
-                <a:spcPts val="0"/>
-              </a:spcAft>
-              <a:buClr>
-                <a:srgbClr val="F2F2F2"/>
-              </a:buClr>
-              <a:buSzPct val="104166"/>
-              <a:buChar char="•"/>
-            </a:pPr>
-            <a:r>
-              <a:rPr lang="ru-RU">
-                <a:solidFill>
-                  <a:srgbClr val="F2F2F2"/>
-                </a:solidFill>
-                <a:latin typeface="Arial"/>
-                <a:ea typeface="Arial"/>
-                <a:cs typeface="Arial"/>
-                <a:sym typeface="Arial"/>
-              </a:rPr>
-              <a:t>Информация о репликах (расположение копий на дополнительных серверах)</a:t>
-            </a:r>
-            <a:endParaRPr>
-              <a:solidFill>
-                <a:srgbClr val="F2F2F2"/>
-              </a:solidFill>
-              <a:latin typeface="Arial"/>
-              <a:ea typeface="Arial"/>
-              <a:cs typeface="Arial"/>
-              <a:sym typeface="Arial"/>
-            </a:endParaRPr>
-          </a:p>
-          <a:p>
-            <a:pPr indent="-204787" lvl="0" marL="228600" rtl="0" algn="l">
-              <a:lnSpc>
-                <a:spcPct val="120000"/>
-              </a:lnSpc>
-              <a:spcBef>
-                <a:spcPts val="1000"/>
-              </a:spcBef>
-              <a:spcAft>
-                <a:spcPts val="0"/>
-              </a:spcAft>
-              <a:buClr>
-                <a:srgbClr val="F2F2F2"/>
-              </a:buClr>
-              <a:buSzPct val="104166"/>
-              <a:buChar char="•"/>
-            </a:pPr>
-            <a:r>
-              <a:rPr lang="ru-RU">
-                <a:solidFill>
-                  <a:srgbClr val="F2F2F2"/>
-                </a:solidFill>
-                <a:latin typeface="Arial"/>
-                <a:ea typeface="Arial"/>
-                <a:cs typeface="Arial"/>
-                <a:sym typeface="Arial"/>
-              </a:rPr>
-              <a:t>И дополнительная информация</a:t>
-            </a:r>
-            <a:endParaRPr>
-              <a:solidFill>
-                <a:srgbClr val="F2F2F2"/>
-              </a:solidFill>
               <a:latin typeface="Arial"/>
               <a:ea typeface="Arial"/>
               <a:cs typeface="Arial"/>
@@ -29487,7 +31513,7 @@
               <a:schemeClr val="dk1"/>
             </a:gs>
           </a:gsLst>
-          <a:lin ang="5400000" scaled="0"/>
+          <a:lin ang="5400012" scaled="0"/>
         </a:gradFill>
       </p:bgPr>
     </p:bg>
@@ -29507,7 +31533,7 @@
       </p:grpSpPr>
       <p:sp>
         <p:nvSpPr>
-          <p:cNvPr id="271" name="Google Shape;271;p7"/>
+          <p:cNvPr id="271" name="Google Shape;271;g31ea0c3c533_0_14"/>
           <p:cNvSpPr txBox="1"/>
           <p:nvPr>
             <p:ph type="title"/>
@@ -29515,8 +31541,8 @@
         </p:nvSpPr>
         <p:spPr>
           <a:xfrm>
-            <a:off x="921963" y="770917"/>
-            <a:ext cx="7429499" cy="1478570"/>
+            <a:off x="1268876" y="151392"/>
+            <a:ext cx="7429500" cy="1478700"/>
           </a:xfrm>
           <a:prstGeom prst="rect">
             <a:avLst/>
@@ -29559,7 +31585,19 @@
                 <a:cs typeface="Arial"/>
                 <a:sym typeface="Arial"/>
               </a:rPr>
-              <a:t>УПРАВЛЕНИЕ ПРАВАМИ ДОСТУПА</a:t>
+              <a:t>МАСШТАБИРУЕМОСТЬ И СТРАТЕГИЯ </a:t>
+            </a:r>
+            <a:r>
+              <a:rPr lang="ru-RU">
+                <a:solidFill>
+                  <a:srgbClr val="EF5A01"/>
+                </a:solidFill>
+                <a:latin typeface="Arial"/>
+                <a:ea typeface="Arial"/>
+                <a:cs typeface="Arial"/>
+                <a:sym typeface="Arial"/>
+              </a:rPr>
+              <a:t>РЕПЛИКАЦИИ</a:t>
             </a:r>
             <a:endParaRPr>
               <a:solidFill>
@@ -29575,7 +31613,7 @@
       </p:sp>
       <p:sp>
         <p:nvSpPr>
-          <p:cNvPr id="272" name="Google Shape;272;p7"/>
+          <p:cNvPr id="272" name="Google Shape;272;g31ea0c3c533_0_14"/>
           <p:cNvSpPr txBox="1"/>
           <p:nvPr>
             <p:ph idx="1" type="body"/>
@@ -29583,8 +31621,8 @@
         </p:nvSpPr>
         <p:spPr>
           <a:xfrm>
-            <a:off x="856060" y="2249487"/>
-            <a:ext cx="7429499" cy="3541714"/>
+            <a:off x="857250" y="1630100"/>
+            <a:ext cx="7429500" cy="4862400"/>
           </a:xfrm>
           <a:prstGeom prst="rect">
             <a:avLst/>
@@ -29596,28 +31634,25 @@
         </p:spPr>
         <p:txBody>
           <a:bodyPr anchorCtr="0" anchor="t" bIns="45700" lIns="91425" spcFirstLastPara="1" rIns="91425" wrap="square" tIns="45700">
-            <a:normAutofit fontScale="77500" lnSpcReduction="20000"/>
+            <a:normAutofit/>
           </a:bodyPr>
           <a:lstStyle/>
           <a:p>
-            <a:pPr indent="0" lvl="0" marL="0" rtl="0" algn="l">
-              <a:lnSpc>
-                <a:spcPct val="120000"/>
-              </a:lnSpc>
-              <a:spcBef>
-                <a:spcPts val="0"/>
-              </a:spcBef>
-              <a:spcAft>
-                <a:spcPts val="0"/>
-              </a:spcAft>
-              <a:buClr>
-                <a:srgbClr val="F2F2F2"/>
-              </a:buClr>
-              <a:buSzPct val="104166"/>
+            <a:pPr indent="0" lvl="0" marL="228600" rtl="0" algn="l">
+              <a:lnSpc>
+                <a:spcPct val="100000"/>
+              </a:lnSpc>
+              <a:spcBef>
+                <a:spcPts val="1000"/>
+              </a:spcBef>
+              <a:spcAft>
+                <a:spcPts val="0"/>
+              </a:spcAft>
+              <a:buSzPts val="935"/>
               <a:buNone/>
             </a:pPr>
             <a:r>
-              <a:rPr lang="ru-RU">
+              <a:rPr lang="ru-RU" sz="1940">
                 <a:solidFill>
                   <a:srgbClr val="F2F2F2"/>
                 </a:solidFill>
@@ -29626,9 +31661,9 @@
                 <a:cs typeface="Arial"/>
                 <a:sym typeface="Arial"/>
               </a:rPr>
-              <a:t>Разграничение прав доступа для клиентов</a:t>
+              <a:t>Масштабируемость реплик достигается за счет добавления новых серверов реплик в систему, что позволяет равномерно распределить нагрузку на хранилище. Однако главный сервер становится узким местом, так как все запросы клиентов (аутентификация, загрузка, скачивание и удаление файлов) проходят через него.</a:t>
             </a:r>
-            <a:endParaRPr>
+            <a:endParaRPr sz="1940">
               <a:solidFill>
                 <a:srgbClr val="F2F2F2"/>
               </a:solidFill>
@@ -29639,9 +31674,9 @@
             </a:endParaRPr>
           </a:p>
           <a:p>
-            <a:pPr indent="-204787" lvl="0" marL="228600" rtl="0" algn="l">
-              <a:lnSpc>
-                <a:spcPct val="120000"/>
+            <a:pPr indent="0" lvl="0" marL="228600" rtl="0" algn="l">
+              <a:lnSpc>
+                <a:spcPct val="100000"/>
               </a:lnSpc>
               <a:spcBef>
                 <a:spcPts val="1000"/>
@@ -29649,97 +31684,13 @@
               <a:spcAft>
                 <a:spcPts val="0"/>
               </a:spcAft>
-              <a:buClr>
-                <a:srgbClr val="F2F2F2"/>
-              </a:buClr>
-              <a:buSzPct val="104166"/>
-              <a:buChar char="•"/>
+              <a:buSzPts val="935"/>
+              <a:buNone/>
             </a:pPr>
             <a:r>
-              <a:rPr lang="ru-RU">
-                <a:solidFill>
-                  <a:srgbClr val="F2F2F2"/>
-                </a:solidFill>
-                <a:latin typeface="Arial"/>
-                <a:ea typeface="Arial"/>
-                <a:cs typeface="Arial"/>
-                <a:sym typeface="Arial"/>
-              </a:rPr>
-              <a:t>Права доступа на чтение и запись управляются через главный сервер на основе информации в базе данных.</a:t>
+              <a:t/>
             </a:r>
-            <a:endParaRPr>
-              <a:latin typeface="Arial"/>
-              <a:ea typeface="Arial"/>
-              <a:cs typeface="Arial"/>
-              <a:sym typeface="Arial"/>
-            </a:endParaRPr>
-          </a:p>
-          <a:p>
-            <a:pPr indent="0" lvl="0" marL="0" rtl="0" algn="l">
-              <a:lnSpc>
-                <a:spcPct val="120000"/>
-              </a:lnSpc>
-              <a:spcBef>
-                <a:spcPts val="1000"/>
-              </a:spcBef>
-              <a:spcAft>
-                <a:spcPts val="0"/>
-              </a:spcAft>
-              <a:buClr>
-                <a:srgbClr val="F2F2F2"/>
-              </a:buClr>
-              <a:buSzPct val="104166"/>
-              <a:buNone/>
-            </a:pPr>
-            <a:r>
-              <a:rPr lang="ru-RU">
-                <a:solidFill>
-                  <a:srgbClr val="F2F2F2"/>
-                </a:solidFill>
-                <a:latin typeface="Arial"/>
-                <a:ea typeface="Arial"/>
-                <a:cs typeface="Arial"/>
-                <a:sym typeface="Arial"/>
-              </a:rPr>
-              <a:t>Пользователи имеют разные уровни доступа:</a:t>
-            </a:r>
-            <a:endParaRPr>
-              <a:latin typeface="Arial"/>
-              <a:ea typeface="Arial"/>
-              <a:cs typeface="Arial"/>
-              <a:sym typeface="Arial"/>
-            </a:endParaRPr>
-          </a:p>
-          <a:p>
-            <a:pPr indent="-204787" lvl="0" marL="228600" rtl="0" algn="l">
-              <a:lnSpc>
-                <a:spcPct val="120000"/>
-              </a:lnSpc>
-              <a:spcBef>
-                <a:spcPts val="1000"/>
-              </a:spcBef>
-              <a:spcAft>
-                <a:spcPts val="0"/>
-              </a:spcAft>
-              <a:buClr>
-                <a:srgbClr val="F2F2F2"/>
-              </a:buClr>
-              <a:buSzPct val="104166"/>
-              <a:buChar char="•"/>
-            </a:pPr>
-            <a:r>
-              <a:rPr lang="ru-RU">
-                <a:solidFill>
-                  <a:srgbClr val="F2F2F2"/>
-                </a:solidFill>
-                <a:latin typeface="Arial"/>
-                <a:ea typeface="Arial"/>
-                <a:cs typeface="Arial"/>
-                <a:sym typeface="Arial"/>
-              </a:rPr>
-              <a:t>Чтение: только просмотр и скачивание файлов</a:t>
-            </a:r>
-            <a:endParaRPr>
+            <a:endParaRPr sz="1940">
               <a:solidFill>
                 <a:srgbClr val="F2F2F2"/>
               </a:solidFill>
@@ -29750,9 +31701,9 @@
             </a:endParaRPr>
           </a:p>
           <a:p>
-            <a:pPr indent="-204787" lvl="0" marL="228600" rtl="0" algn="l">
-              <a:lnSpc>
-                <a:spcPct val="120000"/>
+            <a:pPr indent="0" lvl="0" marL="228600" rtl="0" algn="l">
+              <a:lnSpc>
+                <a:spcPct val="100000"/>
               </a:lnSpc>
               <a:spcBef>
                 <a:spcPts val="1000"/>
@@ -29760,14 +31711,10 @@
               <a:spcAft>
                 <a:spcPts val="0"/>
               </a:spcAft>
-              <a:buClr>
-                <a:srgbClr val="F2F2F2"/>
-              </a:buClr>
-              <a:buSzPct val="104166"/>
-              <a:buChar char="•"/>
+              <a:buNone/>
             </a:pPr>
             <a:r>
-              <a:rPr lang="ru-RU">
+              <a:rPr lang="ru-RU" sz="1940">
                 <a:solidFill>
                   <a:srgbClr val="F2F2F2"/>
                 </a:solidFill>
@@ -29776,37 +31723,10 @@
                 <a:cs typeface="Arial"/>
                 <a:sym typeface="Arial"/>
               </a:rPr>
-              <a:t>Запись: создание, удаление и загрузка файлов на сервер</a:t>
+              <a:t>Пессимистичная стратегия репликации фокусируется на строгом обеспечении консистентности данных. Все изменения файлов сначала фиксируются на главном сервере, после чего обновления синхронизируются с репликами. Клиенты не получают доступ к данным до завершения репликации и </a:t>
             </a:r>
-            <a:endParaRPr>
-              <a:solidFill>
-                <a:srgbClr val="F2F2F2"/>
-              </a:solidFill>
-              <a:latin typeface="Arial"/>
-              <a:ea typeface="Arial"/>
-              <a:cs typeface="Arial"/>
-              <a:sym typeface="Arial"/>
-            </a:endParaRPr>
-          </a:p>
-          <a:p>
-            <a:pPr indent="0" lvl="0" marL="0" rtl="0" algn="l">
-              <a:lnSpc>
-                <a:spcPct val="120000"/>
-              </a:lnSpc>
-              <a:spcBef>
-                <a:spcPts val="1000"/>
-              </a:spcBef>
-              <a:spcAft>
-                <a:spcPts val="0"/>
-              </a:spcAft>
-              <a:buClr>
-                <a:srgbClr val="F2F2F2"/>
-              </a:buClr>
-              <a:buSzPct val="104166"/>
-              <a:buNone/>
-            </a:pPr>
             <a:r>
-              <a:rPr lang="ru-RU">
+              <a:rPr lang="ru-RU" sz="1940">
                 <a:solidFill>
                   <a:srgbClr val="F2F2F2"/>
                 </a:solidFill>
@@ -29815,37 +31735,10 @@
                 <a:cs typeface="Arial"/>
                 <a:sym typeface="Arial"/>
               </a:rPr>
-              <a:t>Безопасность данных</a:t>
+              <a:t>впоследствии</a:t>
             </a:r>
-            <a:endParaRPr>
-              <a:solidFill>
-                <a:srgbClr val="F2F2F2"/>
-              </a:solidFill>
-              <a:latin typeface="Arial"/>
-              <a:ea typeface="Arial"/>
-              <a:cs typeface="Arial"/>
-              <a:sym typeface="Arial"/>
-            </a:endParaRPr>
-          </a:p>
-          <a:p>
-            <a:pPr indent="-204787" lvl="0" marL="228600" rtl="0" algn="l">
-              <a:lnSpc>
-                <a:spcPct val="120000"/>
-              </a:lnSpc>
-              <a:spcBef>
-                <a:spcPts val="1000"/>
-              </a:spcBef>
-              <a:spcAft>
-                <a:spcPts val="0"/>
-              </a:spcAft>
-              <a:buClr>
-                <a:srgbClr val="F2F2F2"/>
-              </a:buClr>
-              <a:buSzPct val="104166"/>
-              <a:buChar char="•"/>
-            </a:pPr>
             <a:r>
-              <a:rPr lang="ru-RU">
+              <a:rPr lang="ru-RU" sz="1940">
                 <a:solidFill>
                   <a:srgbClr val="F2F2F2"/>
                 </a:solidFill>
@@ -29854,9 +31747,33 @@
                 <a:cs typeface="Arial"/>
                 <a:sym typeface="Arial"/>
               </a:rPr>
-              <a:t>Все запросы проходят проверку на соответствие правам доступа, что обеспечивает надёжную защиту данных.</a:t>
+              <a:t> не смогут получить доступ к не </a:t>
             </a:r>
-            <a:endParaRPr>
+            <a:r>
+              <a:rPr lang="ru-RU" sz="1940">
+                <a:solidFill>
+                  <a:srgbClr val="F2F2F2"/>
+                </a:solidFill>
+                <a:latin typeface="Arial"/>
+                <a:ea typeface="Arial"/>
+                <a:cs typeface="Arial"/>
+                <a:sym typeface="Arial"/>
+              </a:rPr>
+              <a:t>актуальным</a:t>
+            </a:r>
+            <a:r>
+              <a:rPr lang="ru-RU" sz="1940">
+                <a:solidFill>
+                  <a:srgbClr val="F2F2F2"/>
+                </a:solidFill>
+                <a:latin typeface="Arial"/>
+                <a:ea typeface="Arial"/>
+                <a:cs typeface="Arial"/>
+                <a:sym typeface="Arial"/>
+              </a:rPr>
+              <a:t> версиям файлов.</a:t>
+            </a:r>
+            <a:endParaRPr sz="1940">
               <a:latin typeface="Arial"/>
               <a:ea typeface="Arial"/>
               <a:cs typeface="Arial"/>
@@ -29907,7 +31824,7 @@
       </p:grpSpPr>
       <p:sp>
         <p:nvSpPr>
-          <p:cNvPr id="277" name="Google Shape;277;p8"/>
+          <p:cNvPr id="277" name="Google Shape;277;p6"/>
           <p:cNvSpPr txBox="1"/>
           <p:nvPr>
             <p:ph type="title"/>
@@ -29915,7 +31832,7 @@
         </p:nvSpPr>
         <p:spPr>
           <a:xfrm>
-            <a:off x="856060" y="618518"/>
+            <a:off x="913050" y="770917"/>
             <a:ext cx="7429499" cy="1478570"/>
           </a:xfrm>
           <a:prstGeom prst="rect">
@@ -29943,7 +31860,7 @@
                 <a:spcPts val="0"/>
               </a:spcAft>
               <a:buClr>
-                <a:srgbClr val="FF6600"/>
+                <a:srgbClr val="EF5A01"/>
               </a:buClr>
               <a:buSzPts val="3200"/>
               <a:buFont typeface="Twentieth Century"/>
@@ -29952,16 +31869,19 @@
             <a:r>
               <a:rPr lang="ru-RU">
                 <a:solidFill>
-                  <a:srgbClr val="FF6600"/>
+                  <a:srgbClr val="EF5A01"/>
                 </a:solidFill>
                 <a:latin typeface="Arial"/>
                 <a:ea typeface="Arial"/>
                 <a:cs typeface="Arial"/>
                 <a:sym typeface="Arial"/>
               </a:rPr>
-              <a:t>ПРЕИМУЩЕСТВА РЕАЛИЗАЦИИ НА QT6 И C++</a:t>
+              <a:t>БАЗА ДАННЫХ ДЛЯ ХРАНЕНИЯ МЕТАДАННЫХ</a:t>
             </a:r>
             <a:endParaRPr>
+              <a:solidFill>
+                <a:srgbClr val="EF5A01"/>
+              </a:solidFill>
               <a:latin typeface="Arial"/>
               <a:ea typeface="Arial"/>
               <a:cs typeface="Arial"/>
@@ -29972,7 +31892,7 @@
       </p:sp>
       <p:sp>
         <p:nvSpPr>
-          <p:cNvPr id="278" name="Google Shape;278;p8"/>
+          <p:cNvPr id="278" name="Google Shape;278;p6"/>
           <p:cNvSpPr txBox="1"/>
           <p:nvPr>
             <p:ph idx="1" type="body"/>
@@ -29993,7 +31913,7 @@
         </p:spPr>
         <p:txBody>
           <a:bodyPr anchorCtr="0" anchor="t" bIns="45700" lIns="91425" spcFirstLastPara="1" rIns="91425" wrap="square" tIns="45700">
-            <a:normAutofit fontScale="70000"/>
+            <a:normAutofit fontScale="85000" lnSpcReduction="10000"/>
           </a:bodyPr>
           <a:lstStyle/>
           <a:p>
@@ -30023,9 +31943,12 @@
                 <a:cs typeface="Arial"/>
                 <a:sym typeface="Arial"/>
               </a:rPr>
-              <a:t>Qt6 и C++</a:t>
+              <a:t>SQLite для хранения метаданных</a:t>
             </a:r>
             <a:endParaRPr>
+              <a:solidFill>
+                <a:srgbClr val="F2F2F2"/>
+              </a:solidFill>
               <a:latin typeface="Arial"/>
               <a:ea typeface="Arial"/>
               <a:cs typeface="Arial"/>
@@ -30033,7 +31956,7 @@
             </a:endParaRPr>
           </a:p>
           <a:p>
-            <a:pPr indent="-192881" lvl="0" marL="228600" rtl="0" algn="l">
+            <a:pPr indent="-216693" lvl="0" marL="228600" rtl="0" algn="l">
               <a:lnSpc>
                 <a:spcPct val="120000"/>
               </a:lnSpc>
@@ -30059,7 +31982,7 @@
                 <a:cs typeface="Arial"/>
                 <a:sym typeface="Arial"/>
               </a:rPr>
-              <a:t>Использование Qt6 обеспечивает мощный набор инструментов для сетевого взаимодействия и написания удобного пользовательского интерфейса.</a:t>
+              <a:t>Выбор базы данных SQLite обусловлен лёгкостью её интеграции, компактностью и простотой в использовании.</a:t>
             </a:r>
             <a:endParaRPr>
               <a:latin typeface="Arial"/>
@@ -30069,10 +31992,46 @@
             </a:endParaRPr>
           </a:p>
           <a:p>
-            <a:pPr indent="-192881" lvl="0" marL="228600" rtl="0" algn="l">
+            <a:pPr indent="0" lvl="0" marL="0" rtl="0" algn="l">
               <a:lnSpc>
                 <a:spcPct val="120000"/>
               </a:lnSpc>
+              <a:spcBef>
+                <a:spcPts val="1000"/>
+              </a:spcBef>
+              <a:spcAft>
+                <a:spcPts val="0"/>
+              </a:spcAft>
+              <a:buClr>
+                <a:srgbClr val="F2F2F2"/>
+              </a:buClr>
+              <a:buSzPct val="104166"/>
+              <a:buNone/>
+            </a:pPr>
+            <a:r>
+              <a:rPr lang="ru-RU">
+                <a:solidFill>
+                  <a:srgbClr val="F2F2F2"/>
+                </a:solidFill>
+                <a:latin typeface="Arial"/>
+                <a:ea typeface="Arial"/>
+                <a:cs typeface="Arial"/>
+                <a:sym typeface="Arial"/>
+              </a:rPr>
+              <a:t>В базе данных хранятся:</a:t>
+            </a:r>
+            <a:endParaRPr>
+              <a:solidFill>
+                <a:srgbClr val="F2F2F2"/>
+              </a:solidFill>
+              <a:latin typeface="Arial"/>
+              <a:ea typeface="Arial"/>
+              <a:cs typeface="Arial"/>
+              <a:sym typeface="Arial"/>
+            </a:endParaRPr>
+          </a:p>
+          <a:p>
+            <a:pPr indent="-220662" lvl="0" marL="228600" rtl="0" algn="l">
               <a:spcBef>
                 <a:spcPts val="1000"/>
               </a:spcBef>
@@ -30095,32 +32054,8 @@
                 <a:cs typeface="Arial"/>
                 <a:sym typeface="Arial"/>
               </a:rPr>
-              <a:t>C++ обеспечивает высокую производительность и гибкость в управлении памятью, что критично для работы с файловой системой.</a:t>
+              <a:t>М</a:t>
             </a:r>
-            <a:endParaRPr>
-              <a:latin typeface="Arial"/>
-              <a:ea typeface="Arial"/>
-              <a:cs typeface="Arial"/>
-              <a:sym typeface="Arial"/>
-            </a:endParaRPr>
-          </a:p>
-          <a:p>
-            <a:pPr indent="0" lvl="0" marL="0" rtl="0" algn="l">
-              <a:lnSpc>
-                <a:spcPct val="120000"/>
-              </a:lnSpc>
-              <a:spcBef>
-                <a:spcPts val="1000"/>
-              </a:spcBef>
-              <a:spcAft>
-                <a:spcPts val="0"/>
-              </a:spcAft>
-              <a:buClr>
-                <a:srgbClr val="F2F2F2"/>
-              </a:buClr>
-              <a:buSzPct val="104166"/>
-              <a:buNone/>
-            </a:pPr>
             <a:r>
               <a:rPr lang="ru-RU">
                 <a:solidFill>
@@ -30131,9 +32066,12 @@
                 <a:cs typeface="Arial"/>
                 <a:sym typeface="Arial"/>
               </a:rPr>
-              <a:t>Легкость интеграции с SQLite</a:t>
+              <a:t>етаданные файлов (название, владельца, размер, дату загрузки, группы).</a:t>
             </a:r>
             <a:endParaRPr>
+              <a:solidFill>
+                <a:srgbClr val="F2F2F2"/>
+              </a:solidFill>
               <a:latin typeface="Arial"/>
               <a:ea typeface="Arial"/>
               <a:cs typeface="Arial"/>
@@ -30141,7 +32079,7 @@
             </a:endParaRPr>
           </a:p>
           <a:p>
-            <a:pPr indent="-192881" lvl="0" marL="228600" rtl="0" algn="l">
+            <a:pPr indent="-216693" lvl="0" marL="228600" rtl="0" algn="l">
               <a:lnSpc>
                 <a:spcPct val="120000"/>
               </a:lnSpc>
@@ -30167,9 +32105,12 @@
                 <a:cs typeface="Arial"/>
                 <a:sym typeface="Arial"/>
               </a:rPr>
-              <a:t>Прямая поддержка SQLite в Qt6 позволяет легко хранить и обрабатывать метаданные файлов, уменьшая сложность проекта.</a:t>
+              <a:t>Информация о репликах (расположение копий на дополнительных серверах)</a:t>
             </a:r>
             <a:endParaRPr>
+              <a:solidFill>
+                <a:srgbClr val="F2F2F2"/>
+              </a:solidFill>
               <a:latin typeface="Arial"/>
               <a:ea typeface="Arial"/>
               <a:cs typeface="Arial"/>
@@ -30220,7 +32161,7 @@
       </p:grpSpPr>
       <p:sp>
         <p:nvSpPr>
-          <p:cNvPr id="283" name="Google Shape;283;p9"/>
+          <p:cNvPr id="283" name="Google Shape;283;p7"/>
           <p:cNvSpPr txBox="1"/>
           <p:nvPr>
             <p:ph type="title"/>
@@ -30228,8 +32169,8 @@
         </p:nvSpPr>
         <p:spPr>
           <a:xfrm>
-            <a:off x="856060" y="618518"/>
-            <a:ext cx="7429499" cy="1478570"/>
+            <a:off x="1219313" y="101842"/>
+            <a:ext cx="7429500" cy="1478700"/>
           </a:xfrm>
           <a:prstGeom prst="rect">
             <a:avLst/>
@@ -30241,7 +32182,7 @@
         </p:spPr>
         <p:txBody>
           <a:bodyPr anchorCtr="0" anchor="ctr" bIns="45700" lIns="91425" spcFirstLastPara="1" rIns="91425" wrap="square" tIns="45700">
-            <a:normAutofit/>
+            <a:normAutofit fontScale="90000"/>
           </a:bodyPr>
           <a:lstStyle/>
           <a:p>
@@ -30256,27 +32197,27 @@
                 <a:spcPts val="0"/>
               </a:spcAft>
               <a:buClr>
-                <a:srgbClr val="FF6600"/>
-              </a:buClr>
-              <a:buSzPts val="3200"/>
+                <a:srgbClr val="EF5A01"/>
+              </a:buClr>
+              <a:buSzPct val="88888"/>
               <a:buFont typeface="Twentieth Century"/>
               <a:buNone/>
             </a:pPr>
             <a:r>
               <a:rPr lang="ru-RU">
                 <a:solidFill>
-                  <a:srgbClr val="FF6600"/>
+                  <a:srgbClr val="EF5A01"/>
                 </a:solidFill>
                 <a:latin typeface="Arial"/>
                 <a:ea typeface="Arial"/>
                 <a:cs typeface="Arial"/>
                 <a:sym typeface="Arial"/>
               </a:rPr>
-              <a:t>ПЛАН ВНЕДРЕНИЯ И РАЗВЕРТЫВАНИЯ</a:t>
+              <a:t>УПРАВЛЕНИЕ ПРАВАМИ ДОСТУПА И АДМИНИСТРИРОВАНИЕ</a:t>
             </a:r>
             <a:endParaRPr>
               <a:solidFill>
-                <a:srgbClr val="FF6600"/>
+                <a:srgbClr val="EF5A01"/>
               </a:solidFill>
               <a:latin typeface="Arial"/>
               <a:ea typeface="Arial"/>
@@ -30288,7 +32229,7 @@
       </p:sp>
       <p:sp>
         <p:nvSpPr>
-          <p:cNvPr id="284" name="Google Shape;284;p9"/>
+          <p:cNvPr id="284" name="Google Shape;284;p7"/>
           <p:cNvSpPr txBox="1"/>
           <p:nvPr>
             <p:ph idx="1" type="body"/>
@@ -30296,8 +32237,8 @@
         </p:nvSpPr>
         <p:spPr>
           <a:xfrm>
-            <a:off x="856060" y="2249487"/>
-            <a:ext cx="7429499" cy="3541714"/>
+            <a:off x="814750" y="1511600"/>
+            <a:ext cx="7429500" cy="5203800"/>
           </a:xfrm>
           <a:prstGeom prst="rect">
             <a:avLst/>
@@ -30309,7 +32250,7 @@
         </p:spPr>
         <p:txBody>
           <a:bodyPr anchorCtr="0" anchor="t" bIns="45700" lIns="91425" spcFirstLastPara="1" rIns="91425" wrap="square" tIns="45700">
-            <a:noAutofit/>
+            <a:normAutofit fontScale="85000" lnSpcReduction="20000"/>
           </a:bodyPr>
           <a:lstStyle/>
           <a:p>
@@ -30326,25 +32267,19 @@
               <a:buClr>
                 <a:srgbClr val="F2F2F2"/>
               </a:buClr>
-              <a:buSzPts val="2375"/>
+              <a:buSzPct val="104166"/>
               <a:buNone/>
             </a:pPr>
             <a:r>
-              <a:rPr lang="ru-RU" sz="1900">
-                <a:solidFill>
-                  <a:srgbClr val="F2F2F2"/>
-                </a:solidFill>
+              <a:rPr lang="ru-RU">
                 <a:latin typeface="Arial"/>
                 <a:ea typeface="Arial"/>
                 <a:cs typeface="Arial"/>
                 <a:sym typeface="Arial"/>
               </a:rPr>
-              <a:t>Этапы разработки</a:t>
+              <a:t>Администратор выполняет ключевую роль в настройке прав доступа и администрировании пользователей:</a:t>
             </a:r>
-            <a:endParaRPr sz="1900">
-              <a:solidFill>
-                <a:srgbClr val="F2F2F2"/>
-              </a:solidFill>
+            <a:endParaRPr>
               <a:latin typeface="Arial"/>
               <a:ea typeface="Arial"/>
               <a:cs typeface="Arial"/>
@@ -30352,33 +32287,109 @@
             </a:endParaRPr>
           </a:p>
           <a:p>
-            <a:pPr indent="0" lvl="0" marL="0" rtl="0" algn="l">
-              <a:lnSpc>
-                <a:spcPct val="120000"/>
-              </a:lnSpc>
+            <a:pPr indent="-350043" lvl="0" marL="457200" rtl="0" algn="l">
               <a:spcBef>
                 <a:spcPts val="1000"/>
               </a:spcBef>
               <a:spcAft>
                 <a:spcPts val="0"/>
               </a:spcAft>
-              <a:buClr>
-                <a:srgbClr val="F2F2F2"/>
-              </a:buClr>
-              <a:buSzPts val="2375"/>
-              <a:buNone/>
+              <a:buSzPct val="93750"/>
+              <a:buFont typeface="Arial"/>
+              <a:buChar char="●"/>
             </a:pPr>
             <a:r>
-              <a:rPr lang="ru-RU" sz="1900">
-                <a:solidFill>
-                  <a:srgbClr val="F2F2F2"/>
-                </a:solidFill>
+              <a:rPr lang="ru-RU">
                 <a:latin typeface="Arial"/>
                 <a:ea typeface="Arial"/>
                 <a:cs typeface="Arial"/>
                 <a:sym typeface="Arial"/>
               </a:rPr>
-              <a:t>1. Разработка прототипа с базовыми функциями загрузки и скачивания файлов.</a:t>
+              <a:t>Для каждого пользователя администратор может задать права на чтение (r), запись (w) и удаление (d) файлов. Эти права определяют, какие действия могут быть выполнены с конкретными файлами.</a:t>
+            </a:r>
+            <a:endParaRPr>
+              <a:latin typeface="Arial"/>
+              <a:ea typeface="Arial"/>
+              <a:cs typeface="Arial"/>
+              <a:sym typeface="Arial"/>
+            </a:endParaRPr>
+          </a:p>
+          <a:p>
+            <a:pPr indent="-350043" lvl="0" marL="457200" rtl="0" algn="l">
+              <a:spcBef>
+                <a:spcPts val="1000"/>
+              </a:spcBef>
+              <a:spcAft>
+                <a:spcPts val="0"/>
+              </a:spcAft>
+              <a:buSzPct val="93750"/>
+              <a:buFont typeface="Arial"/>
+              <a:buChar char="●"/>
+            </a:pPr>
+            <a:r>
+              <a:rPr lang="ru-RU">
+                <a:latin typeface="Arial"/>
+                <a:ea typeface="Arial"/>
+                <a:cs typeface="Arial"/>
+                <a:sym typeface="Arial"/>
+              </a:rPr>
+              <a:t>Администратор может создавать или изменять группы пользователей и назначать участников в группы.</a:t>
+            </a:r>
+            <a:endParaRPr>
+              <a:latin typeface="Arial"/>
+              <a:ea typeface="Arial"/>
+              <a:cs typeface="Arial"/>
+              <a:sym typeface="Arial"/>
+            </a:endParaRPr>
+          </a:p>
+          <a:p>
+            <a:pPr indent="-350043" lvl="0" marL="457200" rtl="0" algn="l">
+              <a:spcBef>
+                <a:spcPts val="1000"/>
+              </a:spcBef>
+              <a:spcAft>
+                <a:spcPts val="0"/>
+              </a:spcAft>
+              <a:buSzPct val="93750"/>
+              <a:buFont typeface="Arial"/>
+              <a:buChar char="●"/>
+            </a:pPr>
+            <a:r>
+              <a:rPr lang="ru-RU">
+                <a:latin typeface="Arial"/>
+                <a:ea typeface="Arial"/>
+                <a:cs typeface="Arial"/>
+                <a:sym typeface="Arial"/>
+              </a:rPr>
+              <a:t>Администратор имеет возможность назначать других пользователей в качестве администраторов, предоставляя им доступ к функциям управления.</a:t>
+            </a:r>
+            <a:endParaRPr>
+              <a:latin typeface="Arial"/>
+              <a:ea typeface="Arial"/>
+              <a:cs typeface="Arial"/>
+              <a:sym typeface="Arial"/>
+            </a:endParaRPr>
+          </a:p>
+          <a:p>
+            <a:pPr indent="-350043" lvl="0" marL="457200" rtl="0" algn="l">
+              <a:spcBef>
+                <a:spcPts val="1000"/>
+              </a:spcBef>
+              <a:spcAft>
+                <a:spcPts val="0"/>
+              </a:spcAft>
+              <a:buSzPct val="93750"/>
+              <a:buFont typeface="Arial"/>
+              <a:buChar char="●"/>
+            </a:pPr>
+            <a:r>
+              <a:rPr lang="ru-RU">
+                <a:latin typeface="Arial"/>
+                <a:ea typeface="Arial"/>
+                <a:cs typeface="Arial"/>
+                <a:sym typeface="Arial"/>
+              </a:rPr>
+              <a:t>В случае необходимости администратор может удалить учетную запись пользователя из системы.</a:t>
             </a:r>
             <a:endParaRPr>
               <a:latin typeface="Arial"/>
@@ -30401,92 +32412,11 @@
               <a:buClr>
                 <a:srgbClr val="F2F2F2"/>
               </a:buClr>
-              <a:buSzPts val="2375"/>
+              <a:buSzPct val="104166"/>
               <a:buNone/>
             </a:pPr>
             <a:r>
-              <a:rPr lang="ru-RU" sz="1900">
-                <a:solidFill>
-                  <a:srgbClr val="F2F2F2"/>
-                </a:solidFill>
-                <a:latin typeface="Arial"/>
-                <a:ea typeface="Arial"/>
-                <a:cs typeface="Arial"/>
-                <a:sym typeface="Arial"/>
-              </a:rPr>
-              <a:t>2. Внедрение прав доступа и тестирование отказоустойчивости.</a:t>
-            </a:r>
-            <a:endParaRPr>
-              <a:latin typeface="Arial"/>
-              <a:ea typeface="Arial"/>
-              <a:cs typeface="Arial"/>
-              <a:sym typeface="Arial"/>
-            </a:endParaRPr>
-          </a:p>
-          <a:p>
-            <a:pPr indent="0" lvl="0" marL="0" rtl="0" algn="l">
-              <a:lnSpc>
-                <a:spcPct val="120000"/>
-              </a:lnSpc>
-              <a:spcBef>
-                <a:spcPts val="1000"/>
-              </a:spcBef>
-              <a:spcAft>
-                <a:spcPts val="0"/>
-              </a:spcAft>
-              <a:buClr>
-                <a:srgbClr val="F2F2F2"/>
-              </a:buClr>
-              <a:buSzPts val="2375"/>
-              <a:buNone/>
-            </a:pPr>
-            <a:r>
-              <a:rPr lang="ru-RU" sz="1900">
-                <a:solidFill>
-                  <a:srgbClr val="F2F2F2"/>
-                </a:solidFill>
-                <a:latin typeface="Arial"/>
-                <a:ea typeface="Arial"/>
-                <a:cs typeface="Arial"/>
-                <a:sym typeface="Arial"/>
-              </a:rPr>
-              <a:t>3. Добавление поддержки репликации данных на дополнительные серверы.</a:t>
-            </a:r>
-            <a:endParaRPr>
-              <a:latin typeface="Arial"/>
-              <a:ea typeface="Arial"/>
-              <a:cs typeface="Arial"/>
-              <a:sym typeface="Arial"/>
-            </a:endParaRPr>
-          </a:p>
-          <a:p>
-            <a:pPr indent="0" lvl="0" marL="0" rtl="0" algn="l">
-              <a:lnSpc>
-                <a:spcPct val="120000"/>
-              </a:lnSpc>
-              <a:spcBef>
-                <a:spcPts val="1000"/>
-              </a:spcBef>
-              <a:spcAft>
-                <a:spcPts val="0"/>
-              </a:spcAft>
-              <a:buClr>
-                <a:srgbClr val="F2F2F2"/>
-              </a:buClr>
-              <a:buSzPts val="2375"/>
-              <a:buNone/>
-            </a:pPr>
-            <a:r>
-              <a:rPr lang="ru-RU" sz="1900">
-                <a:solidFill>
-                  <a:srgbClr val="F2F2F2"/>
-                </a:solidFill>
-                <a:latin typeface="Arial"/>
-                <a:ea typeface="Arial"/>
-                <a:cs typeface="Arial"/>
-                <a:sym typeface="Arial"/>
-              </a:rPr>
-              <a:t>4. Финальное тестирование в приближенных условиях, улучшение интерфейса и добавление не обязательных функций.</a:t>
+              <a:t/>
             </a:r>
             <a:endParaRPr>
               <a:latin typeface="Arial"/>
@@ -30506,6 +32436,285 @@
 </file>
 
 <file path=ppt/theme/theme1.xml><?xml version="1.0" encoding="utf-8"?>
+<a:theme xmlns:a="http://schemas.openxmlformats.org/drawingml/2006/main" xmlns:r="http://schemas.openxmlformats.org/officeDocument/2006/relationships" name="Контур">
+  <a:themeElements>
+    <a:clrScheme name="Контур">
+      <a:dk1>
+        <a:srgbClr val="000000"/>
+      </a:dk1>
+      <a:lt1>
+        <a:srgbClr val="FFFFFF"/>
+      </a:lt1>
+      <a:dk2>
+        <a:srgbClr val="8D1E14"/>
+      </a:dk2>
+      <a:lt2>
+        <a:srgbClr val="FF744E"/>
+      </a:lt2>
+      <a:accent1>
+        <a:srgbClr val="E9B758"/>
+      </a:accent1>
+      <a:accent2>
+        <a:srgbClr val="FE8943"/>
+      </a:accent2>
+      <a:accent3>
+        <a:srgbClr val="AEA27C"/>
+      </a:accent3>
+      <a:accent4>
+        <a:srgbClr val="90B46E"/>
+      </a:accent4>
+      <a:accent5>
+        <a:srgbClr val="71AEC1"/>
+      </a:accent5>
+      <a:accent6>
+        <a:srgbClr val="C98DE7"/>
+      </a:accent6>
+      <a:hlink>
+        <a:srgbClr val="FF7A22"/>
+      </a:hlink>
+      <a:folHlink>
+        <a:srgbClr val="FDCD86"/>
+      </a:folHlink>
+    </a:clrScheme>
+    <a:fontScheme name="Office">
+      <a:majorFont>
+        <a:latin typeface="Arial"/>
+        <a:ea typeface=""/>
+        <a:cs typeface=""/>
+        <a:font script="Jpan" typeface="ＭＳ Ｐゴシック"/>
+        <a:font script="Hang" typeface="맑은 고딕"/>
+        <a:font script="Hans" typeface="宋体"/>
+        <a:font script="Hant" typeface="新細明體"/>
+        <a:font script="Arab" typeface="Times New Roman"/>
+        <a:font script="Hebr" typeface="Times New Roman"/>
+        <a:font script="Thai" typeface="Angsana New"/>
+        <a:font script="Ethi" typeface="Nyala"/>
+        <a:font script="Beng" typeface="Vrinda"/>
+        <a:font script="Gujr" typeface="Shruti"/>
+        <a:font script="Khmr" typeface="MoolBoran"/>
+        <a:font script="Knda" typeface="Tunga"/>
+        <a:font script="Guru" typeface="Raavi"/>
+        <a:font script="Cans" typeface="Euphemia"/>
+        <a:font script="Cher" typeface="Plantagenet Cherokee"/>
+        <a:font script="Yiii" typeface="Microsoft Yi Baiti"/>
+        <a:font script="Tibt" typeface="Microsoft Himalaya"/>
+        <a:font script="Thaa" typeface="MV Boli"/>
+        <a:font script="Deva" typeface="Mangal"/>
+        <a:font script="Telu" typeface="Gautami"/>
+        <a:font script="Taml" typeface="Latha"/>
+        <a:font script="Syrc" typeface="Estrangelo Edessa"/>
+        <a:font script="Orya" typeface="Kalinga"/>
+        <a:font script="Mlym" typeface="Kartika"/>
+        <a:font script="Laoo" typeface="DokChampa"/>
+        <a:font script="Sinh" typeface="Iskoola Pota"/>
+        <a:font script="Mong" typeface="Mongolian Baiti"/>
+        <a:font script="Viet" typeface="Times New Roman"/>
+        <a:font script="Uigh" typeface="Microsoft Uighur"/>
+        <a:font script="Geor" typeface="Sylfaen"/>
+      </a:majorFont>
+      <a:minorFont>
+        <a:latin typeface="Arial"/>
+        <a:ea typeface=""/>
+        <a:cs typeface=""/>
+        <a:font script="Jpan" typeface="ＭＳ Ｐゴシック"/>
+        <a:font script="Hang" typeface="맑은 고딕"/>
+        <a:font script="Hans" typeface="宋体"/>
+        <a:font script="Hant" typeface="新細明體"/>
+        <a:font script="Arab" typeface="Arial"/>
+        <a:font script="Hebr" typeface="Arial"/>
+        <a:font script="Thai" typeface="Cordia New"/>
+        <a:font script="Ethi" typeface="Nyala"/>
+        <a:font script="Beng" typeface="Vrinda"/>
+        <a:font script="Gujr" typeface="Shruti"/>
+        <a:font script="Khmr" typeface="DaunPenh"/>
+        <a:font script="Knda" typeface="Tunga"/>
+        <a:font script="Guru" typeface="Raavi"/>
+        <a:font script="Cans" typeface="Euphemia"/>
+        <a:font script="Cher" typeface="Plantagenet Cherokee"/>
+        <a:font script="Yiii" typeface="Microsoft Yi Baiti"/>
+        <a:font script="Tibt" typeface="Microsoft Himalaya"/>
+        <a:font script="Thaa" typeface="MV Boli"/>
+        <a:font script="Deva" typeface="Mangal"/>
+        <a:font script="Telu" typeface="Gautami"/>
+        <a:font script="Taml" typeface="Latha"/>
+        <a:font script="Syrc" typeface="Estrangelo Edessa"/>
+        <a:font script="Orya" typeface="Kalinga"/>
+        <a:font script="Mlym" typeface="Kartika"/>
+        <a:font script="Laoo" typeface="DokChampa"/>
+        <a:font script="Sinh" typeface="Iskoola Pota"/>
+        <a:font script="Mong" typeface="Mongolian Baiti"/>
+        <a:font script="Viet" typeface="Arial"/>
+        <a:font script="Uigh" typeface="Microsoft Uighur"/>
+        <a:font script="Geor" typeface="Sylfaen"/>
+      </a:minorFont>
+    </a:fontScheme>
+    <a:fmtScheme name="Office">
+      <a:fillStyleLst>
+        <a:solidFill>
+          <a:schemeClr val="phClr"/>
+        </a:solidFill>
+        <a:gradFill rotWithShape="1">
+          <a:gsLst>
+            <a:gs pos="0">
+              <a:schemeClr val="phClr">
+                <a:tint val="50000"/>
+                <a:satMod val="300000"/>
+              </a:schemeClr>
+            </a:gs>
+            <a:gs pos="35000">
+              <a:schemeClr val="phClr">
+                <a:tint val="37000"/>
+                <a:satMod val="300000"/>
+              </a:schemeClr>
+            </a:gs>
+            <a:gs pos="100000">
+              <a:schemeClr val="phClr">
+                <a:tint val="15000"/>
+                <a:satMod val="350000"/>
+              </a:schemeClr>
+            </a:gs>
+          </a:gsLst>
+          <a:lin ang="16200000" scaled="1"/>
+        </a:gradFill>
+        <a:gradFill rotWithShape="1">
+          <a:gsLst>
+            <a:gs pos="0">
+              <a:schemeClr val="phClr">
+                <a:tint val="100000"/>
+                <a:shade val="100000"/>
+                <a:satMod val="130000"/>
+              </a:schemeClr>
+            </a:gs>
+            <a:gs pos="100000">
+              <a:schemeClr val="phClr">
+                <a:tint val="50000"/>
+                <a:shade val="100000"/>
+                <a:satMod val="350000"/>
+              </a:schemeClr>
+            </a:gs>
+          </a:gsLst>
+          <a:lin ang="16200000" scaled="0"/>
+        </a:gradFill>
+      </a:fillStyleLst>
+      <a:lnStyleLst>
+        <a:ln w="9525" cap="flat" cmpd="sng" algn="ctr">
+          <a:solidFill>
+            <a:schemeClr val="phClr">
+              <a:shade val="95000"/>
+              <a:satMod val="105000"/>
+            </a:schemeClr>
+          </a:solidFill>
+          <a:prstDash val="solid"/>
+        </a:ln>
+        <a:ln w="25400" cap="flat" cmpd="sng" algn="ctr">
+          <a:solidFill>
+            <a:schemeClr val="phClr"/>
+          </a:solidFill>
+          <a:prstDash val="solid"/>
+        </a:ln>
+        <a:ln w="38100" cap="flat" cmpd="sng" algn="ctr">
+          <a:solidFill>
+            <a:schemeClr val="phClr"/>
+          </a:solidFill>
+          <a:prstDash val="solid"/>
+        </a:ln>
+      </a:lnStyleLst>
+      <a:effectStyleLst>
+        <a:effectStyle>
+          <a:effectLst>
+            <a:outerShdw blurRad="40000" dist="20000" dir="5400000" rotWithShape="0">
+              <a:srgbClr val="000000">
+                <a:alpha val="38000"/>
+              </a:srgbClr>
+            </a:outerShdw>
+          </a:effectLst>
+        </a:effectStyle>
+        <a:effectStyle>
+          <a:effectLst>
+            <a:outerShdw blurRad="40000" dist="23000" dir="5400000" rotWithShape="0">
+              <a:srgbClr val="000000">
+                <a:alpha val="35000"/>
+              </a:srgbClr>
+            </a:outerShdw>
+          </a:effectLst>
+        </a:effectStyle>
+        <a:effectStyle>
+          <a:effectLst>
+            <a:outerShdw blurRad="40000" dist="23000" dir="5400000" rotWithShape="0">
+              <a:srgbClr val="000000">
+                <a:alpha val="35000"/>
+              </a:srgbClr>
+            </a:outerShdw>
+          </a:effectLst>
+          <a:scene3d>
+            <a:camera prst="orthographicFront">
+              <a:rot lat="0" lon="0" rev="0"/>
+            </a:camera>
+            <a:lightRig rig="threePt" dir="t">
+              <a:rot lat="0" lon="0" rev="1200000"/>
+            </a:lightRig>
+          </a:scene3d>
+          <a:sp3d>
+            <a:bevelT w="63500" h="25400"/>
+          </a:sp3d>
+        </a:effectStyle>
+      </a:effectStyleLst>
+      <a:bgFillStyleLst>
+        <a:solidFill>
+          <a:schemeClr val="phClr"/>
+        </a:solidFill>
+        <a:gradFill rotWithShape="1">
+          <a:gsLst>
+            <a:gs pos="0">
+              <a:schemeClr val="phClr">
+                <a:tint val="40000"/>
+                <a:satMod val="350000"/>
+              </a:schemeClr>
+            </a:gs>
+            <a:gs pos="40000">
+              <a:schemeClr val="phClr">
+                <a:tint val="45000"/>
+                <a:shade val="99000"/>
+                <a:satMod val="350000"/>
+              </a:schemeClr>
+            </a:gs>
+            <a:gs pos="100000">
+              <a:schemeClr val="phClr">
+                <a:shade val="20000"/>
+                <a:satMod val="255000"/>
+              </a:schemeClr>
+            </a:gs>
+          </a:gsLst>
+          <a:path path="circle">
+            <a:fillToRect l="50000" t="-80000" r="50000" b="180000"/>
+          </a:path>
+        </a:gradFill>
+        <a:gradFill rotWithShape="1">
+          <a:gsLst>
+            <a:gs pos="0">
+              <a:schemeClr val="phClr">
+                <a:tint val="80000"/>
+                <a:satMod val="300000"/>
+              </a:schemeClr>
+            </a:gs>
+            <a:gs pos="100000">
+              <a:schemeClr val="phClr">
+                <a:shade val="30000"/>
+                <a:satMod val="200000"/>
+              </a:schemeClr>
+            </a:gs>
+          </a:gsLst>
+          <a:path path="circle">
+            <a:fillToRect l="50000" t="50000" r="50000" b="50000"/>
+          </a:path>
+        </a:gradFill>
+      </a:bgFillStyleLst>
+    </a:fmtScheme>
+  </a:themeElements>
+</a:theme>
+</file>
+
+<file path=ppt/theme/theme2.xml><?xml version="1.0" encoding="utf-8"?>
 <a:theme xmlns:a="http://schemas.openxmlformats.org/drawingml/2006/main" xmlns:r="http://schemas.openxmlformats.org/officeDocument/2006/relationships">
   <a:themeElements>
     <a:clrScheme name="Default">
@@ -30782,283 +32991,4 @@
     </a:fmtScheme>
   </a:themeElements>
 </a:theme>
-</file>
-
-<file path=ppt/theme/theme2.xml><?xml version="1.0" encoding="utf-8"?>
-<a:theme xmlns:a="http://schemas.openxmlformats.org/drawingml/2006/main" xmlns:r="http://schemas.openxmlformats.org/officeDocument/2006/relationships" name="Контур">
-  <a:themeElements>
-    <a:clrScheme name="Контур">
-      <a:dk1>
-        <a:srgbClr val="000000"/>
-      </a:dk1>
-      <a:lt1>
-        <a:srgbClr val="FFFFFF"/>
-      </a:lt1>
-      <a:dk2>
-        <a:srgbClr val="8D1E14"/>
-      </a:dk2>
-      <a:lt2>
-        <a:srgbClr val="FF744E"/>
-      </a:lt2>
-      <a:accent1>
-        <a:srgbClr val="E9B758"/>
-      </a:accent1>
-      <a:accent2>
-        <a:srgbClr val="FE8943"/>
-      </a:accent2>
-      <a:accent3>
-        <a:srgbClr val="AEA27C"/>
-      </a:accent3>
-      <a:accent4>
-        <a:srgbClr val="90B46E"/>
-      </a:accent4>
-      <a:accent5>
-        <a:srgbClr val="71AEC1"/>
-      </a:accent5>
-      <a:accent6>
-        <a:srgbClr val="C98DE7"/>
-      </a:accent6>
-      <a:hlink>
-        <a:srgbClr val="FF7A22"/>
-      </a:hlink>
-      <a:folHlink>
-        <a:srgbClr val="FDCD86"/>
-      </a:folHlink>
-    </a:clrScheme>
-    <a:fontScheme name="Office">
-      <a:majorFont>
-        <a:latin typeface="Arial"/>
-        <a:ea typeface=""/>
-        <a:cs typeface=""/>
-        <a:font script="Jpan" typeface="ＭＳ Ｐゴシック"/>
-        <a:font script="Hang" typeface="맑은 고딕"/>
-        <a:font script="Hans" typeface="宋体"/>
-        <a:font script="Hant" typeface="新細明體"/>
-        <a:font script="Arab" typeface="Times New Roman"/>
-        <a:font script="Hebr" typeface="Times New Roman"/>
-        <a:font script="Thai" typeface="Angsana New"/>
-        <a:font script="Ethi" typeface="Nyala"/>
-        <a:font script="Beng" typeface="Vrinda"/>
-        <a:font script="Gujr" typeface="Shruti"/>
-        <a:font script="Khmr" typeface="MoolBoran"/>
-        <a:font script="Knda" typeface="Tunga"/>
-        <a:font script="Guru" typeface="Raavi"/>
-        <a:font script="Cans" typeface="Euphemia"/>
-        <a:font script="Cher" typeface="Plantagenet Cherokee"/>
-        <a:font script="Yiii" typeface="Microsoft Yi Baiti"/>
-        <a:font script="Tibt" typeface="Microsoft Himalaya"/>
-        <a:font script="Thaa" typeface="MV Boli"/>
-        <a:font script="Deva" typeface="Mangal"/>
-        <a:font script="Telu" typeface="Gautami"/>
-        <a:font script="Taml" typeface="Latha"/>
-        <a:font script="Syrc" typeface="Estrangelo Edessa"/>
-        <a:font script="Orya" typeface="Kalinga"/>
-        <a:font script="Mlym" typeface="Kartika"/>
-        <a:font script="Laoo" typeface="DokChampa"/>
-        <a:font script="Sinh" typeface="Iskoola Pota"/>
-        <a:font script="Mong" typeface="Mongolian Baiti"/>
-        <a:font script="Viet" typeface="Times New Roman"/>
-        <a:font script="Uigh" typeface="Microsoft Uighur"/>
-        <a:font script="Geor" typeface="Sylfaen"/>
-      </a:majorFont>
-      <a:minorFont>
-        <a:latin typeface="Arial"/>
-        <a:ea typeface=""/>
-        <a:cs typeface=""/>
-        <a:font script="Jpan" typeface="ＭＳ Ｐゴシック"/>
-        <a:font script="Hang" typeface="맑은 고딕"/>
-        <a:font script="Hans" typeface="宋体"/>
-        <a:font script="Hant" typeface="新細明體"/>
-        <a:font script="Arab" typeface="Arial"/>
-        <a:font script="Hebr" typeface="Arial"/>
-        <a:font script="Thai" typeface="Cordia New"/>
-        <a:font script="Ethi" typeface="Nyala"/>
-        <a:font script="Beng" typeface="Vrinda"/>
-        <a:font script="Gujr" typeface="Shruti"/>
-        <a:font script="Khmr" typeface="DaunPenh"/>
-        <a:font script="Knda" typeface="Tunga"/>
-        <a:font script="Guru" typeface="Raavi"/>
-        <a:font script="Cans" typeface="Euphemia"/>
-        <a:font script="Cher" typeface="Plantagenet Cherokee"/>
-        <a:font script="Yiii" typeface="Microsoft Yi Baiti"/>
-        <a:font script="Tibt" typeface="Microsoft Himalaya"/>
-        <a:font script="Thaa" typeface="MV Boli"/>
-        <a:font script="Deva" typeface="Mangal"/>
-        <a:font script="Telu" typeface="Gautami"/>
-        <a:font script="Taml" typeface="Latha"/>
-        <a:font script="Syrc" typeface="Estrangelo Edessa"/>
-        <a:font script="Orya" typeface="Kalinga"/>
-        <a:font script="Mlym" typeface="Kartika"/>
-        <a:font script="Laoo" typeface="DokChampa"/>
-        <a:font script="Sinh" typeface="Iskoola Pota"/>
-        <a:font script="Mong" typeface="Mongolian Baiti"/>
-        <a:font script="Viet" typeface="Arial"/>
-        <a:font script="Uigh" typeface="Microsoft Uighur"/>
-        <a:font script="Geor" typeface="Sylfaen"/>
-      </a:minorFont>
-    </a:fontScheme>
-    <a:fmtScheme name="Office">
-      <a:fillStyleLst>
-        <a:solidFill>
-          <a:schemeClr val="phClr"/>
-        </a:solidFill>
-        <a:gradFill rotWithShape="1">
-          <a:gsLst>
-            <a:gs pos="0">
-              <a:schemeClr val="phClr">
-                <a:tint val="50000"/>
-                <a:satMod val="300000"/>
-              </a:schemeClr>
-            </a:gs>
-            <a:gs pos="35000">
-              <a:schemeClr val="phClr">
-                <a:tint val="37000"/>
-                <a:satMod val="300000"/>
-              </a:schemeClr>
-            </a:gs>
-            <a:gs pos="100000">
-              <a:schemeClr val="phClr">
-                <a:tint val="15000"/>
-                <a:satMod val="350000"/>
-              </a:schemeClr>
-            </a:gs>
-          </a:gsLst>
-          <a:lin ang="16200000" scaled="1"/>
-        </a:gradFill>
-        <a:gradFill rotWithShape="1">
-          <a:gsLst>
-            <a:gs pos="0">
-              <a:schemeClr val="phClr">
-                <a:tint val="100000"/>
-                <a:shade val="100000"/>
-                <a:satMod val="130000"/>
-              </a:schemeClr>
-            </a:gs>
-            <a:gs pos="100000">
-              <a:schemeClr val="phClr">
-                <a:tint val="50000"/>
-                <a:shade val="100000"/>
-                <a:satMod val="350000"/>
-              </a:schemeClr>
-            </a:gs>
-          </a:gsLst>
-          <a:lin ang="16200000" scaled="0"/>
-        </a:gradFill>
-      </a:fillStyleLst>
-      <a:lnStyleLst>
-        <a:ln w="9525" cap="flat" cmpd="sng" algn="ctr">
-          <a:solidFill>
-            <a:schemeClr val="phClr">
-              <a:shade val="95000"/>
-              <a:satMod val="105000"/>
-            </a:schemeClr>
-          </a:solidFill>
-          <a:prstDash val="solid"/>
-        </a:ln>
-        <a:ln w="25400" cap="flat" cmpd="sng" algn="ctr">
-          <a:solidFill>
-            <a:schemeClr val="phClr"/>
-          </a:solidFill>
-          <a:prstDash val="solid"/>
-        </a:ln>
-        <a:ln w="38100" cap="flat" cmpd="sng" algn="ctr">
-          <a:solidFill>
-            <a:schemeClr val="phClr"/>
-          </a:solidFill>
-          <a:prstDash val="solid"/>
-        </a:ln>
-      </a:lnStyleLst>
-      <a:effectStyleLst>
-        <a:effectStyle>
-          <a:effectLst>
-            <a:outerShdw blurRad="40000" dist="20000" dir="5400000" rotWithShape="0">
-              <a:srgbClr val="000000">
-                <a:alpha val="38000"/>
-              </a:srgbClr>
-            </a:outerShdw>
-          </a:effectLst>
-        </a:effectStyle>
-        <a:effectStyle>
-          <a:effectLst>
-            <a:outerShdw blurRad="40000" dist="23000" dir="5400000" rotWithShape="0">
-              <a:srgbClr val="000000">
-                <a:alpha val="35000"/>
-              </a:srgbClr>
-            </a:outerShdw>
-          </a:effectLst>
-        </a:effectStyle>
-        <a:effectStyle>
-          <a:effectLst>
-            <a:outerShdw blurRad="40000" dist="23000" dir="5400000" rotWithShape="0">
-              <a:srgbClr val="000000">
-                <a:alpha val="35000"/>
-              </a:srgbClr>
-            </a:outerShdw>
-          </a:effectLst>
-          <a:scene3d>
-            <a:camera prst="orthographicFront">
-              <a:rot lat="0" lon="0" rev="0"/>
-            </a:camera>
-            <a:lightRig rig="threePt" dir="t">
-              <a:rot lat="0" lon="0" rev="1200000"/>
-            </a:lightRig>
-          </a:scene3d>
-          <a:sp3d>
-            <a:bevelT w="63500" h="25400"/>
-          </a:sp3d>
-        </a:effectStyle>
-      </a:effectStyleLst>
-      <a:bgFillStyleLst>
-        <a:solidFill>
-          <a:schemeClr val="phClr"/>
-        </a:solidFill>
-        <a:gradFill rotWithShape="1">
-          <a:gsLst>
-            <a:gs pos="0">
-              <a:schemeClr val="phClr">
-                <a:tint val="40000"/>
-                <a:satMod val="350000"/>
-              </a:schemeClr>
-            </a:gs>
-            <a:gs pos="40000">
-              <a:schemeClr val="phClr">
-                <a:tint val="45000"/>
-                <a:shade val="99000"/>
-                <a:satMod val="350000"/>
-              </a:schemeClr>
-            </a:gs>
-            <a:gs pos="100000">
-              <a:schemeClr val="phClr">
-                <a:shade val="20000"/>
-                <a:satMod val="255000"/>
-              </a:schemeClr>
-            </a:gs>
-          </a:gsLst>
-          <a:path path="circle">
-            <a:fillToRect l="50000" t="-80000" r="50000" b="180000"/>
-          </a:path>
-        </a:gradFill>
-        <a:gradFill rotWithShape="1">
-          <a:gsLst>
-            <a:gs pos="0">
-              <a:schemeClr val="phClr">
-                <a:tint val="80000"/>
-                <a:satMod val="300000"/>
-              </a:schemeClr>
-            </a:gs>
-            <a:gs pos="100000">
-              <a:schemeClr val="phClr">
-                <a:shade val="30000"/>
-                <a:satMod val="200000"/>
-              </a:schemeClr>
-            </a:gs>
-          </a:gsLst>
-          <a:path path="circle">
-            <a:fillToRect l="50000" t="50000" r="50000" b="50000"/>
-          </a:path>
-        </a:gradFill>
-      </a:bgFillStyleLst>
-    </a:fmtScheme>
-  </a:themeElements>
-</a:theme>
 </file>